--- a/presentation/Topic_4_Pandas_Excel_CSV_Sets.pptx
+++ b/presentation/Topic_4_Pandas_Excel_CSV_Sets.pptx
@@ -7,30 +7,31 @@
   <p:sldIdLst>
     <p:sldId id="283" r:id="rId2"/>
     <p:sldId id="257" r:id="rId3"/>
-    <p:sldId id="258" r:id="rId4"/>
-    <p:sldId id="259" r:id="rId5"/>
-    <p:sldId id="260" r:id="rId6"/>
-    <p:sldId id="261" r:id="rId7"/>
-    <p:sldId id="262" r:id="rId8"/>
-    <p:sldId id="263" r:id="rId9"/>
-    <p:sldId id="264" r:id="rId10"/>
-    <p:sldId id="265" r:id="rId11"/>
-    <p:sldId id="266" r:id="rId12"/>
-    <p:sldId id="267" r:id="rId13"/>
-    <p:sldId id="268" r:id="rId14"/>
-    <p:sldId id="269" r:id="rId15"/>
-    <p:sldId id="270" r:id="rId16"/>
-    <p:sldId id="271" r:id="rId17"/>
-    <p:sldId id="272" r:id="rId18"/>
-    <p:sldId id="273" r:id="rId19"/>
-    <p:sldId id="274" r:id="rId20"/>
-    <p:sldId id="275" r:id="rId21"/>
-    <p:sldId id="276" r:id="rId22"/>
-    <p:sldId id="277" r:id="rId23"/>
-    <p:sldId id="278" r:id="rId24"/>
-    <p:sldId id="279" r:id="rId25"/>
-    <p:sldId id="280" r:id="rId26"/>
-    <p:sldId id="281" r:id="rId27"/>
+    <p:sldId id="284" r:id="rId4"/>
+    <p:sldId id="258" r:id="rId5"/>
+    <p:sldId id="259" r:id="rId6"/>
+    <p:sldId id="260" r:id="rId7"/>
+    <p:sldId id="261" r:id="rId8"/>
+    <p:sldId id="262" r:id="rId9"/>
+    <p:sldId id="263" r:id="rId10"/>
+    <p:sldId id="264" r:id="rId11"/>
+    <p:sldId id="265" r:id="rId12"/>
+    <p:sldId id="266" r:id="rId13"/>
+    <p:sldId id="267" r:id="rId14"/>
+    <p:sldId id="268" r:id="rId15"/>
+    <p:sldId id="269" r:id="rId16"/>
+    <p:sldId id="270" r:id="rId17"/>
+    <p:sldId id="271" r:id="rId18"/>
+    <p:sldId id="272" r:id="rId19"/>
+    <p:sldId id="273" r:id="rId20"/>
+    <p:sldId id="274" r:id="rId21"/>
+    <p:sldId id="275" r:id="rId22"/>
+    <p:sldId id="276" r:id="rId23"/>
+    <p:sldId id="277" r:id="rId24"/>
+    <p:sldId id="278" r:id="rId25"/>
+    <p:sldId id="279" r:id="rId26"/>
+    <p:sldId id="280" r:id="rId27"/>
+    <p:sldId id="281" r:id="rId28"/>
   </p:sldIdLst>
   <p:sldSz cx="9144000" cy="6858000" type="screen4x3"/>
   <p:notesSz cx="6858000" cy="9144000"/>
@@ -149,6 +150,790 @@
 </file>
 
 <file path=ppt/diagrams/colors1.xml><?xml version="1.0" encoding="utf-8"?>
+<dgm:colorsDef xmlns:dgm="http://schemas.openxmlformats.org/drawingml/2006/diagram" xmlns:a="http://schemas.openxmlformats.org/drawingml/2006/main" uniqueId="urn:microsoft.com/office/officeart/2018/5/colors/Iconchunking_neutralbg_colorful5">
+  <dgm:title val=""/>
+  <dgm:desc val=""/>
+  <dgm:catLst>
+    <dgm:cat type="colorful" pri="10500"/>
+  </dgm:catLst>
+  <dgm:styleLbl name="node0">
+    <dgm:fillClrLst meth="repeat">
+      <a:schemeClr val="accent4"/>
+    </dgm:fillClrLst>
+    <dgm:linClrLst meth="repeat">
+      <a:schemeClr val="lt1"/>
+    </dgm:linClrLst>
+    <dgm:effectClrLst/>
+    <dgm:txLinClrLst/>
+    <dgm:txFillClrLst/>
+    <dgm:txEffectClrLst/>
+  </dgm:styleLbl>
+  <dgm:styleLbl name="node1">
+    <dgm:fillClrLst>
+      <a:schemeClr val="accent5"/>
+      <a:schemeClr val="accent6"/>
+    </dgm:fillClrLst>
+    <dgm:linClrLst meth="repeat">
+      <a:schemeClr val="lt1">
+        <a:alpha val="0"/>
+      </a:schemeClr>
+    </dgm:linClrLst>
+    <dgm:effectClrLst/>
+    <dgm:txLinClrLst/>
+    <dgm:txFillClrLst/>
+    <dgm:txEffectClrLst/>
+  </dgm:styleLbl>
+  <dgm:styleLbl name="alignNode1">
+    <dgm:fillClrLst>
+      <a:schemeClr val="accent5"/>
+      <a:schemeClr val="accent6"/>
+    </dgm:fillClrLst>
+    <dgm:linClrLst>
+      <a:schemeClr val="accent5"/>
+      <a:schemeClr val="accent6"/>
+    </dgm:linClrLst>
+    <dgm:effectClrLst/>
+    <dgm:txLinClrLst/>
+    <dgm:txFillClrLst/>
+    <dgm:txEffectClrLst/>
+  </dgm:styleLbl>
+  <dgm:styleLbl name="lnNode1">
+    <dgm:fillClrLst>
+      <a:schemeClr val="accent5"/>
+      <a:schemeClr val="accent6"/>
+    </dgm:fillClrLst>
+    <dgm:linClrLst meth="repeat">
+      <a:schemeClr val="lt1"/>
+    </dgm:linClrLst>
+    <dgm:effectClrLst/>
+    <dgm:txLinClrLst/>
+    <dgm:txFillClrLst/>
+    <dgm:txEffectClrLst/>
+  </dgm:styleLbl>
+  <dgm:styleLbl name="vennNode1">
+    <dgm:fillClrLst>
+      <a:schemeClr val="accent5">
+        <a:alpha val="50000"/>
+      </a:schemeClr>
+      <a:schemeClr val="accent6">
+        <a:alpha val="50000"/>
+      </a:schemeClr>
+    </dgm:fillClrLst>
+    <dgm:linClrLst meth="repeat">
+      <a:schemeClr val="lt1"/>
+    </dgm:linClrLst>
+    <dgm:effectClrLst/>
+    <dgm:txLinClrLst/>
+    <dgm:txFillClrLst/>
+    <dgm:txEffectClrLst/>
+  </dgm:styleLbl>
+  <dgm:styleLbl name="node2">
+    <dgm:fillClrLst>
+      <a:schemeClr val="accent6"/>
+    </dgm:fillClrLst>
+    <dgm:linClrLst meth="repeat">
+      <a:schemeClr val="lt1"/>
+    </dgm:linClrLst>
+    <dgm:effectClrLst/>
+    <dgm:txLinClrLst/>
+    <dgm:txFillClrLst/>
+    <dgm:txEffectClrLst/>
+  </dgm:styleLbl>
+  <dgm:styleLbl name="node3">
+    <dgm:fillClrLst>
+      <a:schemeClr val="accent1"/>
+    </dgm:fillClrLst>
+    <dgm:linClrLst meth="repeat">
+      <a:schemeClr val="lt1"/>
+    </dgm:linClrLst>
+    <dgm:effectClrLst/>
+    <dgm:txLinClrLst/>
+    <dgm:txFillClrLst/>
+    <dgm:txEffectClrLst/>
+  </dgm:styleLbl>
+  <dgm:styleLbl name="node4">
+    <dgm:fillClrLst>
+      <a:schemeClr val="accent2"/>
+    </dgm:fillClrLst>
+    <dgm:linClrLst meth="repeat">
+      <a:schemeClr val="lt1"/>
+    </dgm:linClrLst>
+    <dgm:effectClrLst/>
+    <dgm:txLinClrLst/>
+    <dgm:txFillClrLst/>
+    <dgm:txEffectClrLst/>
+  </dgm:styleLbl>
+  <dgm:styleLbl name="fgImgPlace1">
+    <dgm:fillClrLst>
+      <a:schemeClr val="accent5">
+        <a:tint val="50000"/>
+      </a:schemeClr>
+      <a:schemeClr val="accent6">
+        <a:tint val="50000"/>
+      </a:schemeClr>
+    </dgm:fillClrLst>
+    <dgm:linClrLst meth="repeat">
+      <a:schemeClr val="lt1"/>
+    </dgm:linClrLst>
+    <dgm:effectClrLst/>
+    <dgm:txLinClrLst/>
+    <dgm:txFillClrLst meth="repeat">
+      <a:schemeClr val="lt1"/>
+    </dgm:txFillClrLst>
+    <dgm:txEffectClrLst/>
+  </dgm:styleLbl>
+  <dgm:styleLbl name="alignImgPlace1">
+    <dgm:fillClrLst>
+      <a:schemeClr val="accent5">
+        <a:tint val="50000"/>
+      </a:schemeClr>
+      <a:schemeClr val="accent6">
+        <a:tint val="20000"/>
+      </a:schemeClr>
+    </dgm:fillClrLst>
+    <dgm:linClrLst meth="repeat">
+      <a:schemeClr val="lt1"/>
+    </dgm:linClrLst>
+    <dgm:effectClrLst/>
+    <dgm:txLinClrLst/>
+    <dgm:txFillClrLst meth="repeat">
+      <a:schemeClr val="lt1"/>
+    </dgm:txFillClrLst>
+    <dgm:txEffectClrLst/>
+  </dgm:styleLbl>
+  <dgm:styleLbl name="bgImgPlace1">
+    <dgm:fillClrLst>
+      <a:schemeClr val="accent5">
+        <a:tint val="50000"/>
+      </a:schemeClr>
+      <a:schemeClr val="accent6">
+        <a:tint val="20000"/>
+      </a:schemeClr>
+    </dgm:fillClrLst>
+    <dgm:linClrLst meth="repeat">
+      <a:schemeClr val="lt1"/>
+    </dgm:linClrLst>
+    <dgm:effectClrLst/>
+    <dgm:txLinClrLst/>
+    <dgm:txFillClrLst meth="repeat">
+      <a:schemeClr val="lt1"/>
+    </dgm:txFillClrLst>
+    <dgm:txEffectClrLst/>
+  </dgm:styleLbl>
+  <dgm:styleLbl name="sibTrans2D1">
+    <dgm:fillClrLst>
+      <a:schemeClr val="accent5"/>
+      <a:schemeClr val="accent6"/>
+    </dgm:fillClrLst>
+    <dgm:linClrLst meth="repeat">
+      <a:schemeClr val="lt1"/>
+    </dgm:linClrLst>
+    <dgm:effectClrLst/>
+    <dgm:txLinClrLst/>
+    <dgm:txFillClrLst/>
+    <dgm:txEffectClrLst/>
+  </dgm:styleLbl>
+  <dgm:styleLbl name="fgSibTrans2D1">
+    <dgm:fillClrLst>
+      <a:schemeClr val="accent5"/>
+      <a:schemeClr val="accent6"/>
+    </dgm:fillClrLst>
+    <dgm:linClrLst meth="repeat">
+      <a:schemeClr val="lt1"/>
+    </dgm:linClrLst>
+    <dgm:effectClrLst/>
+    <dgm:txLinClrLst/>
+    <dgm:txFillClrLst meth="repeat">
+      <a:schemeClr val="lt1"/>
+    </dgm:txFillClrLst>
+    <dgm:txEffectClrLst/>
+  </dgm:styleLbl>
+  <dgm:styleLbl name="bgSibTrans2D1">
+    <dgm:fillClrLst>
+      <a:schemeClr val="accent5"/>
+      <a:schemeClr val="accent6"/>
+    </dgm:fillClrLst>
+    <dgm:linClrLst meth="repeat">
+      <a:schemeClr val="lt1"/>
+    </dgm:linClrLst>
+    <dgm:effectClrLst/>
+    <dgm:txLinClrLst/>
+    <dgm:txFillClrLst meth="repeat">
+      <a:schemeClr val="lt1"/>
+    </dgm:txFillClrLst>
+    <dgm:txEffectClrLst/>
+  </dgm:styleLbl>
+  <dgm:styleLbl name="sibTrans1D1">
+    <dgm:fillClrLst/>
+    <dgm:linClrLst>
+      <a:schemeClr val="accent5"/>
+      <a:schemeClr val="accent6"/>
+    </dgm:linClrLst>
+    <dgm:effectClrLst/>
+    <dgm:txLinClrLst/>
+    <dgm:txFillClrLst meth="repeat">
+      <a:schemeClr val="tx1"/>
+    </dgm:txFillClrLst>
+    <dgm:txEffectClrLst/>
+  </dgm:styleLbl>
+  <dgm:styleLbl name="callout">
+    <dgm:fillClrLst meth="repeat">
+      <a:schemeClr val="accent5"/>
+    </dgm:fillClrLst>
+    <dgm:linClrLst meth="repeat">
+      <a:schemeClr val="accent5">
+        <a:tint val="50000"/>
+      </a:schemeClr>
+    </dgm:linClrLst>
+    <dgm:effectClrLst/>
+    <dgm:txLinClrLst/>
+    <dgm:txFillClrLst meth="repeat">
+      <a:schemeClr val="tx1"/>
+    </dgm:txFillClrLst>
+    <dgm:txEffectClrLst/>
+  </dgm:styleLbl>
+  <dgm:styleLbl name="asst0">
+    <dgm:fillClrLst meth="repeat">
+      <a:schemeClr val="accent5"/>
+    </dgm:fillClrLst>
+    <dgm:linClrLst meth="repeat">
+      <a:schemeClr val="lt1">
+        <a:shade val="80000"/>
+      </a:schemeClr>
+    </dgm:linClrLst>
+    <dgm:effectClrLst/>
+    <dgm:txLinClrLst/>
+    <dgm:txFillClrLst/>
+    <dgm:txEffectClrLst/>
+  </dgm:styleLbl>
+  <dgm:styleLbl name="asst1">
+    <dgm:fillClrLst meth="repeat">
+      <a:schemeClr val="accent6"/>
+    </dgm:fillClrLst>
+    <dgm:linClrLst meth="repeat">
+      <a:schemeClr val="lt1">
+        <a:shade val="80000"/>
+      </a:schemeClr>
+    </dgm:linClrLst>
+    <dgm:effectClrLst/>
+    <dgm:txLinClrLst/>
+    <dgm:txFillClrLst/>
+    <dgm:txEffectClrLst/>
+  </dgm:styleLbl>
+  <dgm:styleLbl name="asst2">
+    <dgm:fillClrLst>
+      <a:schemeClr val="accent1"/>
+    </dgm:fillClrLst>
+    <dgm:linClrLst meth="repeat">
+      <a:schemeClr val="lt1"/>
+    </dgm:linClrLst>
+    <dgm:effectClrLst/>
+    <dgm:txLinClrLst/>
+    <dgm:txFillClrLst/>
+    <dgm:txEffectClrLst/>
+  </dgm:styleLbl>
+  <dgm:styleLbl name="asst3">
+    <dgm:fillClrLst>
+      <a:schemeClr val="accent2"/>
+    </dgm:fillClrLst>
+    <dgm:linClrLst meth="repeat">
+      <a:schemeClr val="lt1"/>
+    </dgm:linClrLst>
+    <dgm:effectClrLst/>
+    <dgm:txLinClrLst/>
+    <dgm:txFillClrLst/>
+    <dgm:txEffectClrLst/>
+  </dgm:styleLbl>
+  <dgm:styleLbl name="asst4">
+    <dgm:fillClrLst>
+      <a:schemeClr val="accent3"/>
+    </dgm:fillClrLst>
+    <dgm:linClrLst meth="repeat">
+      <a:schemeClr val="lt1"/>
+    </dgm:linClrLst>
+    <dgm:effectClrLst/>
+    <dgm:txLinClrLst/>
+    <dgm:txFillClrLst/>
+    <dgm:txEffectClrLst/>
+  </dgm:styleLbl>
+  <dgm:styleLbl name="parChTrans2D1">
+    <dgm:fillClrLst meth="repeat">
+      <a:schemeClr val="accent5"/>
+    </dgm:fillClrLst>
+    <dgm:linClrLst meth="repeat">
+      <a:schemeClr val="lt1"/>
+    </dgm:linClrLst>
+    <dgm:effectClrLst/>
+    <dgm:txLinClrLst/>
+    <dgm:txFillClrLst meth="repeat">
+      <a:schemeClr val="lt1"/>
+    </dgm:txFillClrLst>
+    <dgm:txEffectClrLst/>
+  </dgm:styleLbl>
+  <dgm:styleLbl name="parChTrans2D2">
+    <dgm:fillClrLst meth="repeat">
+      <a:schemeClr val="accent6"/>
+    </dgm:fillClrLst>
+    <dgm:linClrLst meth="repeat">
+      <a:schemeClr val="lt1"/>
+    </dgm:linClrLst>
+    <dgm:effectClrLst/>
+    <dgm:txLinClrLst/>
+    <dgm:txFillClrLst/>
+    <dgm:txEffectClrLst/>
+  </dgm:styleLbl>
+  <dgm:styleLbl name="parChTrans2D3">
+    <dgm:fillClrLst meth="repeat">
+      <a:schemeClr val="accent6"/>
+    </dgm:fillClrLst>
+    <dgm:linClrLst meth="repeat">
+      <a:schemeClr val="lt1"/>
+    </dgm:linClrLst>
+    <dgm:effectClrLst/>
+    <dgm:txLinClrLst/>
+    <dgm:txFillClrLst/>
+    <dgm:txEffectClrLst/>
+  </dgm:styleLbl>
+  <dgm:styleLbl name="parChTrans2D4">
+    <dgm:fillClrLst meth="repeat">
+      <a:schemeClr val="accent1"/>
+    </dgm:fillClrLst>
+    <dgm:linClrLst meth="repeat">
+      <a:schemeClr val="lt1"/>
+    </dgm:linClrLst>
+    <dgm:effectClrLst/>
+    <dgm:txLinClrLst/>
+    <dgm:txFillClrLst meth="repeat">
+      <a:schemeClr val="lt1"/>
+    </dgm:txFillClrLst>
+    <dgm:txEffectClrLst/>
+  </dgm:styleLbl>
+  <dgm:styleLbl name="parChTrans1D1">
+    <dgm:fillClrLst meth="repeat">
+      <a:schemeClr val="accent5"/>
+    </dgm:fillClrLst>
+    <dgm:linClrLst meth="repeat">
+      <a:schemeClr val="accent5"/>
+    </dgm:linClrLst>
+    <dgm:effectClrLst/>
+    <dgm:txLinClrLst/>
+    <dgm:txFillClrLst meth="repeat">
+      <a:schemeClr val="tx1"/>
+    </dgm:txFillClrLst>
+    <dgm:txEffectClrLst/>
+  </dgm:styleLbl>
+  <dgm:styleLbl name="parChTrans1D2">
+    <dgm:fillClrLst meth="repeat">
+      <a:schemeClr val="accent6">
+        <a:tint val="90000"/>
+      </a:schemeClr>
+    </dgm:fillClrLst>
+    <dgm:linClrLst meth="repeat">
+      <a:schemeClr val="accent6"/>
+    </dgm:linClrLst>
+    <dgm:effectClrLst/>
+    <dgm:txLinClrLst/>
+    <dgm:txFillClrLst meth="repeat">
+      <a:schemeClr val="tx1"/>
+    </dgm:txFillClrLst>
+    <dgm:txEffectClrLst/>
+  </dgm:styleLbl>
+  <dgm:styleLbl name="parChTrans1D3">
+    <dgm:fillClrLst meth="repeat">
+      <a:schemeClr val="accent6">
+        <a:tint val="70000"/>
+      </a:schemeClr>
+    </dgm:fillClrLst>
+    <dgm:linClrLst meth="repeat">
+      <a:schemeClr val="accent1"/>
+    </dgm:linClrLst>
+    <dgm:effectClrLst/>
+    <dgm:txLinClrLst/>
+    <dgm:txFillClrLst meth="repeat">
+      <a:schemeClr val="tx1"/>
+    </dgm:txFillClrLst>
+    <dgm:txEffectClrLst/>
+  </dgm:styleLbl>
+  <dgm:styleLbl name="parChTrans1D4">
+    <dgm:fillClrLst meth="repeat">
+      <a:schemeClr val="accent6">
+        <a:tint val="50000"/>
+      </a:schemeClr>
+    </dgm:fillClrLst>
+    <dgm:linClrLst meth="repeat">
+      <a:schemeClr val="accent2"/>
+    </dgm:linClrLst>
+    <dgm:effectClrLst/>
+    <dgm:txLinClrLst/>
+    <dgm:txFillClrLst meth="repeat">
+      <a:schemeClr val="tx1"/>
+    </dgm:txFillClrLst>
+    <dgm:txEffectClrLst/>
+  </dgm:styleLbl>
+  <dgm:styleLbl name="fgAcc1">
+    <dgm:fillClrLst meth="repeat">
+      <a:schemeClr val="lt1">
+        <a:alpha val="90000"/>
+      </a:schemeClr>
+    </dgm:fillClrLst>
+    <dgm:linClrLst>
+      <a:schemeClr val="accent5"/>
+      <a:schemeClr val="accent6"/>
+    </dgm:linClrLst>
+    <dgm:effectClrLst/>
+    <dgm:txLinClrLst/>
+    <dgm:txFillClrLst meth="repeat">
+      <a:schemeClr val="dk1"/>
+    </dgm:txFillClrLst>
+    <dgm:txEffectClrLst/>
+  </dgm:styleLbl>
+  <dgm:styleLbl name="conFgAcc1">
+    <dgm:fillClrLst meth="repeat">
+      <a:schemeClr val="lt1">
+        <a:alpha val="90000"/>
+      </a:schemeClr>
+    </dgm:fillClrLst>
+    <dgm:linClrLst>
+      <a:schemeClr val="accent5"/>
+      <a:schemeClr val="accent6"/>
+    </dgm:linClrLst>
+    <dgm:effectClrLst/>
+    <dgm:txLinClrLst/>
+    <dgm:txFillClrLst meth="repeat">
+      <a:schemeClr val="dk1"/>
+    </dgm:txFillClrLst>
+    <dgm:txEffectClrLst/>
+  </dgm:styleLbl>
+  <dgm:styleLbl name="alignAcc1">
+    <dgm:fillClrLst meth="repeat">
+      <a:schemeClr val="lt1">
+        <a:alpha val="90000"/>
+      </a:schemeClr>
+    </dgm:fillClrLst>
+    <dgm:linClrLst>
+      <a:schemeClr val="accent5"/>
+      <a:schemeClr val="accent6"/>
+    </dgm:linClrLst>
+    <dgm:effectClrLst/>
+    <dgm:txLinClrLst/>
+    <dgm:txFillClrLst meth="repeat">
+      <a:schemeClr val="dk1"/>
+    </dgm:txFillClrLst>
+    <dgm:txEffectClrLst/>
+  </dgm:styleLbl>
+  <dgm:styleLbl name="trAlignAcc1">
+    <dgm:fillClrLst meth="repeat">
+      <a:schemeClr val="lt1">
+        <a:alpha val="40000"/>
+      </a:schemeClr>
+    </dgm:fillClrLst>
+    <dgm:linClrLst meth="repeat">
+      <a:schemeClr val="accent5"/>
+    </dgm:linClrLst>
+    <dgm:effectClrLst/>
+    <dgm:txLinClrLst/>
+    <dgm:txFillClrLst meth="repeat">
+      <a:schemeClr val="dk1"/>
+    </dgm:txFillClrLst>
+    <dgm:txEffectClrLst/>
+  </dgm:styleLbl>
+  <dgm:styleLbl name="bgAcc1">
+    <dgm:fillClrLst meth="repeat">
+      <a:schemeClr val="lt1">
+        <a:alpha val="90000"/>
+      </a:schemeClr>
+    </dgm:fillClrLst>
+    <dgm:linClrLst>
+      <a:schemeClr val="accent5"/>
+      <a:schemeClr val="accent6"/>
+    </dgm:linClrLst>
+    <dgm:effectClrLst/>
+    <dgm:txLinClrLst/>
+    <dgm:txFillClrLst meth="repeat">
+      <a:schemeClr val="dk1"/>
+    </dgm:txFillClrLst>
+    <dgm:txEffectClrLst/>
+  </dgm:styleLbl>
+  <dgm:styleLbl name="solidFgAcc1">
+    <dgm:fillClrLst meth="repeat">
+      <a:schemeClr val="lt1"/>
+    </dgm:fillClrLst>
+    <dgm:linClrLst>
+      <a:schemeClr val="accent5"/>
+      <a:schemeClr val="accent6"/>
+    </dgm:linClrLst>
+    <dgm:effectClrLst/>
+    <dgm:txLinClrLst/>
+    <dgm:txFillClrLst meth="repeat">
+      <a:schemeClr val="dk1"/>
+    </dgm:txFillClrLst>
+    <dgm:txEffectClrLst/>
+  </dgm:styleLbl>
+  <dgm:styleLbl name="solidAlignAcc1">
+    <dgm:fillClrLst meth="repeat">
+      <a:schemeClr val="lt1"/>
+    </dgm:fillClrLst>
+    <dgm:linClrLst>
+      <a:schemeClr val="accent5"/>
+      <a:schemeClr val="accent6"/>
+    </dgm:linClrLst>
+    <dgm:effectClrLst/>
+    <dgm:txLinClrLst/>
+    <dgm:txFillClrLst meth="repeat">
+      <a:schemeClr val="dk1"/>
+    </dgm:txFillClrLst>
+    <dgm:txEffectClrLst/>
+  </dgm:styleLbl>
+  <dgm:styleLbl name="solidBgAcc1">
+    <dgm:fillClrLst meth="repeat">
+      <a:schemeClr val="lt1"/>
+    </dgm:fillClrLst>
+    <dgm:linClrLst>
+      <a:schemeClr val="accent5"/>
+      <a:schemeClr val="accent6"/>
+    </dgm:linClrLst>
+    <dgm:effectClrLst/>
+    <dgm:txLinClrLst/>
+    <dgm:txFillClrLst meth="repeat">
+      <a:schemeClr val="dk1"/>
+    </dgm:txFillClrLst>
+    <dgm:txEffectClrLst/>
+  </dgm:styleLbl>
+  <dgm:styleLbl name="fgAccFollowNode1">
+    <dgm:fillClrLst>
+      <a:schemeClr val="accent5">
+        <a:tint val="40000"/>
+        <a:alpha val="90000"/>
+      </a:schemeClr>
+      <a:schemeClr val="accent6">
+        <a:tint val="40000"/>
+        <a:alpha val="90000"/>
+      </a:schemeClr>
+    </dgm:fillClrLst>
+    <dgm:linClrLst>
+      <a:schemeClr val="accent5">
+        <a:tint val="40000"/>
+        <a:alpha val="90000"/>
+      </a:schemeClr>
+      <a:schemeClr val="accent5">
+        <a:tint val="40000"/>
+        <a:alpha val="90000"/>
+      </a:schemeClr>
+    </dgm:linClrLst>
+    <dgm:effectClrLst/>
+    <dgm:txLinClrLst/>
+    <dgm:txFillClrLst meth="repeat">
+      <a:schemeClr val="dk1"/>
+    </dgm:txFillClrLst>
+    <dgm:txEffectClrLst/>
+  </dgm:styleLbl>
+  <dgm:styleLbl name="alignAccFollowNode1">
+    <dgm:fillClrLst>
+      <a:schemeClr val="accent5">
+        <a:tint val="40000"/>
+        <a:alpha val="90000"/>
+      </a:schemeClr>
+      <a:schemeClr val="accent6">
+        <a:tint val="40000"/>
+        <a:alpha val="90000"/>
+      </a:schemeClr>
+    </dgm:fillClrLst>
+    <dgm:linClrLst>
+      <a:schemeClr val="accent5">
+        <a:tint val="40000"/>
+        <a:alpha val="90000"/>
+      </a:schemeClr>
+      <a:schemeClr val="accent6">
+        <a:tint val="40000"/>
+        <a:alpha val="90000"/>
+      </a:schemeClr>
+    </dgm:linClrLst>
+    <dgm:effectClrLst/>
+    <dgm:txLinClrLst/>
+    <dgm:txFillClrLst meth="repeat">
+      <a:schemeClr val="dk1"/>
+    </dgm:txFillClrLst>
+    <dgm:txEffectClrLst/>
+  </dgm:styleLbl>
+  <dgm:styleLbl name="bgAccFollowNode1">
+    <dgm:fillClrLst>
+      <a:schemeClr val="accent5">
+        <a:tint val="40000"/>
+        <a:alpha val="90000"/>
+      </a:schemeClr>
+      <a:schemeClr val="accent6">
+        <a:tint val="40000"/>
+        <a:alpha val="90000"/>
+      </a:schemeClr>
+    </dgm:fillClrLst>
+    <dgm:linClrLst>
+      <a:schemeClr val="accent5">
+        <a:tint val="40000"/>
+        <a:alpha val="90000"/>
+      </a:schemeClr>
+      <a:schemeClr val="accent6">
+        <a:tint val="40000"/>
+        <a:alpha val="90000"/>
+      </a:schemeClr>
+    </dgm:linClrLst>
+    <dgm:effectClrLst/>
+    <dgm:txLinClrLst/>
+    <dgm:txFillClrLst meth="repeat">
+      <a:schemeClr val="dk1"/>
+    </dgm:txFillClrLst>
+    <dgm:txEffectClrLst/>
+  </dgm:styleLbl>
+  <dgm:styleLbl name="fgAcc0">
+    <dgm:fillClrLst meth="repeat">
+      <a:schemeClr val="lt1">
+        <a:alpha val="90000"/>
+      </a:schemeClr>
+    </dgm:fillClrLst>
+    <dgm:linClrLst>
+      <a:schemeClr val="accent4"/>
+    </dgm:linClrLst>
+    <dgm:effectClrLst/>
+    <dgm:txLinClrLst/>
+    <dgm:txFillClrLst meth="repeat">
+      <a:schemeClr val="dk1"/>
+    </dgm:txFillClrLst>
+    <dgm:txEffectClrLst/>
+  </dgm:styleLbl>
+  <dgm:styleLbl name="fgAcc2">
+    <dgm:fillClrLst meth="repeat">
+      <a:schemeClr val="lt1">
+        <a:alpha val="90000"/>
+      </a:schemeClr>
+    </dgm:fillClrLst>
+    <dgm:linClrLst>
+      <a:schemeClr val="accent6"/>
+    </dgm:linClrLst>
+    <dgm:effectClrLst/>
+    <dgm:txLinClrLst/>
+    <dgm:txFillClrLst meth="repeat">
+      <a:schemeClr val="dk1"/>
+    </dgm:txFillClrLst>
+    <dgm:txEffectClrLst/>
+  </dgm:styleLbl>
+  <dgm:styleLbl name="fgAcc3">
+    <dgm:fillClrLst meth="repeat">
+      <a:schemeClr val="lt1">
+        <a:alpha val="90000"/>
+      </a:schemeClr>
+    </dgm:fillClrLst>
+    <dgm:linClrLst>
+      <a:schemeClr val="accent1"/>
+    </dgm:linClrLst>
+    <dgm:effectClrLst/>
+    <dgm:txLinClrLst/>
+    <dgm:txFillClrLst meth="repeat">
+      <a:schemeClr val="dk1"/>
+    </dgm:txFillClrLst>
+    <dgm:txEffectClrLst/>
+  </dgm:styleLbl>
+  <dgm:styleLbl name="fgAcc4">
+    <dgm:fillClrLst meth="repeat">
+      <a:schemeClr val="lt1">
+        <a:alpha val="90000"/>
+      </a:schemeClr>
+    </dgm:fillClrLst>
+    <dgm:linClrLst>
+      <a:schemeClr val="accent2"/>
+    </dgm:linClrLst>
+    <dgm:effectClrLst/>
+    <dgm:txLinClrLst/>
+    <dgm:txFillClrLst meth="repeat">
+      <a:schemeClr val="dk1"/>
+    </dgm:txFillClrLst>
+    <dgm:txEffectClrLst/>
+  </dgm:styleLbl>
+  <dgm:styleLbl name="bgShp">
+    <dgm:fillClrLst meth="repeat">
+      <a:schemeClr val="bg1">
+        <a:lumMod val="95000"/>
+      </a:schemeClr>
+    </dgm:fillClrLst>
+    <dgm:linClrLst meth="repeat">
+      <a:schemeClr val="dk1"/>
+    </dgm:linClrLst>
+    <dgm:effectClrLst/>
+    <dgm:txLinClrLst/>
+    <dgm:txFillClrLst meth="repeat">
+      <a:schemeClr val="dk1"/>
+    </dgm:txFillClrLst>
+    <dgm:txEffectClrLst/>
+  </dgm:styleLbl>
+  <dgm:styleLbl name="dkBgShp">
+    <dgm:fillClrLst meth="repeat">
+      <a:schemeClr val="accent5">
+        <a:shade val="90000"/>
+      </a:schemeClr>
+    </dgm:fillClrLst>
+    <dgm:linClrLst meth="repeat">
+      <a:schemeClr val="dk1"/>
+    </dgm:linClrLst>
+    <dgm:effectClrLst/>
+    <dgm:txLinClrLst/>
+    <dgm:txFillClrLst meth="repeat">
+      <a:schemeClr val="lt1"/>
+    </dgm:txFillClrLst>
+    <dgm:txEffectClrLst/>
+  </dgm:styleLbl>
+  <dgm:styleLbl name="trBgShp">
+    <dgm:fillClrLst meth="repeat">
+      <a:schemeClr val="accent5">
+        <a:tint val="50000"/>
+        <a:alpha val="40000"/>
+      </a:schemeClr>
+    </dgm:fillClrLst>
+    <dgm:linClrLst meth="repeat">
+      <a:schemeClr val="accent5"/>
+    </dgm:linClrLst>
+    <dgm:effectClrLst/>
+    <dgm:txLinClrLst/>
+    <dgm:txFillClrLst meth="repeat">
+      <a:schemeClr val="lt1"/>
+    </dgm:txFillClrLst>
+    <dgm:txEffectClrLst/>
+  </dgm:styleLbl>
+  <dgm:styleLbl name="fgShp">
+    <dgm:fillClrLst meth="repeat">
+      <a:schemeClr val="accent5">
+        <a:tint val="40000"/>
+      </a:schemeClr>
+    </dgm:fillClrLst>
+    <dgm:linClrLst meth="repeat">
+      <a:schemeClr val="lt1"/>
+    </dgm:linClrLst>
+    <dgm:effectClrLst/>
+    <dgm:txLinClrLst/>
+    <dgm:txFillClrLst meth="repeat">
+      <a:schemeClr val="dk1"/>
+    </dgm:txFillClrLst>
+    <dgm:txEffectClrLst/>
+  </dgm:styleLbl>
+  <dgm:styleLbl name="revTx">
+    <dgm:fillClrLst meth="repeat">
+      <a:schemeClr val="lt1">
+        <a:alpha val="0"/>
+      </a:schemeClr>
+    </dgm:fillClrLst>
+    <dgm:linClrLst meth="repeat">
+      <a:schemeClr val="dk1">
+        <a:alpha val="0"/>
+      </a:schemeClr>
+    </dgm:linClrLst>
+    <dgm:effectClrLst/>
+    <dgm:txLinClrLst/>
+    <dgm:txFillClrLst meth="repeat">
+      <a:schemeClr val="tx1"/>
+    </dgm:txFillClrLst>
+    <dgm:txEffectClrLst/>
+  </dgm:styleLbl>
+</dgm:colorsDef>
+</file>
+
+<file path=ppt/diagrams/colors2.xml><?xml version="1.0" encoding="utf-8"?>
 <dgm:colorsDef xmlns:dgm="http://schemas.openxmlformats.org/drawingml/2006/diagram" xmlns:a="http://schemas.openxmlformats.org/drawingml/2006/main" uniqueId="urn:microsoft.com/office/officeart/2005/8/colors/colorful2">
   <dgm:title val=""/>
   <dgm:desc val=""/>
@@ -930,7 +1715,7 @@
 </dgm:colorsDef>
 </file>
 
-<file path=ppt/diagrams/colors2.xml><?xml version="1.0" encoding="utf-8"?>
+<file path=ppt/diagrams/colors3.xml><?xml version="1.0" encoding="utf-8"?>
 <dgm:colorsDef xmlns:dgm="http://schemas.openxmlformats.org/drawingml/2006/diagram" xmlns:a="http://schemas.openxmlformats.org/drawingml/2006/main" uniqueId="urn:microsoft.com/office/officeart/2005/8/colors/accent1_2">
   <dgm:title val=""/>
   <dgm:desc val=""/>
@@ -1677,7 +2462,7 @@
 </dgm:colorsDef>
 </file>
 
-<file path=ppt/diagrams/colors3.xml><?xml version="1.0" encoding="utf-8"?>
+<file path=ppt/diagrams/colors4.xml><?xml version="1.0" encoding="utf-8"?>
 <dgm:colorsDef xmlns:dgm="http://schemas.openxmlformats.org/drawingml/2006/diagram" xmlns:a="http://schemas.openxmlformats.org/drawingml/2006/main" uniqueId="urn:microsoft.com/office/officeart/2005/8/colors/accent1_2">
   <dgm:title val=""/>
   <dgm:desc val=""/>
@@ -2425,6 +3210,339 @@
 </file>
 
 <file path=ppt/diagrams/data1.xml><?xml version="1.0" encoding="utf-8"?>
+<dgm:dataModel xmlns:dgm="http://schemas.openxmlformats.org/drawingml/2006/diagram" xmlns:a="http://schemas.openxmlformats.org/drawingml/2006/main">
+  <dgm:ptLst>
+    <dgm:pt modelId="{133F5024-167E-41A1-8D48-23A6227ABACC}" type="doc">
+      <dgm:prSet loTypeId="urn:microsoft.com/office/officeart/2018/2/layout/IconVerticalSolidList" loCatId="icon" qsTypeId="urn:microsoft.com/office/officeart/2005/8/quickstyle/simple1" qsCatId="simple" csTypeId="urn:microsoft.com/office/officeart/2018/5/colors/Iconchunking_neutralbg_colorful5" csCatId="colorful" phldr="1"/>
+      <dgm:spPr/>
+      <dgm:t>
+        <a:bodyPr/>
+        <a:lstStyle/>
+        <a:p>
+          <a:endParaRPr lang="en-US"/>
+        </a:p>
+      </dgm:t>
+    </dgm:pt>
+    <dgm:pt modelId="{2E3AAB24-13DD-40C0-9DFC-9BDD4724FE2B}">
+      <dgm:prSet/>
+      <dgm:spPr/>
+      <dgm:t>
+        <a:bodyPr/>
+        <a:lstStyle/>
+        <a:p>
+          <a:r>
+            <a:rPr lang="en-US" dirty="0" err="1"/>
+            <a:t>Jupyter</a:t>
+          </a:r>
+          <a:r>
+            <a:rPr lang="en-US" dirty="0"/>
+            <a:t> Notebooks</a:t>
+          </a:r>
+        </a:p>
+        <a:p>
+          <a:r>
+            <a:rPr lang="en-US" dirty="0"/>
+            <a:t>for Interactive Python</a:t>
+          </a:r>
+        </a:p>
+      </dgm:t>
+    </dgm:pt>
+    <dgm:pt modelId="{A0BEA1F3-FA3A-461A-9532-FA6880D07E6C}" type="parTrans" cxnId="{81CF369E-BFBC-4C7A-BF02-0767761D318E}">
+      <dgm:prSet/>
+      <dgm:spPr/>
+      <dgm:t>
+        <a:bodyPr/>
+        <a:lstStyle/>
+        <a:p>
+          <a:endParaRPr lang="en-US"/>
+        </a:p>
+      </dgm:t>
+    </dgm:pt>
+    <dgm:pt modelId="{E1935F3E-ADEF-4CD2-8339-5ABB820C4123}" type="sibTrans" cxnId="{81CF369E-BFBC-4C7A-BF02-0767761D318E}">
+      <dgm:prSet/>
+      <dgm:spPr/>
+      <dgm:t>
+        <a:bodyPr/>
+        <a:lstStyle/>
+        <a:p>
+          <a:endParaRPr lang="en-US"/>
+        </a:p>
+      </dgm:t>
+    </dgm:pt>
+    <dgm:pt modelId="{99D74D3D-08A8-4E57-9275-ABB9F0E6A27B}">
+      <dgm:prSet/>
+      <dgm:spPr/>
+      <dgm:t>
+        <a:bodyPr/>
+        <a:lstStyle/>
+        <a:p>
+          <a:r>
+            <a:rPr lang="en-US"/>
+            <a:t>Pandas Data Analysis Library</a:t>
+          </a:r>
+        </a:p>
+      </dgm:t>
+    </dgm:pt>
+    <dgm:pt modelId="{09D97F55-B0A5-49A0-A321-35B800EBA468}" type="parTrans" cxnId="{3D7756B5-39AC-450E-99BA-B0E0FE649DB0}">
+      <dgm:prSet/>
+      <dgm:spPr/>
+      <dgm:t>
+        <a:bodyPr/>
+        <a:lstStyle/>
+        <a:p>
+          <a:endParaRPr lang="en-US"/>
+        </a:p>
+      </dgm:t>
+    </dgm:pt>
+    <dgm:pt modelId="{3DFC1321-CDA6-4C14-B781-9828AF8794A6}" type="sibTrans" cxnId="{3D7756B5-39AC-450E-99BA-B0E0FE649DB0}">
+      <dgm:prSet/>
+      <dgm:spPr/>
+      <dgm:t>
+        <a:bodyPr/>
+        <a:lstStyle/>
+        <a:p>
+          <a:endParaRPr lang="en-US"/>
+        </a:p>
+      </dgm:t>
+    </dgm:pt>
+    <dgm:pt modelId="{4436B2AB-AB1A-4503-8981-B1B8C18F437D}">
+      <dgm:prSet/>
+      <dgm:spPr/>
+      <dgm:t>
+        <a:bodyPr/>
+        <a:lstStyle/>
+        <a:p>
+          <a:r>
+            <a:rPr lang="en-US"/>
+            <a:t>Sets Data Structure in Python</a:t>
+          </a:r>
+        </a:p>
+      </dgm:t>
+    </dgm:pt>
+    <dgm:pt modelId="{A1E26B7C-F744-48A9-9E43-6D617F6E358E}" type="parTrans" cxnId="{DCCDB4A2-9A62-4032-8A32-6000E1A189AE}">
+      <dgm:prSet/>
+      <dgm:spPr/>
+      <dgm:t>
+        <a:bodyPr/>
+        <a:lstStyle/>
+        <a:p>
+          <a:endParaRPr lang="en-US"/>
+        </a:p>
+      </dgm:t>
+    </dgm:pt>
+    <dgm:pt modelId="{1D3BEA2A-5960-4715-ACD5-0313C010C52C}" type="sibTrans" cxnId="{DCCDB4A2-9A62-4032-8A32-6000E1A189AE}">
+      <dgm:prSet/>
+      <dgm:spPr/>
+      <dgm:t>
+        <a:bodyPr/>
+        <a:lstStyle/>
+        <a:p>
+          <a:endParaRPr lang="en-US"/>
+        </a:p>
+      </dgm:t>
+    </dgm:pt>
+    <dgm:pt modelId="{B56DC318-830E-4D87-81C8-E49531A46BBF}" type="pres">
+      <dgm:prSet presAssocID="{133F5024-167E-41A1-8D48-23A6227ABACC}" presName="root" presStyleCnt="0">
+        <dgm:presLayoutVars>
+          <dgm:dir/>
+          <dgm:resizeHandles val="exact"/>
+        </dgm:presLayoutVars>
+      </dgm:prSet>
+      <dgm:spPr/>
+    </dgm:pt>
+    <dgm:pt modelId="{E373A12B-1CDE-46E8-AE09-27EB23C4EC64}" type="pres">
+      <dgm:prSet presAssocID="{2E3AAB24-13DD-40C0-9DFC-9BDD4724FE2B}" presName="compNode" presStyleCnt="0"/>
+      <dgm:spPr/>
+    </dgm:pt>
+    <dgm:pt modelId="{E8FA0FA3-631F-43C0-AF47-2A8CCB716D1A}" type="pres">
+      <dgm:prSet presAssocID="{2E3AAB24-13DD-40C0-9DFC-9BDD4724FE2B}" presName="bgRect" presStyleLbl="bgShp" presStyleIdx="0" presStyleCnt="3"/>
+      <dgm:spPr/>
+    </dgm:pt>
+    <dgm:pt modelId="{33A1F88E-D3D5-4D71-8F4C-1DA4CD5524E8}" type="pres">
+      <dgm:prSet presAssocID="{2E3AAB24-13DD-40C0-9DFC-9BDD4724FE2B}" presName="iconRect" presStyleLbl="node1" presStyleIdx="0" presStyleCnt="3"/>
+      <dgm:spPr>
+        <a:blipFill>
+          <a:blip xmlns:r="http://schemas.openxmlformats.org/officeDocument/2006/relationships" r:embed="rId1">
+            <a:extLst>
+              <a:ext uri="{28A0092B-C50C-407E-A947-70E740481C1C}">
+                <a14:useLocalDpi xmlns:a14="http://schemas.microsoft.com/office/drawing/2010/main" val="0"/>
+              </a:ext>
+              <a:ext uri="{96DAC541-7B7A-43D3-8B79-37D633B846F1}">
+                <asvg:svgBlip xmlns:asvg="http://schemas.microsoft.com/office/drawing/2016/SVG/main" r:embed="rId2"/>
+              </a:ext>
+            </a:extLst>
+          </a:blip>
+          <a:stretch>
+            <a:fillRect/>
+          </a:stretch>
+        </a:blipFill>
+        <a:ln>
+          <a:noFill/>
+        </a:ln>
+      </dgm:spPr>
+      <dgm:extLst>
+        <a:ext uri="{E40237B7-FDA0-4F09-8148-C483321AD2D9}">
+          <dgm14:cNvPr xmlns:dgm14="http://schemas.microsoft.com/office/drawing/2010/diagram" id="0" name="" descr="Pencil"/>
+        </a:ext>
+      </dgm:extLst>
+    </dgm:pt>
+    <dgm:pt modelId="{3C33C5B4-84F3-4D4F-8175-39F08D836D37}" type="pres">
+      <dgm:prSet presAssocID="{2E3AAB24-13DD-40C0-9DFC-9BDD4724FE2B}" presName="spaceRect" presStyleCnt="0"/>
+      <dgm:spPr/>
+    </dgm:pt>
+    <dgm:pt modelId="{4F205088-A224-4504-B4A4-14E432762AEE}" type="pres">
+      <dgm:prSet presAssocID="{2E3AAB24-13DD-40C0-9DFC-9BDD4724FE2B}" presName="parTx" presStyleLbl="revTx" presStyleIdx="0" presStyleCnt="3">
+        <dgm:presLayoutVars>
+          <dgm:chMax val="0"/>
+          <dgm:chPref val="0"/>
+        </dgm:presLayoutVars>
+      </dgm:prSet>
+      <dgm:spPr/>
+    </dgm:pt>
+    <dgm:pt modelId="{77A8FDEB-8FBA-45F4-A41B-1156EDEA52F1}" type="pres">
+      <dgm:prSet presAssocID="{E1935F3E-ADEF-4CD2-8339-5ABB820C4123}" presName="sibTrans" presStyleCnt="0"/>
+      <dgm:spPr/>
+    </dgm:pt>
+    <dgm:pt modelId="{9B945108-7C37-48F1-BE31-BDBA118EBCCE}" type="pres">
+      <dgm:prSet presAssocID="{99D74D3D-08A8-4E57-9275-ABB9F0E6A27B}" presName="compNode" presStyleCnt="0"/>
+      <dgm:spPr/>
+    </dgm:pt>
+    <dgm:pt modelId="{373347EF-1F32-487B-84BE-290001DA6D7D}" type="pres">
+      <dgm:prSet presAssocID="{99D74D3D-08A8-4E57-9275-ABB9F0E6A27B}" presName="bgRect" presStyleLbl="bgShp" presStyleIdx="1" presStyleCnt="3"/>
+      <dgm:spPr/>
+    </dgm:pt>
+    <dgm:pt modelId="{6769313D-8A2A-4763-ACFD-A324DE9A4C18}" type="pres">
+      <dgm:prSet presAssocID="{99D74D3D-08A8-4E57-9275-ABB9F0E6A27B}" presName="iconRect" presStyleLbl="node1" presStyleIdx="1" presStyleCnt="3"/>
+      <dgm:spPr>
+        <a:blipFill>
+          <a:blip xmlns:r="http://schemas.openxmlformats.org/officeDocument/2006/relationships" r:embed="rId3">
+            <a:extLst>
+              <a:ext uri="{28A0092B-C50C-407E-A947-70E740481C1C}">
+                <a14:useLocalDpi xmlns:a14="http://schemas.microsoft.com/office/drawing/2010/main" val="0"/>
+              </a:ext>
+              <a:ext uri="{96DAC541-7B7A-43D3-8B79-37D633B846F1}">
+                <asvg:svgBlip xmlns:asvg="http://schemas.microsoft.com/office/drawing/2016/SVG/main" r:embed="rId4"/>
+              </a:ext>
+            </a:extLst>
+          </a:blip>
+          <a:stretch>
+            <a:fillRect/>
+          </a:stretch>
+        </a:blipFill>
+        <a:ln>
+          <a:noFill/>
+        </a:ln>
+      </dgm:spPr>
+      <dgm:extLst>
+        <a:ext uri="{E40237B7-FDA0-4F09-8148-C483321AD2D9}">
+          <dgm14:cNvPr xmlns:dgm14="http://schemas.microsoft.com/office/drawing/2010/diagram" id="0" name="" descr="Panda"/>
+        </a:ext>
+      </dgm:extLst>
+    </dgm:pt>
+    <dgm:pt modelId="{BBBBC4EE-F743-48C6-A587-B12199EE7F11}" type="pres">
+      <dgm:prSet presAssocID="{99D74D3D-08A8-4E57-9275-ABB9F0E6A27B}" presName="spaceRect" presStyleCnt="0"/>
+      <dgm:spPr/>
+    </dgm:pt>
+    <dgm:pt modelId="{987AE556-2A79-4BD7-BFA8-2C849C671546}" type="pres">
+      <dgm:prSet presAssocID="{99D74D3D-08A8-4E57-9275-ABB9F0E6A27B}" presName="parTx" presStyleLbl="revTx" presStyleIdx="1" presStyleCnt="3">
+        <dgm:presLayoutVars>
+          <dgm:chMax val="0"/>
+          <dgm:chPref val="0"/>
+        </dgm:presLayoutVars>
+      </dgm:prSet>
+      <dgm:spPr/>
+    </dgm:pt>
+    <dgm:pt modelId="{517CC99F-8123-4341-8FA3-B767C7739FC0}" type="pres">
+      <dgm:prSet presAssocID="{3DFC1321-CDA6-4C14-B781-9828AF8794A6}" presName="sibTrans" presStyleCnt="0"/>
+      <dgm:spPr/>
+    </dgm:pt>
+    <dgm:pt modelId="{13BE32F6-B59A-4E81-84D4-3233A65D6641}" type="pres">
+      <dgm:prSet presAssocID="{4436B2AB-AB1A-4503-8981-B1B8C18F437D}" presName="compNode" presStyleCnt="0"/>
+      <dgm:spPr/>
+    </dgm:pt>
+    <dgm:pt modelId="{60C6F0B9-ED61-47D7-A043-3D6D9864128C}" type="pres">
+      <dgm:prSet presAssocID="{4436B2AB-AB1A-4503-8981-B1B8C18F437D}" presName="bgRect" presStyleLbl="bgShp" presStyleIdx="2" presStyleCnt="3"/>
+      <dgm:spPr/>
+    </dgm:pt>
+    <dgm:pt modelId="{63EA10BA-6242-49E9-9BCE-8E843A9A6187}" type="pres">
+      <dgm:prSet presAssocID="{4436B2AB-AB1A-4503-8981-B1B8C18F437D}" presName="iconRect" presStyleLbl="node1" presStyleIdx="2" presStyleCnt="3"/>
+      <dgm:spPr>
+        <a:blipFill>
+          <a:blip xmlns:r="http://schemas.openxmlformats.org/officeDocument/2006/relationships" r:embed="rId5">
+            <a:extLst>
+              <a:ext uri="{28A0092B-C50C-407E-A947-70E740481C1C}">
+                <a14:useLocalDpi xmlns:a14="http://schemas.microsoft.com/office/drawing/2010/main" val="0"/>
+              </a:ext>
+              <a:ext uri="{96DAC541-7B7A-43D3-8B79-37D633B846F1}">
+                <asvg:svgBlip xmlns:asvg="http://schemas.microsoft.com/office/drawing/2016/SVG/main" r:embed="rId6"/>
+              </a:ext>
+            </a:extLst>
+          </a:blip>
+          <a:stretch>
+            <a:fillRect/>
+          </a:stretch>
+        </a:blipFill>
+        <a:ln>
+          <a:noFill/>
+        </a:ln>
+      </dgm:spPr>
+      <dgm:extLst>
+        <a:ext uri="{E40237B7-FDA0-4F09-8148-C483321AD2D9}">
+          <dgm14:cNvPr xmlns:dgm14="http://schemas.microsoft.com/office/drawing/2010/diagram" id="0" name="" descr="Database"/>
+        </a:ext>
+      </dgm:extLst>
+    </dgm:pt>
+    <dgm:pt modelId="{92F913B4-6D90-4071-AA6F-E7474CC2B550}" type="pres">
+      <dgm:prSet presAssocID="{4436B2AB-AB1A-4503-8981-B1B8C18F437D}" presName="spaceRect" presStyleCnt="0"/>
+      <dgm:spPr/>
+    </dgm:pt>
+    <dgm:pt modelId="{477C0959-5554-4C6F-979F-A16D3D99B35A}" type="pres">
+      <dgm:prSet presAssocID="{4436B2AB-AB1A-4503-8981-B1B8C18F437D}" presName="parTx" presStyleLbl="revTx" presStyleIdx="2" presStyleCnt="3">
+        <dgm:presLayoutVars>
+          <dgm:chMax val="0"/>
+          <dgm:chPref val="0"/>
+        </dgm:presLayoutVars>
+      </dgm:prSet>
+      <dgm:spPr/>
+    </dgm:pt>
+  </dgm:ptLst>
+  <dgm:cxnLst>
+    <dgm:cxn modelId="{37F1D660-A1A6-439A-AE22-94E5AB8D8A0A}" type="presOf" srcId="{4436B2AB-AB1A-4503-8981-B1B8C18F437D}" destId="{477C0959-5554-4C6F-979F-A16D3D99B35A}" srcOrd="0" destOrd="0" presId="urn:microsoft.com/office/officeart/2018/2/layout/IconVerticalSolidList"/>
+    <dgm:cxn modelId="{81CF369E-BFBC-4C7A-BF02-0767761D318E}" srcId="{133F5024-167E-41A1-8D48-23A6227ABACC}" destId="{2E3AAB24-13DD-40C0-9DFC-9BDD4724FE2B}" srcOrd="0" destOrd="0" parTransId="{A0BEA1F3-FA3A-461A-9532-FA6880D07E6C}" sibTransId="{E1935F3E-ADEF-4CD2-8339-5ABB820C4123}"/>
+    <dgm:cxn modelId="{DCCDB4A2-9A62-4032-8A32-6000E1A189AE}" srcId="{133F5024-167E-41A1-8D48-23A6227ABACC}" destId="{4436B2AB-AB1A-4503-8981-B1B8C18F437D}" srcOrd="2" destOrd="0" parTransId="{A1E26B7C-F744-48A9-9E43-6D617F6E358E}" sibTransId="{1D3BEA2A-5960-4715-ACD5-0313C010C52C}"/>
+    <dgm:cxn modelId="{81F9F6AD-09E2-4C9D-9CF1-19B3CD358628}" type="presOf" srcId="{2E3AAB24-13DD-40C0-9DFC-9BDD4724FE2B}" destId="{4F205088-A224-4504-B4A4-14E432762AEE}" srcOrd="0" destOrd="0" presId="urn:microsoft.com/office/officeart/2018/2/layout/IconVerticalSolidList"/>
+    <dgm:cxn modelId="{3D7756B5-39AC-450E-99BA-B0E0FE649DB0}" srcId="{133F5024-167E-41A1-8D48-23A6227ABACC}" destId="{99D74D3D-08A8-4E57-9275-ABB9F0E6A27B}" srcOrd="1" destOrd="0" parTransId="{09D97F55-B0A5-49A0-A321-35B800EBA468}" sibTransId="{3DFC1321-CDA6-4C14-B781-9828AF8794A6}"/>
+    <dgm:cxn modelId="{118001C1-AAE8-4530-BC2E-4EC00B99FF16}" type="presOf" srcId="{99D74D3D-08A8-4E57-9275-ABB9F0E6A27B}" destId="{987AE556-2A79-4BD7-BFA8-2C849C671546}" srcOrd="0" destOrd="0" presId="urn:microsoft.com/office/officeart/2018/2/layout/IconVerticalSolidList"/>
+    <dgm:cxn modelId="{2F8EBBF8-53DB-4A7A-811F-D2A55118779A}" type="presOf" srcId="{133F5024-167E-41A1-8D48-23A6227ABACC}" destId="{B56DC318-830E-4D87-81C8-E49531A46BBF}" srcOrd="0" destOrd="0" presId="urn:microsoft.com/office/officeart/2018/2/layout/IconVerticalSolidList"/>
+    <dgm:cxn modelId="{F2999912-6DC6-469E-B7B9-9666ED9DF63F}" type="presParOf" srcId="{B56DC318-830E-4D87-81C8-E49531A46BBF}" destId="{E373A12B-1CDE-46E8-AE09-27EB23C4EC64}" srcOrd="0" destOrd="0" presId="urn:microsoft.com/office/officeart/2018/2/layout/IconVerticalSolidList"/>
+    <dgm:cxn modelId="{FF321841-4F02-4A81-B438-7D4935B54F48}" type="presParOf" srcId="{E373A12B-1CDE-46E8-AE09-27EB23C4EC64}" destId="{E8FA0FA3-631F-43C0-AF47-2A8CCB716D1A}" srcOrd="0" destOrd="0" presId="urn:microsoft.com/office/officeart/2018/2/layout/IconVerticalSolidList"/>
+    <dgm:cxn modelId="{86F0CB12-5909-47A8-9885-A748C6E653CB}" type="presParOf" srcId="{E373A12B-1CDE-46E8-AE09-27EB23C4EC64}" destId="{33A1F88E-D3D5-4D71-8F4C-1DA4CD5524E8}" srcOrd="1" destOrd="0" presId="urn:microsoft.com/office/officeart/2018/2/layout/IconVerticalSolidList"/>
+    <dgm:cxn modelId="{CC0495D2-E3AB-4BAD-BE76-34557E4F3AD1}" type="presParOf" srcId="{E373A12B-1CDE-46E8-AE09-27EB23C4EC64}" destId="{3C33C5B4-84F3-4D4F-8175-39F08D836D37}" srcOrd="2" destOrd="0" presId="urn:microsoft.com/office/officeart/2018/2/layout/IconVerticalSolidList"/>
+    <dgm:cxn modelId="{867CC0DE-047B-4D51-B93C-87F38B704DF2}" type="presParOf" srcId="{E373A12B-1CDE-46E8-AE09-27EB23C4EC64}" destId="{4F205088-A224-4504-B4A4-14E432762AEE}" srcOrd="3" destOrd="0" presId="urn:microsoft.com/office/officeart/2018/2/layout/IconVerticalSolidList"/>
+    <dgm:cxn modelId="{E109319F-7909-4DEB-A5AB-F915418A8E3D}" type="presParOf" srcId="{B56DC318-830E-4D87-81C8-E49531A46BBF}" destId="{77A8FDEB-8FBA-45F4-A41B-1156EDEA52F1}" srcOrd="1" destOrd="0" presId="urn:microsoft.com/office/officeart/2018/2/layout/IconVerticalSolidList"/>
+    <dgm:cxn modelId="{7734DAA1-2075-4BAE-88D2-970426226254}" type="presParOf" srcId="{B56DC318-830E-4D87-81C8-E49531A46BBF}" destId="{9B945108-7C37-48F1-BE31-BDBA118EBCCE}" srcOrd="2" destOrd="0" presId="urn:microsoft.com/office/officeart/2018/2/layout/IconVerticalSolidList"/>
+    <dgm:cxn modelId="{06F267C1-4B5A-496E-A768-C60DD1BE7786}" type="presParOf" srcId="{9B945108-7C37-48F1-BE31-BDBA118EBCCE}" destId="{373347EF-1F32-487B-84BE-290001DA6D7D}" srcOrd="0" destOrd="0" presId="urn:microsoft.com/office/officeart/2018/2/layout/IconVerticalSolidList"/>
+    <dgm:cxn modelId="{2477E090-7A8C-4C24-8E15-28BE79B2F4FD}" type="presParOf" srcId="{9B945108-7C37-48F1-BE31-BDBA118EBCCE}" destId="{6769313D-8A2A-4763-ACFD-A324DE9A4C18}" srcOrd="1" destOrd="0" presId="urn:microsoft.com/office/officeart/2018/2/layout/IconVerticalSolidList"/>
+    <dgm:cxn modelId="{C1AB301E-DD25-4263-A54C-D8253EBD7535}" type="presParOf" srcId="{9B945108-7C37-48F1-BE31-BDBA118EBCCE}" destId="{BBBBC4EE-F743-48C6-A587-B12199EE7F11}" srcOrd="2" destOrd="0" presId="urn:microsoft.com/office/officeart/2018/2/layout/IconVerticalSolidList"/>
+    <dgm:cxn modelId="{AC6E45CA-90EE-4702-A130-F64659A54234}" type="presParOf" srcId="{9B945108-7C37-48F1-BE31-BDBA118EBCCE}" destId="{987AE556-2A79-4BD7-BFA8-2C849C671546}" srcOrd="3" destOrd="0" presId="urn:microsoft.com/office/officeart/2018/2/layout/IconVerticalSolidList"/>
+    <dgm:cxn modelId="{5399BC08-B1EB-4F28-AADD-79F9FE26C555}" type="presParOf" srcId="{B56DC318-830E-4D87-81C8-E49531A46BBF}" destId="{517CC99F-8123-4341-8FA3-B767C7739FC0}" srcOrd="3" destOrd="0" presId="urn:microsoft.com/office/officeart/2018/2/layout/IconVerticalSolidList"/>
+    <dgm:cxn modelId="{286BC7C9-FFC0-4884-ACDE-743F26120F51}" type="presParOf" srcId="{B56DC318-830E-4D87-81C8-E49531A46BBF}" destId="{13BE32F6-B59A-4E81-84D4-3233A65D6641}" srcOrd="4" destOrd="0" presId="urn:microsoft.com/office/officeart/2018/2/layout/IconVerticalSolidList"/>
+    <dgm:cxn modelId="{F4C2CEF7-5808-4B5F-BDC4-FA47418DB123}" type="presParOf" srcId="{13BE32F6-B59A-4E81-84D4-3233A65D6641}" destId="{60C6F0B9-ED61-47D7-A043-3D6D9864128C}" srcOrd="0" destOrd="0" presId="urn:microsoft.com/office/officeart/2018/2/layout/IconVerticalSolidList"/>
+    <dgm:cxn modelId="{70178166-EB0E-4320-9F1D-163D3C584A5B}" type="presParOf" srcId="{13BE32F6-B59A-4E81-84D4-3233A65D6641}" destId="{63EA10BA-6242-49E9-9BCE-8E843A9A6187}" srcOrd="1" destOrd="0" presId="urn:microsoft.com/office/officeart/2018/2/layout/IconVerticalSolidList"/>
+    <dgm:cxn modelId="{DD4F718C-F1B7-4698-93F7-9A763D3DC9D8}" type="presParOf" srcId="{13BE32F6-B59A-4E81-84D4-3233A65D6641}" destId="{92F913B4-6D90-4071-AA6F-E7474CC2B550}" srcOrd="2" destOrd="0" presId="urn:microsoft.com/office/officeart/2018/2/layout/IconVerticalSolidList"/>
+    <dgm:cxn modelId="{B4611306-70F7-407C-84CD-65729480DEF3}" type="presParOf" srcId="{13BE32F6-B59A-4E81-84D4-3233A65D6641}" destId="{477C0959-5554-4C6F-979F-A16D3D99B35A}" srcOrd="3" destOrd="0" presId="urn:microsoft.com/office/officeart/2018/2/layout/IconVerticalSolidList"/>
+  </dgm:cxnLst>
+  <dgm:bg/>
+  <dgm:whole/>
+  <dgm:extLst>
+    <a:ext uri="http://schemas.microsoft.com/office/drawing/2008/diagram">
+      <dsp:dataModelExt xmlns:dsp="http://schemas.microsoft.com/office/drawing/2008/diagram" relId="rId6" minVer="http://schemas.openxmlformats.org/drawingml/2006/diagram"/>
+    </a:ext>
+  </dgm:extLst>
+</dgm:dataModel>
+</file>
+
+<file path=ppt/diagrams/data2.xml><?xml version="1.0" encoding="utf-8"?>
 <dgm:dataModel xmlns:dgm="http://schemas.openxmlformats.org/drawingml/2006/diagram" xmlns:a="http://schemas.openxmlformats.org/drawingml/2006/main">
   <dgm:ptLst>
     <dgm:pt modelId="{8B7BF81C-EA9C-4907-A1D8-D6556A0A64CA}" type="doc">
@@ -2791,7 +3909,7 @@
 </dgm:dataModel>
 </file>
 
-<file path=ppt/diagrams/data2.xml><?xml version="1.0" encoding="utf-8"?>
+<file path=ppt/diagrams/data3.xml><?xml version="1.0" encoding="utf-8"?>
 <dgm:dataModel xmlns:dgm="http://schemas.openxmlformats.org/drawingml/2006/diagram" xmlns:a="http://schemas.openxmlformats.org/drawingml/2006/main">
   <dgm:ptLst>
     <dgm:pt modelId="{1A344D2D-A3D7-4CD4-B7F1-DD49E4581453}" type="doc">
@@ -3487,7 +4605,7 @@
 </dgm:dataModel>
 </file>
 
-<file path=ppt/diagrams/data3.xml><?xml version="1.0" encoding="utf-8"?>
+<file path=ppt/diagrams/data4.xml><?xml version="1.0" encoding="utf-8"?>
 <dgm:dataModel xmlns:dgm="http://schemas.openxmlformats.org/drawingml/2006/diagram" xmlns:a="http://schemas.openxmlformats.org/drawingml/2006/main">
   <dgm:ptLst>
     <dgm:pt modelId="{47C3E35B-55DD-4A65-B780-5574E0DF7716}" type="doc">
@@ -3956,6 +5074,493 @@
       <dsp:cNvGrpSpPr/>
     </dsp:nvGrpSpPr>
     <dsp:grpSpPr/>
+    <dsp:sp modelId="{E8FA0FA3-631F-43C0-AF47-2A8CCB716D1A}">
+      <dsp:nvSpPr>
+        <dsp:cNvPr id="0" name=""/>
+        <dsp:cNvSpPr/>
+      </dsp:nvSpPr>
+      <dsp:spPr>
+        <a:xfrm>
+          <a:off x="0" y="682"/>
+          <a:ext cx="4683949" cy="1596566"/>
+        </a:xfrm>
+        <a:prstGeom prst="roundRect">
+          <a:avLst>
+            <a:gd name="adj" fmla="val 10000"/>
+          </a:avLst>
+        </a:prstGeom>
+        <a:solidFill>
+          <a:schemeClr val="bg1">
+            <a:lumMod val="95000"/>
+            <a:hueOff val="0"/>
+            <a:satOff val="0"/>
+            <a:lumOff val="0"/>
+            <a:alphaOff val="0"/>
+          </a:schemeClr>
+        </a:solidFill>
+        <a:ln>
+          <a:noFill/>
+        </a:ln>
+        <a:effectLst/>
+      </dsp:spPr>
+      <dsp:style>
+        <a:lnRef idx="0">
+          <a:scrgbClr r="0" g="0" b="0"/>
+        </a:lnRef>
+        <a:fillRef idx="1">
+          <a:scrgbClr r="0" g="0" b="0"/>
+        </a:fillRef>
+        <a:effectRef idx="0">
+          <a:scrgbClr r="0" g="0" b="0"/>
+        </a:effectRef>
+        <a:fontRef idx="minor"/>
+      </dsp:style>
+    </dsp:sp>
+    <dsp:sp modelId="{33A1F88E-D3D5-4D71-8F4C-1DA4CD5524E8}">
+      <dsp:nvSpPr>
+        <dsp:cNvPr id="0" name=""/>
+        <dsp:cNvSpPr/>
+      </dsp:nvSpPr>
+      <dsp:spPr>
+        <a:xfrm>
+          <a:off x="482961" y="359909"/>
+          <a:ext cx="878111" cy="878111"/>
+        </a:xfrm>
+        <a:prstGeom prst="rect">
+          <a:avLst/>
+        </a:prstGeom>
+        <a:blipFill>
+          <a:blip xmlns:r="http://schemas.openxmlformats.org/officeDocument/2006/relationships" r:embed="rId1">
+            <a:extLst>
+              <a:ext uri="{28A0092B-C50C-407E-A947-70E740481C1C}">
+                <a14:useLocalDpi xmlns:a14="http://schemas.microsoft.com/office/drawing/2010/main" val="0"/>
+              </a:ext>
+              <a:ext uri="{96DAC541-7B7A-43D3-8B79-37D633B846F1}">
+                <asvg:svgBlip xmlns:asvg="http://schemas.microsoft.com/office/drawing/2016/SVG/main" r:embed="rId2"/>
+              </a:ext>
+            </a:extLst>
+          </a:blip>
+          <a:stretch>
+            <a:fillRect/>
+          </a:stretch>
+        </a:blipFill>
+        <a:ln w="25400" cap="flat" cmpd="sng" algn="ctr">
+          <a:noFill/>
+          <a:prstDash val="solid"/>
+        </a:ln>
+        <a:effectLst/>
+      </dsp:spPr>
+      <dsp:style>
+        <a:lnRef idx="2">
+          <a:scrgbClr r="0" g="0" b="0"/>
+        </a:lnRef>
+        <a:fillRef idx="1">
+          <a:scrgbClr r="0" g="0" b="0"/>
+        </a:fillRef>
+        <a:effectRef idx="0">
+          <a:scrgbClr r="0" g="0" b="0"/>
+        </a:effectRef>
+        <a:fontRef idx="minor">
+          <a:schemeClr val="lt1"/>
+        </a:fontRef>
+      </dsp:style>
+    </dsp:sp>
+    <dsp:sp modelId="{4F205088-A224-4504-B4A4-14E432762AEE}">
+      <dsp:nvSpPr>
+        <dsp:cNvPr id="0" name=""/>
+        <dsp:cNvSpPr/>
+      </dsp:nvSpPr>
+      <dsp:spPr>
+        <a:xfrm>
+          <a:off x="1844034" y="682"/>
+          <a:ext cx="2839914" cy="1596566"/>
+        </a:xfrm>
+        <a:prstGeom prst="rect">
+          <a:avLst/>
+        </a:prstGeom>
+        <a:noFill/>
+        <a:ln>
+          <a:noFill/>
+        </a:ln>
+        <a:effectLst/>
+      </dsp:spPr>
+      <dsp:style>
+        <a:lnRef idx="0">
+          <a:scrgbClr r="0" g="0" b="0"/>
+        </a:lnRef>
+        <a:fillRef idx="0">
+          <a:scrgbClr r="0" g="0" b="0"/>
+        </a:fillRef>
+        <a:effectRef idx="0">
+          <a:scrgbClr r="0" g="0" b="0"/>
+        </a:effectRef>
+        <a:fontRef idx="minor"/>
+      </dsp:style>
+      <dsp:txBody>
+        <a:bodyPr spcFirstLastPara="0" vert="horz" wrap="square" lIns="168970" tIns="168970" rIns="168970" bIns="168970" numCol="1" spcCol="1270" anchor="ctr" anchorCtr="0">
+          <a:noAutofit/>
+        </a:bodyPr>
+        <a:lstStyle/>
+        <a:p>
+          <a:pPr marL="0" lvl="0" indent="0" algn="l" defTabSz="1066800">
+            <a:lnSpc>
+              <a:spcPct val="90000"/>
+            </a:lnSpc>
+            <a:spcBef>
+              <a:spcPct val="0"/>
+            </a:spcBef>
+            <a:spcAft>
+              <a:spcPct val="35000"/>
+            </a:spcAft>
+            <a:buNone/>
+          </a:pPr>
+          <a:r>
+            <a:rPr lang="en-US" sz="2400" kern="1200" dirty="0" err="1"/>
+            <a:t>Jupyter</a:t>
+          </a:r>
+          <a:r>
+            <a:rPr lang="en-US" sz="2400" kern="1200" dirty="0"/>
+            <a:t> Notebooks</a:t>
+          </a:r>
+        </a:p>
+        <a:p>
+          <a:pPr marL="0" lvl="0" indent="0" algn="l" defTabSz="1066800">
+            <a:lnSpc>
+              <a:spcPct val="90000"/>
+            </a:lnSpc>
+            <a:spcBef>
+              <a:spcPct val="0"/>
+            </a:spcBef>
+            <a:spcAft>
+              <a:spcPct val="35000"/>
+            </a:spcAft>
+            <a:buNone/>
+          </a:pPr>
+          <a:r>
+            <a:rPr lang="en-US" sz="2400" kern="1200" dirty="0"/>
+            <a:t>for Interactive Python</a:t>
+          </a:r>
+        </a:p>
+      </dsp:txBody>
+      <dsp:txXfrm>
+        <a:off x="1844034" y="682"/>
+        <a:ext cx="2839914" cy="1596566"/>
+      </dsp:txXfrm>
+    </dsp:sp>
+    <dsp:sp modelId="{373347EF-1F32-487B-84BE-290001DA6D7D}">
+      <dsp:nvSpPr>
+        <dsp:cNvPr id="0" name=""/>
+        <dsp:cNvSpPr/>
+      </dsp:nvSpPr>
+      <dsp:spPr>
+        <a:xfrm>
+          <a:off x="0" y="1996390"/>
+          <a:ext cx="4683949" cy="1596566"/>
+        </a:xfrm>
+        <a:prstGeom prst="roundRect">
+          <a:avLst>
+            <a:gd name="adj" fmla="val 10000"/>
+          </a:avLst>
+        </a:prstGeom>
+        <a:solidFill>
+          <a:schemeClr val="bg1">
+            <a:lumMod val="95000"/>
+            <a:hueOff val="0"/>
+            <a:satOff val="0"/>
+            <a:lumOff val="0"/>
+            <a:alphaOff val="0"/>
+          </a:schemeClr>
+        </a:solidFill>
+        <a:ln>
+          <a:noFill/>
+        </a:ln>
+        <a:effectLst/>
+      </dsp:spPr>
+      <dsp:style>
+        <a:lnRef idx="0">
+          <a:scrgbClr r="0" g="0" b="0"/>
+        </a:lnRef>
+        <a:fillRef idx="1">
+          <a:scrgbClr r="0" g="0" b="0"/>
+        </a:fillRef>
+        <a:effectRef idx="0">
+          <a:scrgbClr r="0" g="0" b="0"/>
+        </a:effectRef>
+        <a:fontRef idx="minor"/>
+      </dsp:style>
+    </dsp:sp>
+    <dsp:sp modelId="{6769313D-8A2A-4763-ACFD-A324DE9A4C18}">
+      <dsp:nvSpPr>
+        <dsp:cNvPr id="0" name=""/>
+        <dsp:cNvSpPr/>
+      </dsp:nvSpPr>
+      <dsp:spPr>
+        <a:xfrm>
+          <a:off x="482961" y="2355617"/>
+          <a:ext cx="878111" cy="878111"/>
+        </a:xfrm>
+        <a:prstGeom prst="rect">
+          <a:avLst/>
+        </a:prstGeom>
+        <a:blipFill>
+          <a:blip xmlns:r="http://schemas.openxmlformats.org/officeDocument/2006/relationships" r:embed="rId3">
+            <a:extLst>
+              <a:ext uri="{28A0092B-C50C-407E-A947-70E740481C1C}">
+                <a14:useLocalDpi xmlns:a14="http://schemas.microsoft.com/office/drawing/2010/main" val="0"/>
+              </a:ext>
+              <a:ext uri="{96DAC541-7B7A-43D3-8B79-37D633B846F1}">
+                <asvg:svgBlip xmlns:asvg="http://schemas.microsoft.com/office/drawing/2016/SVG/main" r:embed="rId4"/>
+              </a:ext>
+            </a:extLst>
+          </a:blip>
+          <a:stretch>
+            <a:fillRect/>
+          </a:stretch>
+        </a:blipFill>
+        <a:ln w="25400" cap="flat" cmpd="sng" algn="ctr">
+          <a:noFill/>
+          <a:prstDash val="solid"/>
+        </a:ln>
+        <a:effectLst/>
+      </dsp:spPr>
+      <dsp:style>
+        <a:lnRef idx="2">
+          <a:scrgbClr r="0" g="0" b="0"/>
+        </a:lnRef>
+        <a:fillRef idx="1">
+          <a:scrgbClr r="0" g="0" b="0"/>
+        </a:fillRef>
+        <a:effectRef idx="0">
+          <a:scrgbClr r="0" g="0" b="0"/>
+        </a:effectRef>
+        <a:fontRef idx="minor">
+          <a:schemeClr val="lt1"/>
+        </a:fontRef>
+      </dsp:style>
+    </dsp:sp>
+    <dsp:sp modelId="{987AE556-2A79-4BD7-BFA8-2C849C671546}">
+      <dsp:nvSpPr>
+        <dsp:cNvPr id="0" name=""/>
+        <dsp:cNvSpPr/>
+      </dsp:nvSpPr>
+      <dsp:spPr>
+        <a:xfrm>
+          <a:off x="1844034" y="1996390"/>
+          <a:ext cx="2839914" cy="1596566"/>
+        </a:xfrm>
+        <a:prstGeom prst="rect">
+          <a:avLst/>
+        </a:prstGeom>
+        <a:noFill/>
+        <a:ln>
+          <a:noFill/>
+        </a:ln>
+        <a:effectLst/>
+      </dsp:spPr>
+      <dsp:style>
+        <a:lnRef idx="0">
+          <a:scrgbClr r="0" g="0" b="0"/>
+        </a:lnRef>
+        <a:fillRef idx="0">
+          <a:scrgbClr r="0" g="0" b="0"/>
+        </a:fillRef>
+        <a:effectRef idx="0">
+          <a:scrgbClr r="0" g="0" b="0"/>
+        </a:effectRef>
+        <a:fontRef idx="minor"/>
+      </dsp:style>
+      <dsp:txBody>
+        <a:bodyPr spcFirstLastPara="0" vert="horz" wrap="square" lIns="168970" tIns="168970" rIns="168970" bIns="168970" numCol="1" spcCol="1270" anchor="ctr" anchorCtr="0">
+          <a:noAutofit/>
+        </a:bodyPr>
+        <a:lstStyle/>
+        <a:p>
+          <a:pPr marL="0" lvl="0" indent="0" algn="l" defTabSz="1066800">
+            <a:lnSpc>
+              <a:spcPct val="90000"/>
+            </a:lnSpc>
+            <a:spcBef>
+              <a:spcPct val="0"/>
+            </a:spcBef>
+            <a:spcAft>
+              <a:spcPct val="35000"/>
+            </a:spcAft>
+            <a:buNone/>
+          </a:pPr>
+          <a:r>
+            <a:rPr lang="en-US" sz="2400" kern="1200"/>
+            <a:t>Pandas Data Analysis Library</a:t>
+          </a:r>
+        </a:p>
+      </dsp:txBody>
+      <dsp:txXfrm>
+        <a:off x="1844034" y="1996390"/>
+        <a:ext cx="2839914" cy="1596566"/>
+      </dsp:txXfrm>
+    </dsp:sp>
+    <dsp:sp modelId="{60C6F0B9-ED61-47D7-A043-3D6D9864128C}">
+      <dsp:nvSpPr>
+        <dsp:cNvPr id="0" name=""/>
+        <dsp:cNvSpPr/>
+      </dsp:nvSpPr>
+      <dsp:spPr>
+        <a:xfrm>
+          <a:off x="0" y="3992098"/>
+          <a:ext cx="4683949" cy="1596566"/>
+        </a:xfrm>
+        <a:prstGeom prst="roundRect">
+          <a:avLst>
+            <a:gd name="adj" fmla="val 10000"/>
+          </a:avLst>
+        </a:prstGeom>
+        <a:solidFill>
+          <a:schemeClr val="bg1">
+            <a:lumMod val="95000"/>
+            <a:hueOff val="0"/>
+            <a:satOff val="0"/>
+            <a:lumOff val="0"/>
+            <a:alphaOff val="0"/>
+          </a:schemeClr>
+        </a:solidFill>
+        <a:ln>
+          <a:noFill/>
+        </a:ln>
+        <a:effectLst/>
+      </dsp:spPr>
+      <dsp:style>
+        <a:lnRef idx="0">
+          <a:scrgbClr r="0" g="0" b="0"/>
+        </a:lnRef>
+        <a:fillRef idx="1">
+          <a:scrgbClr r="0" g="0" b="0"/>
+        </a:fillRef>
+        <a:effectRef idx="0">
+          <a:scrgbClr r="0" g="0" b="0"/>
+        </a:effectRef>
+        <a:fontRef idx="minor"/>
+      </dsp:style>
+    </dsp:sp>
+    <dsp:sp modelId="{63EA10BA-6242-49E9-9BCE-8E843A9A6187}">
+      <dsp:nvSpPr>
+        <dsp:cNvPr id="0" name=""/>
+        <dsp:cNvSpPr/>
+      </dsp:nvSpPr>
+      <dsp:spPr>
+        <a:xfrm>
+          <a:off x="482961" y="4351325"/>
+          <a:ext cx="878111" cy="878111"/>
+        </a:xfrm>
+        <a:prstGeom prst="rect">
+          <a:avLst/>
+        </a:prstGeom>
+        <a:blipFill>
+          <a:blip xmlns:r="http://schemas.openxmlformats.org/officeDocument/2006/relationships" r:embed="rId5">
+            <a:extLst>
+              <a:ext uri="{28A0092B-C50C-407E-A947-70E740481C1C}">
+                <a14:useLocalDpi xmlns:a14="http://schemas.microsoft.com/office/drawing/2010/main" val="0"/>
+              </a:ext>
+              <a:ext uri="{96DAC541-7B7A-43D3-8B79-37D633B846F1}">
+                <asvg:svgBlip xmlns:asvg="http://schemas.microsoft.com/office/drawing/2016/SVG/main" r:embed="rId6"/>
+              </a:ext>
+            </a:extLst>
+          </a:blip>
+          <a:stretch>
+            <a:fillRect/>
+          </a:stretch>
+        </a:blipFill>
+        <a:ln w="25400" cap="flat" cmpd="sng" algn="ctr">
+          <a:noFill/>
+          <a:prstDash val="solid"/>
+        </a:ln>
+        <a:effectLst/>
+      </dsp:spPr>
+      <dsp:style>
+        <a:lnRef idx="2">
+          <a:scrgbClr r="0" g="0" b="0"/>
+        </a:lnRef>
+        <a:fillRef idx="1">
+          <a:scrgbClr r="0" g="0" b="0"/>
+        </a:fillRef>
+        <a:effectRef idx="0">
+          <a:scrgbClr r="0" g="0" b="0"/>
+        </a:effectRef>
+        <a:fontRef idx="minor">
+          <a:schemeClr val="lt1"/>
+        </a:fontRef>
+      </dsp:style>
+    </dsp:sp>
+    <dsp:sp modelId="{477C0959-5554-4C6F-979F-A16D3D99B35A}">
+      <dsp:nvSpPr>
+        <dsp:cNvPr id="0" name=""/>
+        <dsp:cNvSpPr/>
+      </dsp:nvSpPr>
+      <dsp:spPr>
+        <a:xfrm>
+          <a:off x="1844034" y="3992098"/>
+          <a:ext cx="2839914" cy="1596566"/>
+        </a:xfrm>
+        <a:prstGeom prst="rect">
+          <a:avLst/>
+        </a:prstGeom>
+        <a:noFill/>
+        <a:ln>
+          <a:noFill/>
+        </a:ln>
+        <a:effectLst/>
+      </dsp:spPr>
+      <dsp:style>
+        <a:lnRef idx="0">
+          <a:scrgbClr r="0" g="0" b="0"/>
+        </a:lnRef>
+        <a:fillRef idx="0">
+          <a:scrgbClr r="0" g="0" b="0"/>
+        </a:fillRef>
+        <a:effectRef idx="0">
+          <a:scrgbClr r="0" g="0" b="0"/>
+        </a:effectRef>
+        <a:fontRef idx="minor"/>
+      </dsp:style>
+      <dsp:txBody>
+        <a:bodyPr spcFirstLastPara="0" vert="horz" wrap="square" lIns="168970" tIns="168970" rIns="168970" bIns="168970" numCol="1" spcCol="1270" anchor="ctr" anchorCtr="0">
+          <a:noAutofit/>
+        </a:bodyPr>
+        <a:lstStyle/>
+        <a:p>
+          <a:pPr marL="0" lvl="0" indent="0" algn="l" defTabSz="1066800">
+            <a:lnSpc>
+              <a:spcPct val="90000"/>
+            </a:lnSpc>
+            <a:spcBef>
+              <a:spcPct val="0"/>
+            </a:spcBef>
+            <a:spcAft>
+              <a:spcPct val="35000"/>
+            </a:spcAft>
+            <a:buNone/>
+          </a:pPr>
+          <a:r>
+            <a:rPr lang="en-US" sz="2400" kern="1200"/>
+            <a:t>Sets Data Structure in Python</a:t>
+          </a:r>
+        </a:p>
+      </dsp:txBody>
+      <dsp:txXfrm>
+        <a:off x="1844034" y="3992098"/>
+        <a:ext cx="2839914" cy="1596566"/>
+      </dsp:txXfrm>
+    </dsp:sp>
+  </dsp:spTree>
+</dsp:drawing>
+</file>
+
+<file path=ppt/diagrams/drawing2.xml><?xml version="1.0" encoding="utf-8"?>
+<dsp:drawing xmlns:dgm="http://schemas.openxmlformats.org/drawingml/2006/diagram" xmlns:dsp="http://schemas.microsoft.com/office/drawing/2008/diagram" xmlns:a="http://schemas.openxmlformats.org/drawingml/2006/main">
+  <dsp:spTree>
+    <dsp:nvGrpSpPr>
+      <dsp:cNvPr id="0" name=""/>
+      <dsp:cNvGrpSpPr/>
+    </dsp:nvGrpSpPr>
+    <dsp:grpSpPr/>
     <dsp:sp modelId="{51D26792-E81C-4345-8CC5-1050F31E69EF}">
       <dsp:nvSpPr>
         <dsp:cNvPr id="0" name=""/>
@@ -4364,7 +5969,7 @@
 </dsp:drawing>
 </file>
 
-<file path=ppt/diagrams/drawing2.xml><?xml version="1.0" encoding="utf-8"?>
+<file path=ppt/diagrams/drawing3.xml><?xml version="1.0" encoding="utf-8"?>
 <dsp:drawing xmlns:dgm="http://schemas.openxmlformats.org/drawingml/2006/diagram" xmlns:dsp="http://schemas.microsoft.com/office/drawing/2008/diagram" xmlns:a="http://schemas.openxmlformats.org/drawingml/2006/main">
   <dsp:spTree>
     <dsp:nvGrpSpPr>
@@ -5185,7 +6790,7 @@
 </dsp:drawing>
 </file>
 
-<file path=ppt/diagrams/drawing3.xml><?xml version="1.0" encoding="utf-8"?>
+<file path=ppt/diagrams/drawing4.xml><?xml version="1.0" encoding="utf-8"?>
 <dsp:drawing xmlns:dgm="http://schemas.openxmlformats.org/drawingml/2006/diagram" xmlns:dsp="http://schemas.microsoft.com/office/drawing/2008/diagram" xmlns:a="http://schemas.openxmlformats.org/drawingml/2006/main">
   <dsp:spTree>
     <dsp:nvGrpSpPr>
@@ -6230,6 +7835,300 @@
 </file>
 
 <file path=ppt/diagrams/layout1.xml><?xml version="1.0" encoding="utf-8"?>
+<dgm:layoutDef xmlns:dgm="http://schemas.openxmlformats.org/drawingml/2006/diagram" xmlns:a="http://schemas.openxmlformats.org/drawingml/2006/main" uniqueId="urn:microsoft.com/office/officeart/2018/2/layout/IconVerticalSolidList">
+  <dgm:title val="Icon Vertical Solid List"/>
+  <dgm:desc val="Use to show a series of visuals from top to bottom with Level 1 or Level 1 and Level 2 text grouped in a shape. Works best with icons or small pictures with lengthier descriptions."/>
+  <dgm:catLst>
+    <dgm:cat type="icon" pri="500"/>
+  </dgm:catLst>
+  <dgm:sampData useDef="1">
+    <dgm:dataModel>
+      <dgm:ptLst/>
+      <dgm:bg/>
+      <dgm:whole/>
+    </dgm:dataModel>
+  </dgm:sampData>
+  <dgm:styleData useDef="1">
+    <dgm:dataModel>
+      <dgm:ptLst/>
+      <dgm:bg/>
+      <dgm:whole/>
+    </dgm:dataModel>
+  </dgm:styleData>
+  <dgm:clrData useDef="1">
+    <dgm:dataModel>
+      <dgm:ptLst/>
+      <dgm:bg/>
+      <dgm:whole/>
+    </dgm:dataModel>
+  </dgm:clrData>
+  <dgm:layoutNode name="root">
+    <dgm:varLst>
+      <dgm:dir/>
+      <dgm:resizeHandles val="exact"/>
+    </dgm:varLst>
+    <dgm:choose name="Name0">
+      <dgm:if name="Name1" axis="self" func="var" arg="dir" op="equ" val="norm">
+        <dgm:alg type="lin">
+          <dgm:param type="linDir" val="fromT"/>
+          <dgm:param type="nodeHorzAlign" val="l"/>
+        </dgm:alg>
+      </dgm:if>
+      <dgm:else name="Name2">
+        <dgm:alg type="lin">
+          <dgm:param type="linDir" val="fromT"/>
+          <dgm:param type="nodeHorzAlign" val="r"/>
+        </dgm:alg>
+      </dgm:else>
+    </dgm:choose>
+    <dgm:shape xmlns:r="http://schemas.openxmlformats.org/officeDocument/2006/relationships" r:blip="">
+      <dgm:adjLst/>
+    </dgm:shape>
+    <dgm:presOf/>
+    <dgm:choose name="Name3">
+      <dgm:if name="Name4" axis="ch" ptType="node" func="cnt" op="lte" val="3">
+        <dgm:constrLst>
+          <dgm:constr type="h" for="ch" forName="compNode" refType="h" fact="0.3"/>
+          <dgm:constr type="w" for="ch" forName="compNode" refType="w"/>
+          <dgm:constr type="h" for="ch" forName="sibTrans" refType="h" refFor="ch" refForName="compNode" fact="0.25"/>
+          <dgm:constr type="primFontSz" for="des" forName="parTx" val="25"/>
+          <dgm:constr type="primFontSz" for="des" forName="desTx" refType="primFontSz" refFor="des" refForName="parTx" op="lte" fact="0.75"/>
+          <dgm:constr type="h" for="des" forName="compNode" op="equ"/>
+          <dgm:constr type="h" for="des" forName="bgRect" op="equ"/>
+          <dgm:constr type="h" for="des" forName="iconRect" op="equ"/>
+          <dgm:constr type="w" for="des" forName="iconRect" op="equ"/>
+          <dgm:constr type="h" for="des" forName="spaceRect" op="equ"/>
+          <dgm:constr type="h" for="des" forName="parTx" op="equ"/>
+          <dgm:constr type="h" for="des" forName="desTx" op="equ"/>
+        </dgm:constrLst>
+      </dgm:if>
+      <dgm:if name="Name5" axis="ch" ptType="node" func="cnt" op="lte" val="4">
+        <dgm:constrLst>
+          <dgm:constr type="h" for="ch" forName="compNode" refType="h" fact="0.3"/>
+          <dgm:constr type="w" for="ch" forName="compNode" refType="w"/>
+          <dgm:constr type="h" for="ch" forName="sibTrans" refType="h" refFor="ch" refForName="compNode" fact="0.25"/>
+          <dgm:constr type="primFontSz" for="des" forName="parTx" val="22"/>
+          <dgm:constr type="primFontSz" for="des" forName="desTx" refType="primFontSz" refFor="des" refForName="parTx" op="lte" fact="0.75"/>
+          <dgm:constr type="h" for="des" forName="compNode" op="equ"/>
+          <dgm:constr type="h" for="des" forName="bgRect" op="equ"/>
+          <dgm:constr type="h" for="des" forName="iconRect" op="equ"/>
+          <dgm:constr type="w" for="des" forName="iconRect" op="equ"/>
+          <dgm:constr type="h" for="des" forName="spaceRect" op="equ"/>
+          <dgm:constr type="h" for="des" forName="parTx" op="equ"/>
+          <dgm:constr type="h" for="des" forName="desTx" op="equ"/>
+        </dgm:constrLst>
+      </dgm:if>
+      <dgm:if name="Name6" axis="ch" ptType="node" func="cnt" op="lte" val="6">
+        <dgm:constrLst>
+          <dgm:constr type="h" for="ch" forName="compNode" refType="h" fact="0.3"/>
+          <dgm:constr type="w" for="ch" forName="compNode" refType="w"/>
+          <dgm:constr type="h" for="ch" forName="sibTrans" refType="h" refFor="ch" refForName="compNode" fact="0.25"/>
+          <dgm:constr type="primFontSz" for="des" forName="parTx" val="19"/>
+          <dgm:constr type="primFontSz" for="des" forName="desTx" refType="primFontSz" refFor="des" refForName="parTx" op="lte" fact="0.75"/>
+          <dgm:constr type="h" for="des" forName="compNode" op="equ"/>
+          <dgm:constr type="h" for="des" forName="bgRect" op="equ"/>
+          <dgm:constr type="h" for="des" forName="iconRect" op="equ"/>
+          <dgm:constr type="w" for="des" forName="iconRect" op="equ"/>
+          <dgm:constr type="h" for="des" forName="spaceRect" op="equ"/>
+          <dgm:constr type="h" for="des" forName="parTx" op="equ"/>
+          <dgm:constr type="h" for="des" forName="desTx" op="equ"/>
+        </dgm:constrLst>
+      </dgm:if>
+      <dgm:else name="Name7">
+        <dgm:constrLst>
+          <dgm:constr type="h" for="ch" forName="compNode" refType="h" fact="0.3"/>
+          <dgm:constr type="w" for="ch" forName="compNode" refType="w"/>
+          <dgm:constr type="h" for="ch" forName="sibTrans" refType="h" refFor="ch" refForName="compNode" fact="0.25"/>
+          <dgm:constr type="primFontSz" for="des" forName="parTx" val="16"/>
+          <dgm:constr type="primFontSz" for="des" forName="desTx" refType="primFontSz" refFor="des" refForName="parTx" op="lte" fact="0.75"/>
+          <dgm:constr type="h" for="des" forName="compNode" op="equ"/>
+          <dgm:constr type="h" for="des" forName="bgRect" op="equ"/>
+          <dgm:constr type="h" for="des" forName="iconRect" op="equ"/>
+          <dgm:constr type="w" for="des" forName="iconRect" op="equ"/>
+          <dgm:constr type="h" for="des" forName="spaceRect" op="equ"/>
+          <dgm:constr type="h" for="des" forName="parTx" op="equ"/>
+          <dgm:constr type="h" for="des" forName="desTx" op="equ"/>
+        </dgm:constrLst>
+      </dgm:else>
+    </dgm:choose>
+    <dgm:ruleLst>
+      <dgm:rule type="h" for="ch" forName="compNode" val="0" fact="NaN" max="NaN"/>
+    </dgm:ruleLst>
+    <dgm:forEach name="Name8" axis="ch" ptType="node">
+      <dgm:layoutNode name="compNode">
+        <dgm:alg type="composite"/>
+        <dgm:shape xmlns:r="http://schemas.openxmlformats.org/officeDocument/2006/relationships" r:blip="">
+          <dgm:adjLst/>
+        </dgm:shape>
+        <dgm:presOf axis="self"/>
+        <dgm:choose name="Name9">
+          <dgm:if name="Name10" axis="ch" ptType="node" func="cnt" op="gte" val="1">
+            <dgm:constrLst>
+              <dgm:constr type="w" for="ch" forName="bgRect" refType="w"/>
+              <dgm:constr type="h" for="ch" forName="bgRect" refType="h"/>
+              <dgm:constr type="l" for="ch" forName="bgRect"/>
+              <dgm:constr type="t" for="ch" forName="bgRect"/>
+              <dgm:constr type="h" for="ch" forName="iconRect" refType="h" fact="0.55"/>
+              <dgm:constr type="w" for="ch" forName="iconRect" refType="h" refFor="ch" refForName="iconRect"/>
+              <dgm:constr type="l" for="ch" forName="iconRect" refType="h" refFor="ch" refForName="iconRect" fact="0.55"/>
+              <dgm:constr type="ctrY" for="ch" forName="iconRect" refType="ctrY" refFor="ch" refForName="bgRect"/>
+              <dgm:constr type="w" for="ch" forName="spaceRect" refType="l" refFor="ch" refForName="iconRect"/>
+              <dgm:constr type="h" for="ch" forName="spaceRect" refType="h"/>
+              <dgm:constr type="l" for="ch" forName="spaceRect" refType="r" refFor="ch" refForName="iconRect"/>
+              <dgm:constr type="t" for="ch" forName="spaceRect"/>
+              <dgm:constr type="w" for="ch" forName="parTx" refType="w" fact="0.45"/>
+              <dgm:constr type="h" for="ch" forName="parTx" refType="h"/>
+              <dgm:constr type="l" for="ch" forName="parTx" refType="r" refFor="ch" refForName="spaceRect"/>
+              <dgm:constr type="t" for="ch" forName="parTx"/>
+              <dgm:constr type="h" for="ch" forName="desTx" refType="h"/>
+              <dgm:constr type="l" for="ch" forName="desTx" refType="r" refFor="ch" refForName="parTx"/>
+              <dgm:constr type="t" for="ch" forName="desTx"/>
+            </dgm:constrLst>
+          </dgm:if>
+          <dgm:else name="Name11">
+            <dgm:constrLst>
+              <dgm:constr type="w" for="ch" forName="bgRect" refType="w"/>
+              <dgm:constr type="h" for="ch" forName="bgRect" refType="h"/>
+              <dgm:constr type="l" for="ch" forName="bgRect"/>
+              <dgm:constr type="t" for="ch" forName="bgRect"/>
+              <dgm:constr type="h" for="ch" forName="iconRect" refType="h" fact="0.55"/>
+              <dgm:constr type="w" for="ch" forName="iconRect" refType="h" refFor="ch" refForName="iconRect"/>
+              <dgm:constr type="l" for="ch" forName="iconRect" refType="h" refFor="ch" refForName="iconRect" fact="0.55"/>
+              <dgm:constr type="ctrY" for="ch" forName="iconRect" refType="ctrY" refFor="ch" refForName="bgRect"/>
+              <dgm:constr type="w" for="ch" forName="spaceRect" refType="l" refFor="ch" refForName="iconRect"/>
+              <dgm:constr type="h" for="ch" forName="spaceRect" refType="h"/>
+              <dgm:constr type="l" for="ch" forName="spaceRect" refType="r" refFor="ch" refForName="iconRect"/>
+              <dgm:constr type="t" for="ch" forName="spaceRect"/>
+              <dgm:constr type="h" for="ch" forName="parTx" refType="h"/>
+              <dgm:constr type="l" for="ch" forName="parTx" refType="r" refFor="ch" refForName="spaceRect"/>
+              <dgm:constr type="t" for="ch" forName="parTx"/>
+            </dgm:constrLst>
+          </dgm:else>
+        </dgm:choose>
+        <dgm:ruleLst>
+          <dgm:rule type="h" val="INF" fact="NaN" max="NaN"/>
+        </dgm:ruleLst>
+        <dgm:layoutNode name="bgRect" styleLbl="bgShp">
+          <dgm:alg type="sp"/>
+          <dgm:shape xmlns:r="http://schemas.openxmlformats.org/officeDocument/2006/relationships" type="roundRect" r:blip="">
+            <dgm:adjLst>
+              <dgm:adj idx="1" val="0.1"/>
+            </dgm:adjLst>
+          </dgm:shape>
+          <dgm:presOf/>
+          <dgm:constrLst/>
+          <dgm:ruleLst/>
+        </dgm:layoutNode>
+        <dgm:layoutNode name="iconRect" styleLbl="node1">
+          <dgm:alg type="sp"/>
+          <dgm:shape xmlns:r="http://schemas.openxmlformats.org/officeDocument/2006/relationships" type="rect" r:blip="" blipPhldr="1">
+            <dgm:adjLst/>
+          </dgm:shape>
+          <dgm:presOf/>
+          <dgm:constrLst/>
+          <dgm:ruleLst/>
+        </dgm:layoutNode>
+        <dgm:layoutNode name="spaceRect">
+          <dgm:alg type="sp"/>
+          <dgm:shape xmlns:r="http://schemas.openxmlformats.org/officeDocument/2006/relationships" r:blip="">
+            <dgm:adjLst/>
+          </dgm:shape>
+          <dgm:presOf/>
+          <dgm:constrLst/>
+          <dgm:ruleLst/>
+        </dgm:layoutNode>
+        <dgm:layoutNode name="parTx" styleLbl="revTx">
+          <dgm:varLst>
+            <dgm:chMax val="0"/>
+            <dgm:chPref val="0"/>
+          </dgm:varLst>
+          <dgm:alg type="tx">
+            <dgm:param type="txAnchorVert" val="mid"/>
+            <dgm:param type="parTxLTRAlign" val="l"/>
+            <dgm:param type="shpTxLTRAlignCh" val="l"/>
+            <dgm:param type="parTxRTLAlign" val="r"/>
+            <dgm:param type="shpTxRTLAlignCh" val="r"/>
+          </dgm:alg>
+          <dgm:shape xmlns:r="http://schemas.openxmlformats.org/officeDocument/2006/relationships" type="rect" r:blip="">
+            <dgm:adjLst/>
+          </dgm:shape>
+          <dgm:presOf axis="self" ptType="node"/>
+          <dgm:constrLst>
+            <dgm:constr type="lMarg" refType="h" fact="0.3"/>
+            <dgm:constr type="rMarg" refType="h" fact="0.3"/>
+            <dgm:constr type="tMarg" refType="h" fact="0.3"/>
+            <dgm:constr type="bMarg" refType="h" fact="0.3"/>
+          </dgm:constrLst>
+          <dgm:ruleLst>
+            <dgm:rule type="primFontSz" val="14" fact="NaN" max="NaN"/>
+            <dgm:rule type="h" val="INF" fact="NaN" max="NaN"/>
+          </dgm:ruleLst>
+        </dgm:layoutNode>
+        <dgm:choose name="Name12">
+          <dgm:if name="Name13" axis="ch" ptType="node" func="cnt" op="gte" val="1">
+            <dgm:layoutNode name="desTx" styleLbl="revTx">
+              <dgm:varLst/>
+              <dgm:alg type="tx">
+                <dgm:param type="txAnchorVertCh" val="mid"/>
+                <dgm:param type="parTxLTRAlign" val="l"/>
+                <dgm:param type="shpTxLTRAlignCh" val="l"/>
+                <dgm:param type="parTxRTLAlign" val="r"/>
+                <dgm:param type="shpTxRTLAlignCh" val="r"/>
+                <dgm:param type="stBulletLvl" val="0"/>
+              </dgm:alg>
+              <dgm:shape xmlns:r="http://schemas.openxmlformats.org/officeDocument/2006/relationships" type="rect" r:blip="">
+                <dgm:adjLst/>
+              </dgm:shape>
+              <dgm:presOf axis="des" ptType="node"/>
+              <dgm:constrLst>
+                <dgm:constr type="primFontSz" val="18"/>
+                <dgm:constr type="secFontSz" refType="primFontSz"/>
+                <dgm:constr type="lMarg" refType="h" fact="0.3"/>
+                <dgm:constr type="rMarg" refType="h" fact="0.3"/>
+                <dgm:constr type="tMarg" refType="h" fact="0.3"/>
+                <dgm:constr type="bMarg" refType="h" fact="0.3"/>
+              </dgm:constrLst>
+              <dgm:ruleLst>
+                <dgm:rule type="primFontSz" val="11" fact="NaN" max="NaN"/>
+              </dgm:ruleLst>
+            </dgm:layoutNode>
+          </dgm:if>
+          <dgm:else name="Name14"/>
+        </dgm:choose>
+      </dgm:layoutNode>
+      <dgm:forEach name="Name15" axis="followSib" ptType="sibTrans" cnt="1">
+        <dgm:layoutNode name="sibTrans">
+          <dgm:alg type="sp"/>
+          <dgm:shape xmlns:r="http://schemas.openxmlformats.org/officeDocument/2006/relationships" r:blip="">
+            <dgm:adjLst/>
+          </dgm:shape>
+          <dgm:presOf axis="self"/>
+          <dgm:constrLst/>
+          <dgm:ruleLst/>
+        </dgm:layoutNode>
+      </dgm:forEach>
+    </dgm:forEach>
+  </dgm:layoutNode>
+  <dgm:extLst>
+    <a:ext uri="{68A01E43-0DF5-4B5B-8FA6-DAF915123BFB}">
+      <dgm1612:lstStyle xmlns:dgm1612="http://schemas.microsoft.com/office/drawing/2016/12/diagram">
+        <a:lvl1pPr>
+          <a:lnSpc>
+            <a:spcPct val="100000"/>
+          </a:lnSpc>
+        </a:lvl1pPr>
+        <a:lvl2pPr>
+          <a:lnSpc>
+            <a:spcPct val="100000"/>
+          </a:lnSpc>
+        </a:lvl2pPr>
+      </dgm1612:lstStyle>
+    </a:ext>
+  </dgm:extLst>
+</dgm:layoutDef>
+</file>
+
+<file path=ppt/diagrams/layout2.xml><?xml version="1.0" encoding="utf-8"?>
 <dgm:layoutDef xmlns:dgm="http://schemas.openxmlformats.org/drawingml/2006/diagram" xmlns:a="http://schemas.openxmlformats.org/drawingml/2006/main" uniqueId="urn:microsoft.com/office/officeart/2005/8/layout/vList2">
   <dgm:title val=""/>
   <dgm:desc val=""/>
@@ -6396,7 +8295,7 @@
 </dgm:layoutDef>
 </file>
 
-<file path=ppt/diagrams/layout2.xml><?xml version="1.0" encoding="utf-8"?>
+<file path=ppt/diagrams/layout3.xml><?xml version="1.0" encoding="utf-8"?>
 <dgm:layoutDef xmlns:dgm="http://schemas.openxmlformats.org/drawingml/2006/diagram" xmlns:a="http://schemas.openxmlformats.org/drawingml/2006/main" uniqueId="urn:microsoft.com/office/officeart/2018/2/layout/IconLabelDescriptionList">
   <dgm:title val="Icon Label Description List"/>
   <dgm:desc val="Use to show non-sequential or grouped chunks of information. The placeholder holds an icon or small picture, and corresponding text boxes show Level 1 and Level 2 text respectively. Works well for minimal Level 1 text accompanied by lengthier Level two text."/>
@@ -6605,7 +8504,7 @@
 </dgm:layoutDef>
 </file>
 
-<file path=ppt/diagrams/layout3.xml><?xml version="1.0" encoding="utf-8"?>
+<file path=ppt/diagrams/layout4.xml><?xml version="1.0" encoding="utf-8"?>
 <dgm:layoutDef xmlns:dgm="http://schemas.openxmlformats.org/drawingml/2006/diagram" xmlns:a="http://schemas.openxmlformats.org/drawingml/2006/main" uniqueId="urn:microsoft.com/office/officeart/2016/7/layout/VerticalDownArrowProcess">
   <dgm:title val="Vertical Down Arrow Process"/>
   <dgm:desc val="Use to show a progression; a timeline; sequential steps in a task, process, or workflow; or to emphasize movement or direction. Level 1 text appears inside an arrow shape while Level 2 text appears below the arrow shapes."/>
@@ -8941,6 +10840,1040 @@
 </file>
 
 <file path=ppt/diagrams/quickStyle3.xml><?xml version="1.0" encoding="utf-8"?>
+<dgm:styleDef xmlns:dgm="http://schemas.openxmlformats.org/drawingml/2006/diagram" xmlns:a="http://schemas.openxmlformats.org/drawingml/2006/main" uniqueId="urn:microsoft.com/office/officeart/2005/8/quickstyle/simple1">
+  <dgm:title val=""/>
+  <dgm:desc val=""/>
+  <dgm:catLst>
+    <dgm:cat type="simple" pri="10100"/>
+  </dgm:catLst>
+  <dgm:scene3d>
+    <a:camera prst="orthographicFront"/>
+    <a:lightRig rig="threePt" dir="t"/>
+  </dgm:scene3d>
+  <dgm:styleLbl name="node0">
+    <dgm:scene3d>
+      <a:camera prst="orthographicFront"/>
+      <a:lightRig rig="threePt" dir="t"/>
+    </dgm:scene3d>
+    <dgm:sp3d/>
+    <dgm:txPr/>
+    <dgm:style>
+      <a:lnRef idx="2">
+        <a:scrgbClr r="0" g="0" b="0"/>
+      </a:lnRef>
+      <a:fillRef idx="1">
+        <a:scrgbClr r="0" g="0" b="0"/>
+      </a:fillRef>
+      <a:effectRef idx="0">
+        <a:scrgbClr r="0" g="0" b="0"/>
+      </a:effectRef>
+      <a:fontRef idx="minor">
+        <a:schemeClr val="lt1"/>
+      </a:fontRef>
+    </dgm:style>
+  </dgm:styleLbl>
+  <dgm:styleLbl name="lnNode1">
+    <dgm:scene3d>
+      <a:camera prst="orthographicFront"/>
+      <a:lightRig rig="threePt" dir="t"/>
+    </dgm:scene3d>
+    <dgm:sp3d/>
+    <dgm:txPr/>
+    <dgm:style>
+      <a:lnRef idx="2">
+        <a:scrgbClr r="0" g="0" b="0"/>
+      </a:lnRef>
+      <a:fillRef idx="1">
+        <a:scrgbClr r="0" g="0" b="0"/>
+      </a:fillRef>
+      <a:effectRef idx="0">
+        <a:scrgbClr r="0" g="0" b="0"/>
+      </a:effectRef>
+      <a:fontRef idx="minor">
+        <a:schemeClr val="lt1"/>
+      </a:fontRef>
+    </dgm:style>
+  </dgm:styleLbl>
+  <dgm:styleLbl name="vennNode1">
+    <dgm:scene3d>
+      <a:camera prst="orthographicFront"/>
+      <a:lightRig rig="threePt" dir="t"/>
+    </dgm:scene3d>
+    <dgm:sp3d/>
+    <dgm:txPr/>
+    <dgm:style>
+      <a:lnRef idx="2">
+        <a:scrgbClr r="0" g="0" b="0"/>
+      </a:lnRef>
+      <a:fillRef idx="1">
+        <a:scrgbClr r="0" g="0" b="0"/>
+      </a:fillRef>
+      <a:effectRef idx="0">
+        <a:scrgbClr r="0" g="0" b="0"/>
+      </a:effectRef>
+      <a:fontRef idx="minor">
+        <a:schemeClr val="tx1"/>
+      </a:fontRef>
+    </dgm:style>
+  </dgm:styleLbl>
+  <dgm:styleLbl name="alignNode1">
+    <dgm:scene3d>
+      <a:camera prst="orthographicFront"/>
+      <a:lightRig rig="threePt" dir="t"/>
+    </dgm:scene3d>
+    <dgm:sp3d/>
+    <dgm:txPr/>
+    <dgm:style>
+      <a:lnRef idx="2">
+        <a:scrgbClr r="0" g="0" b="0"/>
+      </a:lnRef>
+      <a:fillRef idx="1">
+        <a:scrgbClr r="0" g="0" b="0"/>
+      </a:fillRef>
+      <a:effectRef idx="0">
+        <a:scrgbClr r="0" g="0" b="0"/>
+      </a:effectRef>
+      <a:fontRef idx="minor">
+        <a:schemeClr val="lt1"/>
+      </a:fontRef>
+    </dgm:style>
+  </dgm:styleLbl>
+  <dgm:styleLbl name="node1">
+    <dgm:scene3d>
+      <a:camera prst="orthographicFront"/>
+      <a:lightRig rig="threePt" dir="t"/>
+    </dgm:scene3d>
+    <dgm:sp3d/>
+    <dgm:txPr/>
+    <dgm:style>
+      <a:lnRef idx="2">
+        <a:scrgbClr r="0" g="0" b="0"/>
+      </a:lnRef>
+      <a:fillRef idx="1">
+        <a:scrgbClr r="0" g="0" b="0"/>
+      </a:fillRef>
+      <a:effectRef idx="0">
+        <a:scrgbClr r="0" g="0" b="0"/>
+      </a:effectRef>
+      <a:fontRef idx="minor">
+        <a:schemeClr val="lt1"/>
+      </a:fontRef>
+    </dgm:style>
+  </dgm:styleLbl>
+  <dgm:styleLbl name="node2">
+    <dgm:scene3d>
+      <a:camera prst="orthographicFront"/>
+      <a:lightRig rig="threePt" dir="t"/>
+    </dgm:scene3d>
+    <dgm:sp3d/>
+    <dgm:txPr/>
+    <dgm:style>
+      <a:lnRef idx="2">
+        <a:scrgbClr r="0" g="0" b="0"/>
+      </a:lnRef>
+      <a:fillRef idx="1">
+        <a:scrgbClr r="0" g="0" b="0"/>
+      </a:fillRef>
+      <a:effectRef idx="0">
+        <a:scrgbClr r="0" g="0" b="0"/>
+      </a:effectRef>
+      <a:fontRef idx="minor">
+        <a:schemeClr val="lt1"/>
+      </a:fontRef>
+    </dgm:style>
+  </dgm:styleLbl>
+  <dgm:styleLbl name="node3">
+    <dgm:scene3d>
+      <a:camera prst="orthographicFront"/>
+      <a:lightRig rig="threePt" dir="t"/>
+    </dgm:scene3d>
+    <dgm:sp3d/>
+    <dgm:txPr/>
+    <dgm:style>
+      <a:lnRef idx="2">
+        <a:scrgbClr r="0" g="0" b="0"/>
+      </a:lnRef>
+      <a:fillRef idx="1">
+        <a:scrgbClr r="0" g="0" b="0"/>
+      </a:fillRef>
+      <a:effectRef idx="0">
+        <a:scrgbClr r="0" g="0" b="0"/>
+      </a:effectRef>
+      <a:fontRef idx="minor">
+        <a:schemeClr val="lt1"/>
+      </a:fontRef>
+    </dgm:style>
+  </dgm:styleLbl>
+  <dgm:styleLbl name="node4">
+    <dgm:scene3d>
+      <a:camera prst="orthographicFront"/>
+      <a:lightRig rig="threePt" dir="t"/>
+    </dgm:scene3d>
+    <dgm:sp3d/>
+    <dgm:txPr/>
+    <dgm:style>
+      <a:lnRef idx="2">
+        <a:scrgbClr r="0" g="0" b="0"/>
+      </a:lnRef>
+      <a:fillRef idx="1">
+        <a:scrgbClr r="0" g="0" b="0"/>
+      </a:fillRef>
+      <a:effectRef idx="0">
+        <a:scrgbClr r="0" g="0" b="0"/>
+      </a:effectRef>
+      <a:fontRef idx="minor">
+        <a:schemeClr val="lt1"/>
+      </a:fontRef>
+    </dgm:style>
+  </dgm:styleLbl>
+  <dgm:styleLbl name="fgImgPlace1">
+    <dgm:scene3d>
+      <a:camera prst="orthographicFront"/>
+      <a:lightRig rig="threePt" dir="t"/>
+    </dgm:scene3d>
+    <dgm:sp3d/>
+    <dgm:txPr/>
+    <dgm:style>
+      <a:lnRef idx="2">
+        <a:scrgbClr r="0" g="0" b="0"/>
+      </a:lnRef>
+      <a:fillRef idx="1">
+        <a:scrgbClr r="0" g="0" b="0"/>
+      </a:fillRef>
+      <a:effectRef idx="0">
+        <a:scrgbClr r="0" g="0" b="0"/>
+      </a:effectRef>
+      <a:fontRef idx="minor"/>
+    </dgm:style>
+  </dgm:styleLbl>
+  <dgm:styleLbl name="alignImgPlace1">
+    <dgm:scene3d>
+      <a:camera prst="orthographicFront"/>
+      <a:lightRig rig="threePt" dir="t"/>
+    </dgm:scene3d>
+    <dgm:sp3d/>
+    <dgm:txPr/>
+    <dgm:style>
+      <a:lnRef idx="2">
+        <a:scrgbClr r="0" g="0" b="0"/>
+      </a:lnRef>
+      <a:fillRef idx="1">
+        <a:scrgbClr r="0" g="0" b="0"/>
+      </a:fillRef>
+      <a:effectRef idx="0">
+        <a:scrgbClr r="0" g="0" b="0"/>
+      </a:effectRef>
+      <a:fontRef idx="minor"/>
+    </dgm:style>
+  </dgm:styleLbl>
+  <dgm:styleLbl name="bgImgPlace1">
+    <dgm:scene3d>
+      <a:camera prst="orthographicFront"/>
+      <a:lightRig rig="threePt" dir="t"/>
+    </dgm:scene3d>
+    <dgm:sp3d/>
+    <dgm:txPr/>
+    <dgm:style>
+      <a:lnRef idx="2">
+        <a:scrgbClr r="0" g="0" b="0"/>
+      </a:lnRef>
+      <a:fillRef idx="1">
+        <a:scrgbClr r="0" g="0" b="0"/>
+      </a:fillRef>
+      <a:effectRef idx="0">
+        <a:scrgbClr r="0" g="0" b="0"/>
+      </a:effectRef>
+      <a:fontRef idx="minor"/>
+    </dgm:style>
+  </dgm:styleLbl>
+  <dgm:styleLbl name="sibTrans2D1">
+    <dgm:scene3d>
+      <a:camera prst="orthographicFront"/>
+      <a:lightRig rig="threePt" dir="t"/>
+    </dgm:scene3d>
+    <dgm:sp3d/>
+    <dgm:txPr/>
+    <dgm:style>
+      <a:lnRef idx="0">
+        <a:scrgbClr r="0" g="0" b="0"/>
+      </a:lnRef>
+      <a:fillRef idx="1">
+        <a:scrgbClr r="0" g="0" b="0"/>
+      </a:fillRef>
+      <a:effectRef idx="0">
+        <a:scrgbClr r="0" g="0" b="0"/>
+      </a:effectRef>
+      <a:fontRef idx="minor">
+        <a:schemeClr val="lt1"/>
+      </a:fontRef>
+    </dgm:style>
+  </dgm:styleLbl>
+  <dgm:styleLbl name="fgSibTrans2D1">
+    <dgm:scene3d>
+      <a:camera prst="orthographicFront"/>
+      <a:lightRig rig="threePt" dir="t"/>
+    </dgm:scene3d>
+    <dgm:sp3d/>
+    <dgm:txPr/>
+    <dgm:style>
+      <a:lnRef idx="0">
+        <a:scrgbClr r="0" g="0" b="0"/>
+      </a:lnRef>
+      <a:fillRef idx="1">
+        <a:scrgbClr r="0" g="0" b="0"/>
+      </a:fillRef>
+      <a:effectRef idx="0">
+        <a:scrgbClr r="0" g="0" b="0"/>
+      </a:effectRef>
+      <a:fontRef idx="minor">
+        <a:schemeClr val="lt1"/>
+      </a:fontRef>
+    </dgm:style>
+  </dgm:styleLbl>
+  <dgm:styleLbl name="bgSibTrans2D1">
+    <dgm:scene3d>
+      <a:camera prst="orthographicFront"/>
+      <a:lightRig rig="threePt" dir="t"/>
+    </dgm:scene3d>
+    <dgm:sp3d/>
+    <dgm:txPr/>
+    <dgm:style>
+      <a:lnRef idx="0">
+        <a:scrgbClr r="0" g="0" b="0"/>
+      </a:lnRef>
+      <a:fillRef idx="1">
+        <a:scrgbClr r="0" g="0" b="0"/>
+      </a:fillRef>
+      <a:effectRef idx="0">
+        <a:scrgbClr r="0" g="0" b="0"/>
+      </a:effectRef>
+      <a:fontRef idx="minor">
+        <a:schemeClr val="lt1"/>
+      </a:fontRef>
+    </dgm:style>
+  </dgm:styleLbl>
+  <dgm:styleLbl name="sibTrans1D1">
+    <dgm:scene3d>
+      <a:camera prst="orthographicFront"/>
+      <a:lightRig rig="threePt" dir="t"/>
+    </dgm:scene3d>
+    <dgm:sp3d/>
+    <dgm:txPr/>
+    <dgm:style>
+      <a:lnRef idx="1">
+        <a:scrgbClr r="0" g="0" b="0"/>
+      </a:lnRef>
+      <a:fillRef idx="0">
+        <a:scrgbClr r="0" g="0" b="0"/>
+      </a:fillRef>
+      <a:effectRef idx="0">
+        <a:scrgbClr r="0" g="0" b="0"/>
+      </a:effectRef>
+      <a:fontRef idx="minor"/>
+    </dgm:style>
+  </dgm:styleLbl>
+  <dgm:styleLbl name="callout">
+    <dgm:scene3d>
+      <a:camera prst="orthographicFront"/>
+      <a:lightRig rig="threePt" dir="t"/>
+    </dgm:scene3d>
+    <dgm:sp3d/>
+    <dgm:txPr/>
+    <dgm:style>
+      <a:lnRef idx="2">
+        <a:scrgbClr r="0" g="0" b="0"/>
+      </a:lnRef>
+      <a:fillRef idx="1">
+        <a:scrgbClr r="0" g="0" b="0"/>
+      </a:fillRef>
+      <a:effectRef idx="0">
+        <a:scrgbClr r="0" g="0" b="0"/>
+      </a:effectRef>
+      <a:fontRef idx="minor"/>
+    </dgm:style>
+  </dgm:styleLbl>
+  <dgm:styleLbl name="asst0">
+    <dgm:scene3d>
+      <a:camera prst="orthographicFront"/>
+      <a:lightRig rig="threePt" dir="t"/>
+    </dgm:scene3d>
+    <dgm:sp3d/>
+    <dgm:txPr/>
+    <dgm:style>
+      <a:lnRef idx="2">
+        <a:scrgbClr r="0" g="0" b="0"/>
+      </a:lnRef>
+      <a:fillRef idx="1">
+        <a:scrgbClr r="0" g="0" b="0"/>
+      </a:fillRef>
+      <a:effectRef idx="0">
+        <a:scrgbClr r="0" g="0" b="0"/>
+      </a:effectRef>
+      <a:fontRef idx="minor">
+        <a:schemeClr val="lt1"/>
+      </a:fontRef>
+    </dgm:style>
+  </dgm:styleLbl>
+  <dgm:styleLbl name="asst1">
+    <dgm:scene3d>
+      <a:camera prst="orthographicFront"/>
+      <a:lightRig rig="threePt" dir="t"/>
+    </dgm:scene3d>
+    <dgm:sp3d/>
+    <dgm:txPr/>
+    <dgm:style>
+      <a:lnRef idx="2">
+        <a:scrgbClr r="0" g="0" b="0"/>
+      </a:lnRef>
+      <a:fillRef idx="1">
+        <a:scrgbClr r="0" g="0" b="0"/>
+      </a:fillRef>
+      <a:effectRef idx="0">
+        <a:scrgbClr r="0" g="0" b="0"/>
+      </a:effectRef>
+      <a:fontRef idx="minor">
+        <a:schemeClr val="lt1"/>
+      </a:fontRef>
+    </dgm:style>
+  </dgm:styleLbl>
+  <dgm:styleLbl name="asst2">
+    <dgm:scene3d>
+      <a:camera prst="orthographicFront"/>
+      <a:lightRig rig="threePt" dir="t"/>
+    </dgm:scene3d>
+    <dgm:sp3d/>
+    <dgm:txPr/>
+    <dgm:style>
+      <a:lnRef idx="2">
+        <a:scrgbClr r="0" g="0" b="0"/>
+      </a:lnRef>
+      <a:fillRef idx="1">
+        <a:scrgbClr r="0" g="0" b="0"/>
+      </a:fillRef>
+      <a:effectRef idx="0">
+        <a:scrgbClr r="0" g="0" b="0"/>
+      </a:effectRef>
+      <a:fontRef idx="minor">
+        <a:schemeClr val="lt1"/>
+      </a:fontRef>
+    </dgm:style>
+  </dgm:styleLbl>
+  <dgm:styleLbl name="asst3">
+    <dgm:scene3d>
+      <a:camera prst="orthographicFront"/>
+      <a:lightRig rig="threePt" dir="t"/>
+    </dgm:scene3d>
+    <dgm:sp3d/>
+    <dgm:txPr/>
+    <dgm:style>
+      <a:lnRef idx="2">
+        <a:scrgbClr r="0" g="0" b="0"/>
+      </a:lnRef>
+      <a:fillRef idx="1">
+        <a:scrgbClr r="0" g="0" b="0"/>
+      </a:fillRef>
+      <a:effectRef idx="0">
+        <a:scrgbClr r="0" g="0" b="0"/>
+      </a:effectRef>
+      <a:fontRef idx="minor">
+        <a:schemeClr val="lt1"/>
+      </a:fontRef>
+    </dgm:style>
+  </dgm:styleLbl>
+  <dgm:styleLbl name="asst4">
+    <dgm:scene3d>
+      <a:camera prst="orthographicFront"/>
+      <a:lightRig rig="threePt" dir="t"/>
+    </dgm:scene3d>
+    <dgm:sp3d/>
+    <dgm:txPr/>
+    <dgm:style>
+      <a:lnRef idx="2">
+        <a:scrgbClr r="0" g="0" b="0"/>
+      </a:lnRef>
+      <a:fillRef idx="1">
+        <a:scrgbClr r="0" g="0" b="0"/>
+      </a:fillRef>
+      <a:effectRef idx="0">
+        <a:scrgbClr r="0" g="0" b="0"/>
+      </a:effectRef>
+      <a:fontRef idx="minor">
+        <a:schemeClr val="lt1"/>
+      </a:fontRef>
+    </dgm:style>
+  </dgm:styleLbl>
+  <dgm:styleLbl name="parChTrans2D1">
+    <dgm:scene3d>
+      <a:camera prst="orthographicFront"/>
+      <a:lightRig rig="threePt" dir="t"/>
+    </dgm:scene3d>
+    <dgm:sp3d/>
+    <dgm:txPr/>
+    <dgm:style>
+      <a:lnRef idx="2">
+        <a:scrgbClr r="0" g="0" b="0"/>
+      </a:lnRef>
+      <a:fillRef idx="1">
+        <a:scrgbClr r="0" g="0" b="0"/>
+      </a:fillRef>
+      <a:effectRef idx="0">
+        <a:scrgbClr r="0" g="0" b="0"/>
+      </a:effectRef>
+      <a:fontRef idx="minor">
+        <a:schemeClr val="lt1"/>
+      </a:fontRef>
+    </dgm:style>
+  </dgm:styleLbl>
+  <dgm:styleLbl name="parChTrans2D2">
+    <dgm:scene3d>
+      <a:camera prst="orthographicFront"/>
+      <a:lightRig rig="threePt" dir="t"/>
+    </dgm:scene3d>
+    <dgm:sp3d/>
+    <dgm:txPr/>
+    <dgm:style>
+      <a:lnRef idx="2">
+        <a:scrgbClr r="0" g="0" b="0"/>
+      </a:lnRef>
+      <a:fillRef idx="1">
+        <a:scrgbClr r="0" g="0" b="0"/>
+      </a:fillRef>
+      <a:effectRef idx="0">
+        <a:scrgbClr r="0" g="0" b="0"/>
+      </a:effectRef>
+      <a:fontRef idx="minor">
+        <a:schemeClr val="lt1"/>
+      </a:fontRef>
+    </dgm:style>
+  </dgm:styleLbl>
+  <dgm:styleLbl name="parChTrans2D3">
+    <dgm:scene3d>
+      <a:camera prst="orthographicFront"/>
+      <a:lightRig rig="threePt" dir="t"/>
+    </dgm:scene3d>
+    <dgm:sp3d/>
+    <dgm:txPr/>
+    <dgm:style>
+      <a:lnRef idx="2">
+        <a:scrgbClr r="0" g="0" b="0"/>
+      </a:lnRef>
+      <a:fillRef idx="1">
+        <a:scrgbClr r="0" g="0" b="0"/>
+      </a:fillRef>
+      <a:effectRef idx="0">
+        <a:scrgbClr r="0" g="0" b="0"/>
+      </a:effectRef>
+      <a:fontRef idx="minor">
+        <a:schemeClr val="lt1"/>
+      </a:fontRef>
+    </dgm:style>
+  </dgm:styleLbl>
+  <dgm:styleLbl name="parChTrans2D4">
+    <dgm:scene3d>
+      <a:camera prst="orthographicFront"/>
+      <a:lightRig rig="threePt" dir="t"/>
+    </dgm:scene3d>
+    <dgm:sp3d/>
+    <dgm:txPr/>
+    <dgm:style>
+      <a:lnRef idx="2">
+        <a:scrgbClr r="0" g="0" b="0"/>
+      </a:lnRef>
+      <a:fillRef idx="1">
+        <a:scrgbClr r="0" g="0" b="0"/>
+      </a:fillRef>
+      <a:effectRef idx="0">
+        <a:scrgbClr r="0" g="0" b="0"/>
+      </a:effectRef>
+      <a:fontRef idx="minor">
+        <a:schemeClr val="lt1"/>
+      </a:fontRef>
+    </dgm:style>
+  </dgm:styleLbl>
+  <dgm:styleLbl name="parChTrans1D1">
+    <dgm:scene3d>
+      <a:camera prst="orthographicFront"/>
+      <a:lightRig rig="threePt" dir="t"/>
+    </dgm:scene3d>
+    <dgm:sp3d/>
+    <dgm:txPr/>
+    <dgm:style>
+      <a:lnRef idx="2">
+        <a:scrgbClr r="0" g="0" b="0"/>
+      </a:lnRef>
+      <a:fillRef idx="0">
+        <a:scrgbClr r="0" g="0" b="0"/>
+      </a:fillRef>
+      <a:effectRef idx="0">
+        <a:scrgbClr r="0" g="0" b="0"/>
+      </a:effectRef>
+      <a:fontRef idx="minor"/>
+    </dgm:style>
+  </dgm:styleLbl>
+  <dgm:styleLbl name="parChTrans1D2">
+    <dgm:scene3d>
+      <a:camera prst="orthographicFront"/>
+      <a:lightRig rig="threePt" dir="t"/>
+    </dgm:scene3d>
+    <dgm:sp3d/>
+    <dgm:txPr/>
+    <dgm:style>
+      <a:lnRef idx="2">
+        <a:scrgbClr r="0" g="0" b="0"/>
+      </a:lnRef>
+      <a:fillRef idx="0">
+        <a:scrgbClr r="0" g="0" b="0"/>
+      </a:fillRef>
+      <a:effectRef idx="0">
+        <a:scrgbClr r="0" g="0" b="0"/>
+      </a:effectRef>
+      <a:fontRef idx="minor"/>
+    </dgm:style>
+  </dgm:styleLbl>
+  <dgm:styleLbl name="parChTrans1D3">
+    <dgm:scene3d>
+      <a:camera prst="orthographicFront"/>
+      <a:lightRig rig="threePt" dir="t"/>
+    </dgm:scene3d>
+    <dgm:sp3d/>
+    <dgm:txPr/>
+    <dgm:style>
+      <a:lnRef idx="2">
+        <a:scrgbClr r="0" g="0" b="0"/>
+      </a:lnRef>
+      <a:fillRef idx="0">
+        <a:scrgbClr r="0" g="0" b="0"/>
+      </a:fillRef>
+      <a:effectRef idx="0">
+        <a:scrgbClr r="0" g="0" b="0"/>
+      </a:effectRef>
+      <a:fontRef idx="minor"/>
+    </dgm:style>
+  </dgm:styleLbl>
+  <dgm:styleLbl name="parChTrans1D4">
+    <dgm:scene3d>
+      <a:camera prst="orthographicFront"/>
+      <a:lightRig rig="threePt" dir="t"/>
+    </dgm:scene3d>
+    <dgm:sp3d/>
+    <dgm:txPr/>
+    <dgm:style>
+      <a:lnRef idx="2">
+        <a:scrgbClr r="0" g="0" b="0"/>
+      </a:lnRef>
+      <a:fillRef idx="0">
+        <a:scrgbClr r="0" g="0" b="0"/>
+      </a:fillRef>
+      <a:effectRef idx="0">
+        <a:scrgbClr r="0" g="0" b="0"/>
+      </a:effectRef>
+      <a:fontRef idx="minor"/>
+    </dgm:style>
+  </dgm:styleLbl>
+  <dgm:styleLbl name="fgAcc1">
+    <dgm:scene3d>
+      <a:camera prst="orthographicFront"/>
+      <a:lightRig rig="threePt" dir="t"/>
+    </dgm:scene3d>
+    <dgm:sp3d/>
+    <dgm:txPr/>
+    <dgm:style>
+      <a:lnRef idx="2">
+        <a:scrgbClr r="0" g="0" b="0"/>
+      </a:lnRef>
+      <a:fillRef idx="1">
+        <a:scrgbClr r="0" g="0" b="0"/>
+      </a:fillRef>
+      <a:effectRef idx="0">
+        <a:scrgbClr r="0" g="0" b="0"/>
+      </a:effectRef>
+      <a:fontRef idx="minor"/>
+    </dgm:style>
+  </dgm:styleLbl>
+  <dgm:styleLbl name="conFgAcc1">
+    <dgm:scene3d>
+      <a:camera prst="orthographicFront"/>
+      <a:lightRig rig="threePt" dir="t"/>
+    </dgm:scene3d>
+    <dgm:sp3d/>
+    <dgm:txPr/>
+    <dgm:style>
+      <a:lnRef idx="2">
+        <a:scrgbClr r="0" g="0" b="0"/>
+      </a:lnRef>
+      <a:fillRef idx="1">
+        <a:scrgbClr r="0" g="0" b="0"/>
+      </a:fillRef>
+      <a:effectRef idx="0">
+        <a:scrgbClr r="0" g="0" b="0"/>
+      </a:effectRef>
+      <a:fontRef idx="minor"/>
+    </dgm:style>
+  </dgm:styleLbl>
+  <dgm:styleLbl name="alignAcc1">
+    <dgm:scene3d>
+      <a:camera prst="orthographicFront"/>
+      <a:lightRig rig="threePt" dir="t"/>
+    </dgm:scene3d>
+    <dgm:sp3d/>
+    <dgm:txPr/>
+    <dgm:style>
+      <a:lnRef idx="2">
+        <a:scrgbClr r="0" g="0" b="0"/>
+      </a:lnRef>
+      <a:fillRef idx="1">
+        <a:scrgbClr r="0" g="0" b="0"/>
+      </a:fillRef>
+      <a:effectRef idx="0">
+        <a:scrgbClr r="0" g="0" b="0"/>
+      </a:effectRef>
+      <a:fontRef idx="minor"/>
+    </dgm:style>
+  </dgm:styleLbl>
+  <dgm:styleLbl name="trAlignAcc1">
+    <dgm:scene3d>
+      <a:camera prst="orthographicFront"/>
+      <a:lightRig rig="threePt" dir="t"/>
+    </dgm:scene3d>
+    <dgm:sp3d/>
+    <dgm:txPr/>
+    <dgm:style>
+      <a:lnRef idx="1">
+        <a:scrgbClr r="0" g="0" b="0"/>
+      </a:lnRef>
+      <a:fillRef idx="1">
+        <a:scrgbClr r="0" g="0" b="0"/>
+      </a:fillRef>
+      <a:effectRef idx="0">
+        <a:scrgbClr r="0" g="0" b="0"/>
+      </a:effectRef>
+      <a:fontRef idx="minor"/>
+    </dgm:style>
+  </dgm:styleLbl>
+  <dgm:styleLbl name="bgAcc1">
+    <dgm:scene3d>
+      <a:camera prst="orthographicFront"/>
+      <a:lightRig rig="threePt" dir="t"/>
+    </dgm:scene3d>
+    <dgm:sp3d/>
+    <dgm:txPr/>
+    <dgm:style>
+      <a:lnRef idx="2">
+        <a:scrgbClr r="0" g="0" b="0"/>
+      </a:lnRef>
+      <a:fillRef idx="1">
+        <a:scrgbClr r="0" g="0" b="0"/>
+      </a:fillRef>
+      <a:effectRef idx="0">
+        <a:scrgbClr r="0" g="0" b="0"/>
+      </a:effectRef>
+      <a:fontRef idx="minor"/>
+    </dgm:style>
+  </dgm:styleLbl>
+  <dgm:styleLbl name="solidFgAcc1">
+    <dgm:scene3d>
+      <a:camera prst="orthographicFront"/>
+      <a:lightRig rig="threePt" dir="t"/>
+    </dgm:scene3d>
+    <dgm:sp3d/>
+    <dgm:txPr/>
+    <dgm:style>
+      <a:lnRef idx="2">
+        <a:scrgbClr r="0" g="0" b="0"/>
+      </a:lnRef>
+      <a:fillRef idx="1">
+        <a:scrgbClr r="0" g="0" b="0"/>
+      </a:fillRef>
+      <a:effectRef idx="0">
+        <a:scrgbClr r="0" g="0" b="0"/>
+      </a:effectRef>
+      <a:fontRef idx="minor"/>
+    </dgm:style>
+  </dgm:styleLbl>
+  <dgm:styleLbl name="solidAlignAcc1">
+    <dgm:scene3d>
+      <a:camera prst="orthographicFront"/>
+      <a:lightRig rig="threePt" dir="t"/>
+    </dgm:scene3d>
+    <dgm:sp3d/>
+    <dgm:txPr/>
+    <dgm:style>
+      <a:lnRef idx="2">
+        <a:scrgbClr r="0" g="0" b="0"/>
+      </a:lnRef>
+      <a:fillRef idx="1">
+        <a:scrgbClr r="0" g="0" b="0"/>
+      </a:fillRef>
+      <a:effectRef idx="0">
+        <a:scrgbClr r="0" g="0" b="0"/>
+      </a:effectRef>
+      <a:fontRef idx="minor"/>
+    </dgm:style>
+  </dgm:styleLbl>
+  <dgm:styleLbl name="solidBgAcc1">
+    <dgm:scene3d>
+      <a:camera prst="orthographicFront"/>
+      <a:lightRig rig="threePt" dir="t"/>
+    </dgm:scene3d>
+    <dgm:sp3d/>
+    <dgm:txPr/>
+    <dgm:style>
+      <a:lnRef idx="2">
+        <a:scrgbClr r="0" g="0" b="0"/>
+      </a:lnRef>
+      <a:fillRef idx="1">
+        <a:scrgbClr r="0" g="0" b="0"/>
+      </a:fillRef>
+      <a:effectRef idx="0">
+        <a:scrgbClr r="0" g="0" b="0"/>
+      </a:effectRef>
+      <a:fontRef idx="minor"/>
+    </dgm:style>
+  </dgm:styleLbl>
+  <dgm:styleLbl name="fgAccFollowNode1">
+    <dgm:scene3d>
+      <a:camera prst="orthographicFront"/>
+      <a:lightRig rig="threePt" dir="t"/>
+    </dgm:scene3d>
+    <dgm:sp3d/>
+    <dgm:txPr/>
+    <dgm:style>
+      <a:lnRef idx="2">
+        <a:scrgbClr r="0" g="0" b="0"/>
+      </a:lnRef>
+      <a:fillRef idx="1">
+        <a:scrgbClr r="0" g="0" b="0"/>
+      </a:fillRef>
+      <a:effectRef idx="0">
+        <a:scrgbClr r="0" g="0" b="0"/>
+      </a:effectRef>
+      <a:fontRef idx="minor"/>
+    </dgm:style>
+  </dgm:styleLbl>
+  <dgm:styleLbl name="alignAccFollowNode1">
+    <dgm:scene3d>
+      <a:camera prst="orthographicFront"/>
+      <a:lightRig rig="threePt" dir="t"/>
+    </dgm:scene3d>
+    <dgm:sp3d/>
+    <dgm:txPr/>
+    <dgm:style>
+      <a:lnRef idx="2">
+        <a:scrgbClr r="0" g="0" b="0"/>
+      </a:lnRef>
+      <a:fillRef idx="1">
+        <a:scrgbClr r="0" g="0" b="0"/>
+      </a:fillRef>
+      <a:effectRef idx="0">
+        <a:scrgbClr r="0" g="0" b="0"/>
+      </a:effectRef>
+      <a:fontRef idx="minor"/>
+    </dgm:style>
+  </dgm:styleLbl>
+  <dgm:styleLbl name="bgAccFollowNode1">
+    <dgm:scene3d>
+      <a:camera prst="orthographicFront"/>
+      <a:lightRig rig="threePt" dir="t"/>
+    </dgm:scene3d>
+    <dgm:sp3d/>
+    <dgm:txPr/>
+    <dgm:style>
+      <a:lnRef idx="2">
+        <a:scrgbClr r="0" g="0" b="0"/>
+      </a:lnRef>
+      <a:fillRef idx="1">
+        <a:scrgbClr r="0" g="0" b="0"/>
+      </a:fillRef>
+      <a:effectRef idx="0">
+        <a:scrgbClr r="0" g="0" b="0"/>
+      </a:effectRef>
+      <a:fontRef idx="minor"/>
+    </dgm:style>
+  </dgm:styleLbl>
+  <dgm:styleLbl name="fgAcc0">
+    <dgm:scene3d>
+      <a:camera prst="orthographicFront"/>
+      <a:lightRig rig="threePt" dir="t"/>
+    </dgm:scene3d>
+    <dgm:sp3d/>
+    <dgm:txPr/>
+    <dgm:style>
+      <a:lnRef idx="2">
+        <a:scrgbClr r="0" g="0" b="0"/>
+      </a:lnRef>
+      <a:fillRef idx="1">
+        <a:scrgbClr r="0" g="0" b="0"/>
+      </a:fillRef>
+      <a:effectRef idx="0">
+        <a:scrgbClr r="0" g="0" b="0"/>
+      </a:effectRef>
+      <a:fontRef idx="minor"/>
+    </dgm:style>
+  </dgm:styleLbl>
+  <dgm:styleLbl name="fgAcc2">
+    <dgm:scene3d>
+      <a:camera prst="orthographicFront"/>
+      <a:lightRig rig="threePt" dir="t"/>
+    </dgm:scene3d>
+    <dgm:sp3d/>
+    <dgm:txPr/>
+    <dgm:style>
+      <a:lnRef idx="2">
+        <a:scrgbClr r="0" g="0" b="0"/>
+      </a:lnRef>
+      <a:fillRef idx="1">
+        <a:scrgbClr r="0" g="0" b="0"/>
+      </a:fillRef>
+      <a:effectRef idx="0">
+        <a:scrgbClr r="0" g="0" b="0"/>
+      </a:effectRef>
+      <a:fontRef idx="minor"/>
+    </dgm:style>
+  </dgm:styleLbl>
+  <dgm:styleLbl name="fgAcc3">
+    <dgm:scene3d>
+      <a:camera prst="orthographicFront"/>
+      <a:lightRig rig="threePt" dir="t"/>
+    </dgm:scene3d>
+    <dgm:sp3d/>
+    <dgm:txPr/>
+    <dgm:style>
+      <a:lnRef idx="2">
+        <a:scrgbClr r="0" g="0" b="0"/>
+      </a:lnRef>
+      <a:fillRef idx="1">
+        <a:scrgbClr r="0" g="0" b="0"/>
+      </a:fillRef>
+      <a:effectRef idx="0">
+        <a:scrgbClr r="0" g="0" b="0"/>
+      </a:effectRef>
+      <a:fontRef idx="minor"/>
+    </dgm:style>
+  </dgm:styleLbl>
+  <dgm:styleLbl name="fgAcc4">
+    <dgm:scene3d>
+      <a:camera prst="orthographicFront"/>
+      <a:lightRig rig="threePt" dir="t"/>
+    </dgm:scene3d>
+    <dgm:sp3d/>
+    <dgm:txPr/>
+    <dgm:style>
+      <a:lnRef idx="2">
+        <a:scrgbClr r="0" g="0" b="0"/>
+      </a:lnRef>
+      <a:fillRef idx="1">
+        <a:scrgbClr r="0" g="0" b="0"/>
+      </a:fillRef>
+      <a:effectRef idx="0">
+        <a:scrgbClr r="0" g="0" b="0"/>
+      </a:effectRef>
+      <a:fontRef idx="minor"/>
+    </dgm:style>
+  </dgm:styleLbl>
+  <dgm:styleLbl name="bgShp">
+    <dgm:scene3d>
+      <a:camera prst="orthographicFront"/>
+      <a:lightRig rig="threePt" dir="t"/>
+    </dgm:scene3d>
+    <dgm:sp3d/>
+    <dgm:txPr/>
+    <dgm:style>
+      <a:lnRef idx="0">
+        <a:scrgbClr r="0" g="0" b="0"/>
+      </a:lnRef>
+      <a:fillRef idx="1">
+        <a:scrgbClr r="0" g="0" b="0"/>
+      </a:fillRef>
+      <a:effectRef idx="0">
+        <a:scrgbClr r="0" g="0" b="0"/>
+      </a:effectRef>
+      <a:fontRef idx="minor"/>
+    </dgm:style>
+  </dgm:styleLbl>
+  <dgm:styleLbl name="dkBgShp">
+    <dgm:scene3d>
+      <a:camera prst="orthographicFront"/>
+      <a:lightRig rig="threePt" dir="t"/>
+    </dgm:scene3d>
+    <dgm:sp3d/>
+    <dgm:txPr/>
+    <dgm:style>
+      <a:lnRef idx="0">
+        <a:scrgbClr r="0" g="0" b="0"/>
+      </a:lnRef>
+      <a:fillRef idx="1">
+        <a:scrgbClr r="0" g="0" b="0"/>
+      </a:fillRef>
+      <a:effectRef idx="0">
+        <a:scrgbClr r="0" g="0" b="0"/>
+      </a:effectRef>
+      <a:fontRef idx="minor"/>
+    </dgm:style>
+  </dgm:styleLbl>
+  <dgm:styleLbl name="trBgShp">
+    <dgm:scene3d>
+      <a:camera prst="orthographicFront"/>
+      <a:lightRig rig="threePt" dir="t"/>
+    </dgm:scene3d>
+    <dgm:sp3d/>
+    <dgm:txPr/>
+    <dgm:style>
+      <a:lnRef idx="0">
+        <a:scrgbClr r="0" g="0" b="0"/>
+      </a:lnRef>
+      <a:fillRef idx="1">
+        <a:scrgbClr r="0" g="0" b="0"/>
+      </a:fillRef>
+      <a:effectRef idx="0">
+        <a:scrgbClr r="0" g="0" b="0"/>
+      </a:effectRef>
+      <a:fontRef idx="minor"/>
+    </dgm:style>
+  </dgm:styleLbl>
+  <dgm:styleLbl name="fgShp">
+    <dgm:scene3d>
+      <a:camera prst="orthographicFront"/>
+      <a:lightRig rig="threePt" dir="t"/>
+    </dgm:scene3d>
+    <dgm:sp3d/>
+    <dgm:txPr/>
+    <dgm:style>
+      <a:lnRef idx="2">
+        <a:scrgbClr r="0" g="0" b="0"/>
+      </a:lnRef>
+      <a:fillRef idx="1">
+        <a:scrgbClr r="0" g="0" b="0"/>
+      </a:fillRef>
+      <a:effectRef idx="0">
+        <a:scrgbClr r="0" g="0" b="0"/>
+      </a:effectRef>
+      <a:fontRef idx="minor"/>
+    </dgm:style>
+  </dgm:styleLbl>
+  <dgm:styleLbl name="revTx">
+    <dgm:scene3d>
+      <a:camera prst="orthographicFront"/>
+      <a:lightRig rig="threePt" dir="t"/>
+    </dgm:scene3d>
+    <dgm:sp3d/>
+    <dgm:txPr/>
+    <dgm:style>
+      <a:lnRef idx="0">
+        <a:scrgbClr r="0" g="0" b="0"/>
+      </a:lnRef>
+      <a:fillRef idx="0">
+        <a:scrgbClr r="0" g="0" b="0"/>
+      </a:fillRef>
+      <a:effectRef idx="0">
+        <a:scrgbClr r="0" g="0" b="0"/>
+      </a:effectRef>
+      <a:fontRef idx="minor"/>
+    </dgm:style>
+  </dgm:styleLbl>
+</dgm:styleDef>
+</file>
+
+<file path=ppt/diagrams/quickStyle4.xml><?xml version="1.0" encoding="utf-8"?>
 <dgm:styleDef xmlns:dgm="http://schemas.openxmlformats.org/drawingml/2006/diagram" xmlns:a="http://schemas.openxmlformats.org/drawingml/2006/main" uniqueId="urn:microsoft.com/office/officeart/2005/8/quickstyle/simple1">
   <dgm:title val=""/>
   <dgm:desc val=""/>
@@ -13101,7 +16034,7 @@
           <a:p>
             <a:r>
               <a:rPr lang="en-US" sz="4000"/>
-              <a:t>📊  Pandas Data Model &amp; NumPy Foundation</a:t>
+              <a:t>📊  Why DataFrames Are Powerful</a:t>
             </a:r>
           </a:p>
         </p:txBody>
@@ -13476,25 +16409,25 @@
           <a:p>
             <a:r>
               <a:rPr lang="en-US" sz="1900"/>
-              <a:t>Columns are NumPy ndarrays</a:t>
+              <a:t>Labeled rows &amp; columns</a:t>
             </a:r>
           </a:p>
           <a:p>
             <a:r>
               <a:rPr lang="en-US" sz="1900"/>
-              <a:t>Each column has strict dtype</a:t>
+              <a:t>Handles multiple data types</a:t>
             </a:r>
           </a:p>
           <a:p>
             <a:r>
               <a:rPr lang="en-US" sz="1900"/>
-              <a:t>NumPy provides speed</a:t>
+              <a:t>Vectorized operations</a:t>
             </a:r>
           </a:p>
           <a:p>
             <a:r>
               <a:rPr lang="en-US" sz="1900"/>
-              <a:t>pandas adds labels + ops</a:t>
+              <a:t>Easy filtering/joining/grouping</a:t>
             </a:r>
           </a:p>
           <a:p>
@@ -13509,7 +16442,7 @@
             </a:pPr>
             <a:r>
               <a:rPr lang="en-US" sz="1900"/>
-              <a:t>https://pandas.pydata.org/docs/user_guide/basics.html#dtypes</a:t>
+              <a:t>https://pandas.pydata.org/docs/user_guide/dsintro.html#dataframe</a:t>
             </a:r>
           </a:p>
           <a:p>
@@ -13518,7 +16451,7 @@
             </a:pPr>
             <a:r>
               <a:rPr lang="en-US" sz="1900"/>
-              <a:t>https://numpy.org/doc/stable/reference/arrays.ndarray.html</a:t>
+              <a:t>https://pandas.pydata.org/docs/user_guide/basics.html</a:t>
             </a:r>
           </a:p>
           <a:p>
@@ -13527,7 +16460,7 @@
             </a:pPr>
             <a:r>
               <a:rPr lang="en-US" sz="1900"/>
-              <a:t>https://pandas.pydata.org/docs/user_guide/basics.html#numpy-interop</a:t>
+              <a:t>https://pandas.pydata.org/docs/user_guide/10min.html</a:t>
             </a:r>
           </a:p>
         </p:txBody>
@@ -13648,8 +16581,8 @@
           <a:lstStyle/>
           <a:p>
             <a:r>
-              <a:rPr lang="en-US" sz="4700"/>
-              <a:t>📄  Reading CSV Files</a:t>
+              <a:rPr lang="en-US" sz="4000"/>
+              <a:t>📊  Pandas Data Model &amp; NumPy Foundation</a:t>
             </a:r>
           </a:p>
         </p:txBody>
@@ -14024,25 +16957,25 @@
           <a:p>
             <a:r>
               <a:rPr lang="en-US" sz="1900"/>
-              <a:t>pd.read_csv</a:t>
+              <a:t>Columns are NumPy ndarrays</a:t>
             </a:r>
           </a:p>
           <a:p>
             <a:r>
               <a:rPr lang="en-US" sz="1900"/>
-              <a:t>Preview with head()</a:t>
+              <a:t>Each column has strict dtype</a:t>
             </a:r>
           </a:p>
           <a:p>
             <a:r>
               <a:rPr lang="en-US" sz="1900"/>
-              <a:t>Inspect with info()</a:t>
+              <a:t>NumPy provides speed</a:t>
             </a:r>
           </a:p>
           <a:p>
             <a:r>
               <a:rPr lang="en-US" sz="1900"/>
-              <a:t>Type detection</a:t>
+              <a:t>pandas adds labels + ops</a:t>
             </a:r>
           </a:p>
           <a:p>
@@ -14057,7 +16990,7 @@
             </a:pPr>
             <a:r>
               <a:rPr lang="en-US" sz="1900"/>
-              <a:t>https://pandas.pydata.org/docs/reference/api/pandas.read_csv.html</a:t>
+              <a:t>https://pandas.pydata.org/docs/user_guide/basics.html#dtypes</a:t>
             </a:r>
           </a:p>
           <a:p>
@@ -14066,7 +16999,7 @@
             </a:pPr>
             <a:r>
               <a:rPr lang="en-US" sz="1900"/>
-              <a:t>https://pandas.pydata.org/docs/user_guide/io.html#csv-text-files</a:t>
+              <a:t>https://numpy.org/doc/stable/reference/arrays.ndarray.html</a:t>
             </a:r>
           </a:p>
           <a:p>
@@ -14075,7 +17008,7 @@
             </a:pPr>
             <a:r>
               <a:rPr lang="en-US" sz="1900"/>
-              <a:t>https://realpython.com/python-csv/</a:t>
+              <a:t>https://pandas.pydata.org/docs/user_guide/basics.html#numpy-interop</a:t>
             </a:r>
           </a:p>
         </p:txBody>
@@ -14197,7 +17130,7 @@
           <a:p>
             <a:r>
               <a:rPr lang="en-US" sz="4700"/>
-              <a:t>📊  Reading Excel Files</a:t>
+              <a:t>📄  Reading CSV Files</a:t>
             </a:r>
           </a:p>
         </p:txBody>
@@ -14572,25 +17505,25 @@
           <a:p>
             <a:r>
               <a:rPr lang="en-US" sz="1900"/>
-              <a:t>pd.read_excel</a:t>
+              <a:t>pd.read_csv</a:t>
             </a:r>
           </a:p>
           <a:p>
             <a:r>
               <a:rPr lang="en-US" sz="1900"/>
-              <a:t>Supports multiple sheets</a:t>
+              <a:t>Preview with head()</a:t>
             </a:r>
           </a:p>
           <a:p>
             <a:r>
               <a:rPr lang="en-US" sz="1900"/>
-              <a:t>Handles missing values</a:t>
+              <a:t>Inspect with info()</a:t>
             </a:r>
           </a:p>
           <a:p>
             <a:r>
               <a:rPr lang="en-US" sz="1900"/>
-              <a:t>Preview first rows</a:t>
+              <a:t>Type detection</a:t>
             </a:r>
           </a:p>
           <a:p>
@@ -14605,7 +17538,7 @@
             </a:pPr>
             <a:r>
               <a:rPr lang="en-US" sz="1900"/>
-              <a:t>https://pandas.pydata.org/docs/reference/api/pandas.read_excel.html</a:t>
+              <a:t>https://pandas.pydata.org/docs/reference/api/pandas.read_csv.html</a:t>
             </a:r>
           </a:p>
           <a:p>
@@ -14614,7 +17547,7 @@
             </a:pPr>
             <a:r>
               <a:rPr lang="en-US" sz="1900"/>
-              <a:t>https://pandas.pydata.org/docs/user_guide/io.html#excel-files</a:t>
+              <a:t>https://pandas.pydata.org/docs/user_guide/io.html#csv-text-files</a:t>
             </a:r>
           </a:p>
           <a:p>
@@ -14623,7 +17556,7 @@
             </a:pPr>
             <a:r>
               <a:rPr lang="en-US" sz="1900"/>
-              <a:t>https://openpyxl.readthedocs.io/en/stable/</a:t>
+              <a:t>https://realpython.com/python-csv/</a:t>
             </a:r>
           </a:p>
         </p:txBody>
@@ -14745,7 +17678,7 @@
           <a:p>
             <a:r>
               <a:rPr lang="en-US" sz="4700"/>
-              <a:t>📊  Viewing Data Efficiently</a:t>
+              <a:t>📊  Reading Excel Files</a:t>
             </a:r>
           </a:p>
         </p:txBody>
@@ -15120,25 +18053,25 @@
           <a:p>
             <a:r>
               <a:rPr lang="en-US" sz="1900"/>
-              <a:t>head(), tail()</a:t>
+              <a:t>pd.read_excel</a:t>
             </a:r>
           </a:p>
           <a:p>
             <a:r>
               <a:rPr lang="en-US" sz="1900"/>
-              <a:t>describe() for numerics</a:t>
+              <a:t>Supports multiple sheets</a:t>
             </a:r>
           </a:p>
           <a:p>
             <a:r>
               <a:rPr lang="en-US" sz="1900"/>
-              <a:t>shape for dims</a:t>
+              <a:t>Handles missing values</a:t>
             </a:r>
           </a:p>
           <a:p>
             <a:r>
               <a:rPr lang="en-US" sz="1900"/>
-              <a:t>columns to inspect names</a:t>
+              <a:t>Preview first rows</a:t>
             </a:r>
           </a:p>
           <a:p>
@@ -15153,7 +18086,7 @@
             </a:pPr>
             <a:r>
               <a:rPr lang="en-US" sz="1900"/>
-              <a:t>https://pandas.pydata.org/docs/user_guide/basics.html</a:t>
+              <a:t>https://pandas.pydata.org/docs/reference/api/pandas.read_excel.html</a:t>
             </a:r>
           </a:p>
           <a:p>
@@ -15162,7 +18095,7 @@
             </a:pPr>
             <a:r>
               <a:rPr lang="en-US" sz="1900"/>
-              <a:t>https://pandas.pydata.org/docs/reference/api/pandas.DataFrame.info.html</a:t>
+              <a:t>https://pandas.pydata.org/docs/user_guide/io.html#excel-files</a:t>
             </a:r>
           </a:p>
           <a:p>
@@ -15171,7 +18104,7 @@
             </a:pPr>
             <a:r>
               <a:rPr lang="en-US" sz="1900"/>
-              <a:t>https://pandas.pydata.org/docs/reference/api/pandas.DataFrame.describe.html</a:t>
+              <a:t>https://openpyxl.readthedocs.io/en/stable/</a:t>
             </a:r>
           </a:p>
         </p:txBody>
@@ -15293,7 +18226,7 @@
           <a:p>
             <a:r>
               <a:rPr lang="en-US" sz="4700"/>
-              <a:t>📊  Selecting Data (Rows &amp; Columns)</a:t>
+              <a:t>📊  Viewing Data Efficiently</a:t>
             </a:r>
           </a:p>
         </p:txBody>
@@ -15668,25 +18601,25 @@
           <a:p>
             <a:r>
               <a:rPr lang="en-US" sz="1900"/>
-              <a:t>df['col']</a:t>
+              <a:t>head(), tail()</a:t>
             </a:r>
           </a:p>
           <a:p>
             <a:r>
               <a:rPr lang="en-US" sz="1900"/>
-              <a:t>df[['a','b']]</a:t>
+              <a:t>describe() for numerics</a:t>
             </a:r>
           </a:p>
           <a:p>
             <a:r>
               <a:rPr lang="en-US" sz="1900"/>
-              <a:t>Boolean filtering</a:t>
+              <a:t>shape for dims</a:t>
             </a:r>
           </a:p>
           <a:p>
             <a:r>
               <a:rPr lang="en-US" sz="1900"/>
-              <a:t>loc and iloc basics</a:t>
+              <a:t>columns to inspect names</a:t>
             </a:r>
           </a:p>
           <a:p>
@@ -15701,7 +18634,7 @@
             </a:pPr>
             <a:r>
               <a:rPr lang="en-US" sz="1900"/>
-              <a:t>https://pandas.pydata.org/docs/user_guide/indexing.html</a:t>
+              <a:t>https://pandas.pydata.org/docs/user_guide/basics.html</a:t>
             </a:r>
           </a:p>
           <a:p>
@@ -15710,7 +18643,7 @@
             </a:pPr>
             <a:r>
               <a:rPr lang="en-US" sz="1900"/>
-              <a:t>https://pandas.pydata.org/docs/reference/api/pandas.DataFrame.loc.html</a:t>
+              <a:t>https://pandas.pydata.org/docs/reference/api/pandas.DataFrame.info.html</a:t>
             </a:r>
           </a:p>
           <a:p>
@@ -15719,7 +18652,7 @@
             </a:pPr>
             <a:r>
               <a:rPr lang="en-US" sz="1900"/>
-              <a:t>https://pandas.pydata.org/docs/reference/api/pandas.DataFrame.iloc.html</a:t>
+              <a:t>https://pandas.pydata.org/docs/reference/api/pandas.DataFrame.describe.html</a:t>
             </a:r>
           </a:p>
         </p:txBody>
@@ -15840,8 +18773,8 @@
           <a:lstStyle/>
           <a:p>
             <a:r>
-              <a:rPr lang="en-US" sz="3600"/>
-              <a:t>📊  Cleaning &amp; Transforming Data</a:t>
+              <a:rPr lang="en-US" sz="4700"/>
+              <a:t>📊  Selecting Data (Rows &amp; Columns)</a:t>
             </a:r>
           </a:p>
         </p:txBody>
@@ -16216,25 +19149,25 @@
           <a:p>
             <a:r>
               <a:rPr lang="en-US" sz="1900"/>
-              <a:t>Rename columns</a:t>
+              <a:t>df['col']</a:t>
             </a:r>
           </a:p>
           <a:p>
             <a:r>
               <a:rPr lang="en-US" sz="1900"/>
-              <a:t>Create new columns</a:t>
+              <a:t>df[['a','b']]</a:t>
             </a:r>
           </a:p>
           <a:p>
             <a:r>
               <a:rPr lang="en-US" sz="1900"/>
-              <a:t>Convert types</a:t>
+              <a:t>Boolean filtering</a:t>
             </a:r>
           </a:p>
           <a:p>
             <a:r>
               <a:rPr lang="en-US" sz="1900"/>
-              <a:t>Handle missing data</a:t>
+              <a:t>loc and iloc basics</a:t>
             </a:r>
           </a:p>
           <a:p>
@@ -16249,7 +19182,7 @@
             </a:pPr>
             <a:r>
               <a:rPr lang="en-US" sz="1900"/>
-              <a:t>https://pandas.pydata.org/docs/user_guide/basics.html</a:t>
+              <a:t>https://pandas.pydata.org/docs/user_guide/indexing.html</a:t>
             </a:r>
           </a:p>
           <a:p>
@@ -16258,7 +19191,7 @@
             </a:pPr>
             <a:r>
               <a:rPr lang="en-US" sz="1900"/>
-              <a:t>https://pandas.pydata.org/docs/user_guide/reshaping.html</a:t>
+              <a:t>https://pandas.pydata.org/docs/reference/api/pandas.DataFrame.loc.html</a:t>
             </a:r>
           </a:p>
           <a:p>
@@ -16267,7 +19200,7 @@
             </a:pPr>
             <a:r>
               <a:rPr lang="en-US" sz="1900"/>
-              <a:t>https://pandas.pydata.org/docs/reference/api/pandas.DataFrame.fillna.html</a:t>
+              <a:t>https://pandas.pydata.org/docs/reference/api/pandas.DataFrame.iloc.html</a:t>
             </a:r>
           </a:p>
         </p:txBody>
@@ -16388,8 +19321,8 @@
           <a:lstStyle/>
           <a:p>
             <a:r>
-              <a:rPr lang="en-US" sz="4700"/>
-              <a:t>📊  Sorting &amp; Filtering</a:t>
+              <a:rPr lang="en-US" sz="3600"/>
+              <a:t>📊  Cleaning &amp; Transforming Data</a:t>
             </a:r>
           </a:p>
         </p:txBody>
@@ -16764,25 +19697,25 @@
           <a:p>
             <a:r>
               <a:rPr lang="en-US" sz="1900"/>
-              <a:t>sort_values</a:t>
+              <a:t>Rename columns</a:t>
             </a:r>
           </a:p>
           <a:p>
             <a:r>
               <a:rPr lang="en-US" sz="1900"/>
-              <a:t>Logical conditions</a:t>
+              <a:t>Create new columns</a:t>
             </a:r>
           </a:p>
           <a:p>
             <a:r>
               <a:rPr lang="en-US" sz="1900"/>
-              <a:t>Combine filters with &amp; and |</a:t>
+              <a:t>Convert types</a:t>
             </a:r>
           </a:p>
           <a:p>
             <a:r>
               <a:rPr lang="en-US" sz="1900"/>
-              <a:t>Filter examples</a:t>
+              <a:t>Handle missing data</a:t>
             </a:r>
           </a:p>
           <a:p>
@@ -16797,7 +19730,7 @@
             </a:pPr>
             <a:r>
               <a:rPr lang="en-US" sz="1900"/>
-              <a:t>https://pandas.pydata.org/docs/reference/api/pandas.DataFrame.sort_values.html</a:t>
+              <a:t>https://pandas.pydata.org/docs/user_guide/basics.html</a:t>
             </a:r>
           </a:p>
           <a:p>
@@ -16806,7 +19739,7 @@
             </a:pPr>
             <a:r>
               <a:rPr lang="en-US" sz="1900"/>
-              <a:t>https://pandas.pydata.org/docs/user_guide/indexing.html#boolean-indexing</a:t>
+              <a:t>https://pandas.pydata.org/docs/user_guide/reshaping.html</a:t>
             </a:r>
           </a:p>
           <a:p>
@@ -16815,7 +19748,7 @@
             </a:pPr>
             <a:r>
               <a:rPr lang="en-US" sz="1900"/>
-              <a:t>https://pandas.pydata.org/docs/user_guide/basics.html#basics-filtering</a:t>
+              <a:t>https://pandas.pydata.org/docs/reference/api/pandas.DataFrame.fillna.html</a:t>
             </a:r>
           </a:p>
         </p:txBody>
@@ -16937,7 +19870,7 @@
           <a:p>
             <a:r>
               <a:rPr lang="en-US" sz="4700"/>
-              <a:t>📊  Saving CSV &amp; Excel</a:t>
+              <a:t>📊  Sorting &amp; Filtering</a:t>
             </a:r>
           </a:p>
         </p:txBody>
@@ -17312,25 +20245,25 @@
           <a:p>
             <a:r>
               <a:rPr lang="en-US" sz="1900"/>
-              <a:t>to_csv</a:t>
+              <a:t>sort_values</a:t>
             </a:r>
           </a:p>
           <a:p>
             <a:r>
               <a:rPr lang="en-US" sz="1900"/>
-              <a:t>to_excel</a:t>
+              <a:t>Logical conditions</a:t>
             </a:r>
           </a:p>
           <a:p>
             <a:r>
               <a:rPr lang="en-US" sz="1900"/>
-              <a:t>Multi-sheet support</a:t>
+              <a:t>Combine filters with &amp; and |</a:t>
             </a:r>
           </a:p>
           <a:p>
             <a:r>
               <a:rPr lang="en-US" sz="1900"/>
-              <a:t>Avoid path mistakes</a:t>
+              <a:t>Filter examples</a:t>
             </a:r>
           </a:p>
           <a:p>
@@ -17345,7 +20278,7 @@
             </a:pPr>
             <a:r>
               <a:rPr lang="en-US" sz="1900"/>
-              <a:t>https://pandas.pydata.org/docs/reference/api/pandas.DataFrame.to_csv.html</a:t>
+              <a:t>https://pandas.pydata.org/docs/reference/api/pandas.DataFrame.sort_values.html</a:t>
             </a:r>
           </a:p>
           <a:p>
@@ -17354,7 +20287,7 @@
             </a:pPr>
             <a:r>
               <a:rPr lang="en-US" sz="1900"/>
-              <a:t>https://pandas.pydata.org/docs/reference/api/pandas.DataFrame.to_excel.html</a:t>
+              <a:t>https://pandas.pydata.org/docs/user_guide/indexing.html#boolean-indexing</a:t>
             </a:r>
           </a:p>
           <a:p>
@@ -17363,7 +20296,7 @@
             </a:pPr>
             <a:r>
               <a:rPr lang="en-US" sz="1900"/>
-              <a:t>https://pandas.pydata.org/docs/user_guide/io.html#excel-writer</a:t>
+              <a:t>https://pandas.pydata.org/docs/user_guide/basics.html#basics-filtering</a:t>
             </a:r>
           </a:p>
         </p:txBody>
@@ -17377,6 +20310,554 @@
 </file>
 
 <file path=ppt/slides/slide18.xml><?xml version="1.0" encoding="utf-8"?>
+<p:sld xmlns:a="http://schemas.openxmlformats.org/drawingml/2006/main" xmlns:r="http://schemas.openxmlformats.org/officeDocument/2006/relationships" xmlns:p="http://schemas.openxmlformats.org/presentationml/2006/main">
+  <p:cSld>
+    <p:bg>
+      <p:bgPr>
+        <a:solidFill>
+          <a:schemeClr val="bg1"/>
+        </a:solidFill>
+        <a:effectLst/>
+      </p:bgPr>
+    </p:bg>
+    <p:spTree>
+      <p:nvGrpSpPr>
+        <p:cNvPr id="1" name=""/>
+        <p:cNvGrpSpPr/>
+        <p:nvPr/>
+      </p:nvGrpSpPr>
+      <p:grpSpPr>
+        <a:xfrm>
+          <a:off x="0" y="0"/>
+          <a:ext cx="0" cy="0"/>
+          <a:chOff x="0" y="0"/>
+          <a:chExt cx="0" cy="0"/>
+        </a:xfrm>
+      </p:grpSpPr>
+      <p:sp useBgFill="1">
+        <p:nvSpPr>
+          <p:cNvPr id="8" name="Rectangle 7">
+            <a:extLst>
+              <a:ext uri="{FF2B5EF4-FFF2-40B4-BE49-F238E27FC236}">
+                <a16:creationId xmlns:a16="http://schemas.microsoft.com/office/drawing/2014/main" id="{777A147A-9ED8-46B4-8660-1B3C2AA880B5}"/>
+              </a:ext>
+              <a:ext uri="{C183D7F6-B498-43B3-948B-1728B52AA6E4}">
+                <adec:decorative xmlns:adec="http://schemas.microsoft.com/office/drawing/2017/decorative" val="1"/>
+              </a:ext>
+            </a:extLst>
+          </p:cNvPr>
+          <p:cNvSpPr>
+            <a:spLocks noGrp="1" noRot="1" noChangeAspect="1" noMove="1" noResize="1" noEditPoints="1" noAdjustHandles="1" noChangeArrowheads="1" noChangeShapeType="1" noTextEdit="1"/>
+          </p:cNvSpPr>
+          <p:nvPr>
+            <p:extLst>
+              <p:ext uri="{386F3935-93C4-4BCD-93E2-E3B085C9AB24}">
+                <p16:designElem xmlns:p16="http://schemas.microsoft.com/office/powerpoint/2015/main" val="1"/>
+              </p:ext>
+            </p:extLst>
+          </p:nvPr>
+        </p:nvSpPr>
+        <p:spPr>
+          <a:xfrm>
+            <a:off x="0" y="0"/>
+            <a:ext cx="9141714" cy="6858000"/>
+          </a:xfrm>
+          <a:prstGeom prst="rect">
+            <a:avLst/>
+          </a:prstGeom>
+          <a:ln>
+            <a:noFill/>
+          </a:ln>
+        </p:spPr>
+        <p:style>
+          <a:lnRef idx="2">
+            <a:schemeClr val="accent1">
+              <a:shade val="50000"/>
+            </a:schemeClr>
+          </a:lnRef>
+          <a:fillRef idx="1">
+            <a:schemeClr val="accent1"/>
+          </a:fillRef>
+          <a:effectRef idx="0">
+            <a:schemeClr val="accent1"/>
+          </a:effectRef>
+          <a:fontRef idx="minor">
+            <a:schemeClr val="lt1"/>
+          </a:fontRef>
+        </p:style>
+        <p:txBody>
+          <a:bodyPr rtlCol="0" anchor="ctr"/>
+          <a:lstStyle/>
+          <a:p>
+            <a:pPr algn="ctr"/>
+            <a:endParaRPr lang="en-US"/>
+          </a:p>
+        </p:txBody>
+      </p:sp>
+      <p:sp>
+        <p:nvSpPr>
+          <p:cNvPr id="2" name="Title 1"/>
+          <p:cNvSpPr>
+            <a:spLocks noGrp="1"/>
+          </p:cNvSpPr>
+          <p:nvPr>
+            <p:ph type="title"/>
+          </p:nvPr>
+        </p:nvSpPr>
+        <p:spPr>
+          <a:xfrm>
+            <a:off x="630936" y="548640"/>
+            <a:ext cx="2700645" cy="5431536"/>
+          </a:xfrm>
+        </p:spPr>
+        <p:txBody>
+          <a:bodyPr>
+            <a:normAutofit/>
+          </a:bodyPr>
+          <a:lstStyle/>
+          <a:p>
+            <a:r>
+              <a:rPr lang="en-US" sz="4700"/>
+              <a:t>📊  Saving CSV &amp; Excel</a:t>
+            </a:r>
+          </a:p>
+        </p:txBody>
+      </p:sp>
+      <p:sp>
+        <p:nvSpPr>
+          <p:cNvPr id="10" name="sketch line">
+            <a:extLst>
+              <a:ext uri="{FF2B5EF4-FFF2-40B4-BE49-F238E27FC236}">
+                <a16:creationId xmlns:a16="http://schemas.microsoft.com/office/drawing/2014/main" id="{5D6C15A0-C087-4593-8414-2B4EC1CDC3DE}"/>
+              </a:ext>
+              <a:ext uri="{C183D7F6-B498-43B3-948B-1728B52AA6E4}">
+                <adec:decorative xmlns:adec="http://schemas.microsoft.com/office/drawing/2017/decorative" val="1"/>
+              </a:ext>
+            </a:extLst>
+          </p:cNvPr>
+          <p:cNvSpPr>
+            <a:spLocks noGrp="1" noRot="1" noChangeAspect="1" noMove="1" noResize="1" noEditPoints="1" noAdjustHandles="1" noChangeArrowheads="1" noChangeShapeType="1" noTextEdit="1"/>
+          </p:cNvSpPr>
+          <p:nvPr>
+            <p:extLst>
+              <p:ext uri="{386F3935-93C4-4BCD-93E2-E3B085C9AB24}">
+                <p16:designElem xmlns:p16="http://schemas.microsoft.com/office/powerpoint/2015/main" val="1"/>
+              </p:ext>
+            </p:extLst>
+          </p:nvPr>
+        </p:nvSpPr>
+        <p:spPr>
+          <a:xfrm rot="5400000">
+            <a:off x="1347917" y="3261001"/>
+            <a:ext cx="4480560" cy="13716"/>
+          </a:xfrm>
+          <a:custGeom>
+            <a:avLst/>
+            <a:gdLst>
+              <a:gd name="connsiteX0" fmla="*/ 0 w 4480560"/>
+              <a:gd name="connsiteY0" fmla="*/ 0 h 13716"/>
+              <a:gd name="connsiteX1" fmla="*/ 595274 w 4480560"/>
+              <a:gd name="connsiteY1" fmla="*/ 0 h 13716"/>
+              <a:gd name="connsiteX2" fmla="*/ 1100938 w 4480560"/>
+              <a:gd name="connsiteY2" fmla="*/ 0 h 13716"/>
+              <a:gd name="connsiteX3" fmla="*/ 1651406 w 4480560"/>
+              <a:gd name="connsiteY3" fmla="*/ 0 h 13716"/>
+              <a:gd name="connsiteX4" fmla="*/ 2336292 w 4480560"/>
+              <a:gd name="connsiteY4" fmla="*/ 0 h 13716"/>
+              <a:gd name="connsiteX5" fmla="*/ 2931566 w 4480560"/>
+              <a:gd name="connsiteY5" fmla="*/ 0 h 13716"/>
+              <a:gd name="connsiteX6" fmla="*/ 3482035 w 4480560"/>
+              <a:gd name="connsiteY6" fmla="*/ 0 h 13716"/>
+              <a:gd name="connsiteX7" fmla="*/ 4480560 w 4480560"/>
+              <a:gd name="connsiteY7" fmla="*/ 0 h 13716"/>
+              <a:gd name="connsiteX8" fmla="*/ 4480560 w 4480560"/>
+              <a:gd name="connsiteY8" fmla="*/ 13716 h 13716"/>
+              <a:gd name="connsiteX9" fmla="*/ 3840480 w 4480560"/>
+              <a:gd name="connsiteY9" fmla="*/ 13716 h 13716"/>
+              <a:gd name="connsiteX10" fmla="*/ 3290011 w 4480560"/>
+              <a:gd name="connsiteY10" fmla="*/ 13716 h 13716"/>
+              <a:gd name="connsiteX11" fmla="*/ 2560320 w 4480560"/>
+              <a:gd name="connsiteY11" fmla="*/ 13716 h 13716"/>
+              <a:gd name="connsiteX12" fmla="*/ 1965046 w 4480560"/>
+              <a:gd name="connsiteY12" fmla="*/ 13716 h 13716"/>
+              <a:gd name="connsiteX13" fmla="*/ 1459382 w 4480560"/>
+              <a:gd name="connsiteY13" fmla="*/ 13716 h 13716"/>
+              <a:gd name="connsiteX14" fmla="*/ 774497 w 4480560"/>
+              <a:gd name="connsiteY14" fmla="*/ 13716 h 13716"/>
+              <a:gd name="connsiteX15" fmla="*/ 0 w 4480560"/>
+              <a:gd name="connsiteY15" fmla="*/ 13716 h 13716"/>
+              <a:gd name="connsiteX16" fmla="*/ 0 w 4480560"/>
+              <a:gd name="connsiteY16" fmla="*/ 0 h 13716"/>
+            </a:gdLst>
+            <a:ahLst/>
+            <a:cxnLst>
+              <a:cxn ang="0">
+                <a:pos x="connsiteX0" y="connsiteY0"/>
+              </a:cxn>
+              <a:cxn ang="0">
+                <a:pos x="connsiteX1" y="connsiteY1"/>
+              </a:cxn>
+              <a:cxn ang="0">
+                <a:pos x="connsiteX2" y="connsiteY2"/>
+              </a:cxn>
+              <a:cxn ang="0">
+                <a:pos x="connsiteX3" y="connsiteY3"/>
+              </a:cxn>
+              <a:cxn ang="0">
+                <a:pos x="connsiteX4" y="connsiteY4"/>
+              </a:cxn>
+              <a:cxn ang="0">
+                <a:pos x="connsiteX5" y="connsiteY5"/>
+              </a:cxn>
+              <a:cxn ang="0">
+                <a:pos x="connsiteX6" y="connsiteY6"/>
+              </a:cxn>
+              <a:cxn ang="0">
+                <a:pos x="connsiteX7" y="connsiteY7"/>
+              </a:cxn>
+              <a:cxn ang="0">
+                <a:pos x="connsiteX8" y="connsiteY8"/>
+              </a:cxn>
+              <a:cxn ang="0">
+                <a:pos x="connsiteX9" y="connsiteY9"/>
+              </a:cxn>
+              <a:cxn ang="0">
+                <a:pos x="connsiteX10" y="connsiteY10"/>
+              </a:cxn>
+              <a:cxn ang="0">
+                <a:pos x="connsiteX11" y="connsiteY11"/>
+              </a:cxn>
+              <a:cxn ang="0">
+                <a:pos x="connsiteX12" y="connsiteY12"/>
+              </a:cxn>
+              <a:cxn ang="0">
+                <a:pos x="connsiteX13" y="connsiteY13"/>
+              </a:cxn>
+              <a:cxn ang="0">
+                <a:pos x="connsiteX14" y="connsiteY14"/>
+              </a:cxn>
+              <a:cxn ang="0">
+                <a:pos x="connsiteX15" y="connsiteY15"/>
+              </a:cxn>
+              <a:cxn ang="0">
+                <a:pos x="connsiteX16" y="connsiteY16"/>
+              </a:cxn>
+            </a:cxnLst>
+            <a:rect l="l" t="t" r="r" b="b"/>
+            <a:pathLst>
+              <a:path w="4480560" h="13716" fill="none" extrusionOk="0">
+                <a:moveTo>
+                  <a:pt x="0" y="0"/>
+                </a:moveTo>
+                <a:cubicBezTo>
+                  <a:pt x="267821" y="8731"/>
+                  <a:pt x="334105" y="2629"/>
+                  <a:pt x="595274" y="0"/>
+                </a:cubicBezTo>
+                <a:cubicBezTo>
+                  <a:pt x="856443" y="-2629"/>
+                  <a:pt x="863808" y="-13353"/>
+                  <a:pt x="1100938" y="0"/>
+                </a:cubicBezTo>
+                <a:cubicBezTo>
+                  <a:pt x="1338068" y="13353"/>
+                  <a:pt x="1431663" y="-25862"/>
+                  <a:pt x="1651406" y="0"/>
+                </a:cubicBezTo>
+                <a:cubicBezTo>
+                  <a:pt x="1871149" y="25862"/>
+                  <a:pt x="2173163" y="23827"/>
+                  <a:pt x="2336292" y="0"/>
+                </a:cubicBezTo>
+                <a:cubicBezTo>
+                  <a:pt x="2499421" y="-23827"/>
+                  <a:pt x="2720589" y="28148"/>
+                  <a:pt x="2931566" y="0"/>
+                </a:cubicBezTo>
+                <a:cubicBezTo>
+                  <a:pt x="3142543" y="-28148"/>
+                  <a:pt x="3323630" y="27022"/>
+                  <a:pt x="3482035" y="0"/>
+                </a:cubicBezTo>
+                <a:cubicBezTo>
+                  <a:pt x="3640440" y="-27022"/>
+                  <a:pt x="4012110" y="-20118"/>
+                  <a:pt x="4480560" y="0"/>
+                </a:cubicBezTo>
+                <a:cubicBezTo>
+                  <a:pt x="4480273" y="3379"/>
+                  <a:pt x="4480768" y="9289"/>
+                  <a:pt x="4480560" y="13716"/>
+                </a:cubicBezTo>
+                <a:cubicBezTo>
+                  <a:pt x="4314132" y="10352"/>
+                  <a:pt x="4028383" y="32060"/>
+                  <a:pt x="3840480" y="13716"/>
+                </a:cubicBezTo>
+                <a:cubicBezTo>
+                  <a:pt x="3652577" y="-4628"/>
+                  <a:pt x="3547615" y="-1724"/>
+                  <a:pt x="3290011" y="13716"/>
+                </a:cubicBezTo>
+                <a:cubicBezTo>
+                  <a:pt x="3032407" y="29156"/>
+                  <a:pt x="2830268" y="4147"/>
+                  <a:pt x="2560320" y="13716"/>
+                </a:cubicBezTo>
+                <a:cubicBezTo>
+                  <a:pt x="2290372" y="23285"/>
+                  <a:pt x="2147422" y="2156"/>
+                  <a:pt x="1965046" y="13716"/>
+                </a:cubicBezTo>
+                <a:cubicBezTo>
+                  <a:pt x="1782670" y="25276"/>
+                  <a:pt x="1689791" y="36108"/>
+                  <a:pt x="1459382" y="13716"/>
+                </a:cubicBezTo>
+                <a:cubicBezTo>
+                  <a:pt x="1228973" y="-8676"/>
+                  <a:pt x="915486" y="31929"/>
+                  <a:pt x="774497" y="13716"/>
+                </a:cubicBezTo>
+                <a:cubicBezTo>
+                  <a:pt x="633508" y="-4497"/>
+                  <a:pt x="361442" y="-15679"/>
+                  <a:pt x="0" y="13716"/>
+                </a:cubicBezTo>
+                <a:cubicBezTo>
+                  <a:pt x="-362" y="8190"/>
+                  <a:pt x="-434" y="6098"/>
+                  <a:pt x="0" y="0"/>
+                </a:cubicBezTo>
+                <a:close/>
+              </a:path>
+              <a:path w="4480560" h="13716" stroke="0" extrusionOk="0">
+                <a:moveTo>
+                  <a:pt x="0" y="0"/>
+                </a:moveTo>
+                <a:cubicBezTo>
+                  <a:pt x="285465" y="225"/>
+                  <a:pt x="322691" y="16223"/>
+                  <a:pt x="595274" y="0"/>
+                </a:cubicBezTo>
+                <a:cubicBezTo>
+                  <a:pt x="867857" y="-16223"/>
+                  <a:pt x="989129" y="-11242"/>
+                  <a:pt x="1100938" y="0"/>
+                </a:cubicBezTo>
+                <a:cubicBezTo>
+                  <a:pt x="1212747" y="11242"/>
+                  <a:pt x="1574350" y="-36410"/>
+                  <a:pt x="1830629" y="0"/>
+                </a:cubicBezTo>
+                <a:cubicBezTo>
+                  <a:pt x="2086908" y="36410"/>
+                  <a:pt x="2180922" y="4645"/>
+                  <a:pt x="2425903" y="0"/>
+                </a:cubicBezTo>
+                <a:cubicBezTo>
+                  <a:pt x="2670884" y="-4645"/>
+                  <a:pt x="2782024" y="22929"/>
+                  <a:pt x="3021178" y="0"/>
+                </a:cubicBezTo>
+                <a:cubicBezTo>
+                  <a:pt x="3260332" y="-22929"/>
+                  <a:pt x="3456982" y="-1586"/>
+                  <a:pt x="3750869" y="0"/>
+                </a:cubicBezTo>
+                <a:cubicBezTo>
+                  <a:pt x="4044756" y="1586"/>
+                  <a:pt x="4302726" y="17043"/>
+                  <a:pt x="4480560" y="0"/>
+                </a:cubicBezTo>
+                <a:cubicBezTo>
+                  <a:pt x="4480360" y="3832"/>
+                  <a:pt x="4481152" y="9314"/>
+                  <a:pt x="4480560" y="13716"/>
+                </a:cubicBezTo>
+                <a:cubicBezTo>
+                  <a:pt x="4279652" y="-11422"/>
+                  <a:pt x="4200762" y="36994"/>
+                  <a:pt x="3930091" y="13716"/>
+                </a:cubicBezTo>
+                <a:cubicBezTo>
+                  <a:pt x="3659420" y="-9562"/>
+                  <a:pt x="3456052" y="17722"/>
+                  <a:pt x="3290011" y="13716"/>
+                </a:cubicBezTo>
+                <a:cubicBezTo>
+                  <a:pt x="3123970" y="9710"/>
+                  <a:pt x="2882392" y="28246"/>
+                  <a:pt x="2649931" y="13716"/>
+                </a:cubicBezTo>
+                <a:cubicBezTo>
+                  <a:pt x="2417470" y="-814"/>
+                  <a:pt x="2238426" y="2765"/>
+                  <a:pt x="2054657" y="13716"/>
+                </a:cubicBezTo>
+                <a:cubicBezTo>
+                  <a:pt x="1870888" y="24667"/>
+                  <a:pt x="1566368" y="40468"/>
+                  <a:pt x="1324966" y="13716"/>
+                </a:cubicBezTo>
+                <a:cubicBezTo>
+                  <a:pt x="1083564" y="-13036"/>
+                  <a:pt x="787410" y="6374"/>
+                  <a:pt x="595274" y="13716"/>
+                </a:cubicBezTo>
+                <a:cubicBezTo>
+                  <a:pt x="403138" y="21058"/>
+                  <a:pt x="169622" y="5927"/>
+                  <a:pt x="0" y="13716"/>
+                </a:cubicBezTo>
+                <a:cubicBezTo>
+                  <a:pt x="-475" y="8699"/>
+                  <a:pt x="-565" y="4408"/>
+                  <a:pt x="0" y="0"/>
+                </a:cubicBezTo>
+                <a:close/>
+              </a:path>
+            </a:pathLst>
+          </a:custGeom>
+          <a:solidFill>
+            <a:schemeClr val="accent2"/>
+          </a:solidFill>
+          <a:ln w="41275" cap="rnd">
+            <a:solidFill>
+              <a:schemeClr val="accent2"/>
+            </a:solidFill>
+            <a:round/>
+            <a:extLst>
+              <a:ext uri="{C807C97D-BFC1-408E-A445-0C87EB9F89A2}">
+                <ask:lineSketchStyleProps xmlns:ask="http://schemas.microsoft.com/office/drawing/2018/sketchyshapes" sd="1219033472">
+                  <a:prstGeom prst="rect">
+                    <a:avLst/>
+                  </a:prstGeom>
+                  <ask:type>
+                    <ask:lineSketchFreehand/>
+                  </ask:type>
+                </ask:lineSketchStyleProps>
+              </a:ext>
+            </a:extLst>
+          </a:ln>
+        </p:spPr>
+        <p:style>
+          <a:lnRef idx="2">
+            <a:schemeClr val="accent1">
+              <a:shade val="50000"/>
+            </a:schemeClr>
+          </a:lnRef>
+          <a:fillRef idx="1">
+            <a:schemeClr val="accent1"/>
+          </a:fillRef>
+          <a:effectRef idx="0">
+            <a:schemeClr val="accent1"/>
+          </a:effectRef>
+          <a:fontRef idx="minor">
+            <a:schemeClr val="lt1"/>
+          </a:fontRef>
+        </p:style>
+        <p:txBody>
+          <a:bodyPr rtlCol="0" anchor="ctr"/>
+          <a:lstStyle/>
+          <a:p>
+            <a:pPr algn="ctr"/>
+            <a:endParaRPr lang="en-US"/>
+          </a:p>
+        </p:txBody>
+      </p:sp>
+      <p:sp>
+        <p:nvSpPr>
+          <p:cNvPr id="3" name="Content Placeholder 2"/>
+          <p:cNvSpPr>
+            <a:spLocks noGrp="1"/>
+          </p:cNvSpPr>
+          <p:nvPr>
+            <p:ph idx="1"/>
+          </p:nvPr>
+        </p:nvSpPr>
+        <p:spPr>
+          <a:xfrm>
+            <a:off x="3844813" y="552091"/>
+            <a:ext cx="4668251" cy="5431536"/>
+          </a:xfrm>
+        </p:spPr>
+        <p:txBody>
+          <a:bodyPr anchor="ctr">
+            <a:normAutofit/>
+          </a:bodyPr>
+          <a:lstStyle/>
+          <a:p>
+            <a:endParaRPr lang="en-US" sz="1900"/>
+          </a:p>
+          <a:p>
+            <a:r>
+              <a:rPr lang="en-US" sz="1900"/>
+              <a:t>to_csv</a:t>
+            </a:r>
+          </a:p>
+          <a:p>
+            <a:r>
+              <a:rPr lang="en-US" sz="1900"/>
+              <a:t>to_excel</a:t>
+            </a:r>
+          </a:p>
+          <a:p>
+            <a:r>
+              <a:rPr lang="en-US" sz="1900"/>
+              <a:t>Multi-sheet support</a:t>
+            </a:r>
+          </a:p>
+          <a:p>
+            <a:r>
+              <a:rPr lang="en-US" sz="1900"/>
+              <a:t>Avoid path mistakes</a:t>
+            </a:r>
+          </a:p>
+          <a:p>
+            <a:r>
+              <a:rPr lang="en-US" sz="1900"/>
+              <a:t>References:</a:t>
+            </a:r>
+          </a:p>
+          <a:p>
+            <a:pPr lvl="1">
+              <a:defRPr sz="1000"/>
+            </a:pPr>
+            <a:r>
+              <a:rPr lang="en-US" sz="1900"/>
+              <a:t>https://pandas.pydata.org/docs/reference/api/pandas.DataFrame.to_csv.html</a:t>
+            </a:r>
+          </a:p>
+          <a:p>
+            <a:pPr lvl="1">
+              <a:defRPr sz="1000"/>
+            </a:pPr>
+            <a:r>
+              <a:rPr lang="en-US" sz="1900"/>
+              <a:t>https://pandas.pydata.org/docs/reference/api/pandas.DataFrame.to_excel.html</a:t>
+            </a:r>
+          </a:p>
+          <a:p>
+            <a:pPr lvl="1">
+              <a:defRPr sz="1000"/>
+            </a:pPr>
+            <a:r>
+              <a:rPr lang="en-US" sz="1900"/>
+              <a:t>https://pandas.pydata.org/docs/user_guide/io.html#excel-writer</a:t>
+            </a:r>
+          </a:p>
+        </p:txBody>
+      </p:sp>
+    </p:spTree>
+  </p:cSld>
+  <p:clrMapOvr>
+    <a:masterClrMapping/>
+  </p:clrMapOvr>
+</p:sld>
+</file>
+
+<file path=ppt/slides/slide19.xml><?xml version="1.0" encoding="utf-8"?>
 <p:sld xmlns:a="http://schemas.openxmlformats.org/drawingml/2006/main" xmlns:r="http://schemas.openxmlformats.org/officeDocument/2006/relationships" xmlns:p="http://schemas.openxmlformats.org/presentationml/2006/main">
   <p:cSld>
     <p:bg>
@@ -20734,7 +24215,233 @@
 </p:sld>
 </file>
 
-<file path=ppt/slides/slide19.xml><?xml version="1.0" encoding="utf-8"?>
+<file path=ppt/slides/slide2.xml><?xml version="1.0" encoding="utf-8"?>
+<p:sld xmlns:a="http://schemas.openxmlformats.org/drawingml/2006/main" xmlns:r="http://schemas.openxmlformats.org/officeDocument/2006/relationships" xmlns:p="http://schemas.openxmlformats.org/presentationml/2006/main">
+  <p:cSld>
+    <p:bg>
+      <p:bgPr>
+        <a:solidFill>
+          <a:schemeClr val="bg1"/>
+        </a:solidFill>
+        <a:effectLst/>
+      </p:bgPr>
+    </p:bg>
+    <p:spTree>
+      <p:nvGrpSpPr>
+        <p:cNvPr id="1" name=""/>
+        <p:cNvGrpSpPr/>
+        <p:nvPr/>
+      </p:nvGrpSpPr>
+      <p:grpSpPr>
+        <a:xfrm>
+          <a:off x="0" y="0"/>
+          <a:ext cx="0" cy="0"/>
+          <a:chOff x="0" y="0"/>
+          <a:chExt cx="0" cy="0"/>
+        </a:xfrm>
+      </p:grpSpPr>
+      <p:sp useBgFill="1">
+        <p:nvSpPr>
+          <p:cNvPr id="18" name="Rectangle 17">
+            <a:extLst>
+              <a:ext uri="{FF2B5EF4-FFF2-40B4-BE49-F238E27FC236}">
+                <a16:creationId xmlns:a16="http://schemas.microsoft.com/office/drawing/2014/main" id="{2659FDB4-FCBE-4A89-B46D-43D4FA54464D}"/>
+              </a:ext>
+              <a:ext uri="{C183D7F6-B498-43B3-948B-1728B52AA6E4}">
+                <adec:decorative xmlns:adec="http://schemas.microsoft.com/office/drawing/2017/decorative" val="1"/>
+              </a:ext>
+            </a:extLst>
+          </p:cNvPr>
+          <p:cNvSpPr>
+            <a:spLocks noGrp="1" noRot="1" noChangeAspect="1" noMove="1" noResize="1" noEditPoints="1" noAdjustHandles="1" noChangeArrowheads="1" noChangeShapeType="1" noTextEdit="1"/>
+          </p:cNvSpPr>
+          <p:nvPr>
+            <p:extLst>
+              <p:ext uri="{386F3935-93C4-4BCD-93E2-E3B085C9AB24}">
+                <p16:designElem xmlns:p16="http://schemas.microsoft.com/office/powerpoint/2015/main" val="1"/>
+              </p:ext>
+            </p:extLst>
+          </p:nvPr>
+        </p:nvSpPr>
+        <p:spPr>
+          <a:xfrm>
+            <a:off x="0" y="8313"/>
+            <a:ext cx="9144000" cy="6858000"/>
+          </a:xfrm>
+          <a:prstGeom prst="rect">
+            <a:avLst/>
+          </a:prstGeom>
+          <a:ln>
+            <a:noFill/>
+          </a:ln>
+        </p:spPr>
+        <p:style>
+          <a:lnRef idx="2">
+            <a:schemeClr val="accent1">
+              <a:shade val="50000"/>
+            </a:schemeClr>
+          </a:lnRef>
+          <a:fillRef idx="1">
+            <a:schemeClr val="accent1"/>
+          </a:fillRef>
+          <a:effectRef idx="0">
+            <a:schemeClr val="accent1"/>
+          </a:effectRef>
+          <a:fontRef idx="minor">
+            <a:schemeClr val="lt1"/>
+          </a:fontRef>
+        </p:style>
+        <p:txBody>
+          <a:bodyPr rtlCol="0" anchor="ctr"/>
+          <a:lstStyle/>
+          <a:p>
+            <a:pPr algn="ctr"/>
+            <a:endParaRPr lang="en-US">
+              <a:solidFill>
+                <a:schemeClr val="bg1"/>
+              </a:solidFill>
+            </a:endParaRPr>
+          </a:p>
+        </p:txBody>
+      </p:sp>
+      <p:sp>
+        <p:nvSpPr>
+          <p:cNvPr id="2" name="Title 1"/>
+          <p:cNvSpPr>
+            <a:spLocks noGrp="1"/>
+          </p:cNvSpPr>
+          <p:nvPr>
+            <p:ph type="title"/>
+          </p:nvPr>
+        </p:nvSpPr>
+        <p:spPr>
+          <a:xfrm>
+            <a:off x="359545" y="1070800"/>
+            <a:ext cx="2954766" cy="5583126"/>
+          </a:xfrm>
+        </p:spPr>
+        <p:txBody>
+          <a:bodyPr>
+            <a:normAutofit/>
+          </a:bodyPr>
+          <a:lstStyle/>
+          <a:p>
+            <a:r>
+              <a:rPr lang="en-US" sz="7200" dirty="0"/>
+              <a:t>🎯</a:t>
+            </a:r>
+            <a:br>
+              <a:rPr lang="en-US" sz="7200" dirty="0"/>
+            </a:br>
+            <a:r>
+              <a:rPr lang="en-US" sz="7000" dirty="0"/>
+              <a:t>Today’s Goals</a:t>
+            </a:r>
+          </a:p>
+        </p:txBody>
+      </p:sp>
+      <p:cxnSp>
+        <p:nvCxnSpPr>
+          <p:cNvPr id="20" name="Straight Connector 19">
+            <a:extLst>
+              <a:ext uri="{FF2B5EF4-FFF2-40B4-BE49-F238E27FC236}">
+                <a16:creationId xmlns:a16="http://schemas.microsoft.com/office/drawing/2014/main" id="{C8F51B3F-8331-4E4A-AE96-D47B1006EEAD}"/>
+              </a:ext>
+              <a:ext uri="{C183D7F6-B498-43B3-948B-1728B52AA6E4}">
+                <adec:decorative xmlns:adec="http://schemas.microsoft.com/office/drawing/2017/decorative" val="1"/>
+              </a:ext>
+            </a:extLst>
+          </p:cNvPr>
+          <p:cNvCxnSpPr>
+            <a:cxnSpLocks noGrp="1" noRot="1" noChangeAspect="1" noMove="1" noResize="1" noEditPoints="1" noAdjustHandles="1" noChangeArrowheads="1" noChangeShapeType="1"/>
+          </p:cNvCxnSpPr>
+          <p:nvPr>
+            <p:extLst>
+              <p:ext uri="{386F3935-93C4-4BCD-93E2-E3B085C9AB24}">
+                <p16:designElem xmlns:p16="http://schemas.microsoft.com/office/powerpoint/2015/main" val="1"/>
+              </p:ext>
+            </p:extLst>
+          </p:nvPr>
+        </p:nvCxnSpPr>
+        <p:spPr>
+          <a:xfrm>
+            <a:off x="3546039" y="1132114"/>
+            <a:ext cx="0" cy="5717573"/>
+          </a:xfrm>
+          <a:prstGeom prst="line">
+            <a:avLst/>
+          </a:prstGeom>
+          <a:ln w="25400" cap="sq">
+            <a:gradFill flip="none" rotWithShape="1">
+              <a:gsLst>
+                <a:gs pos="0">
+                  <a:schemeClr val="accent1"/>
+                </a:gs>
+                <a:gs pos="100000">
+                  <a:schemeClr val="accent2"/>
+                </a:gs>
+              </a:gsLst>
+              <a:lin ang="16200000" scaled="1"/>
+              <a:tileRect/>
+            </a:gradFill>
+            <a:bevel/>
+          </a:ln>
+        </p:spPr>
+        <p:style>
+          <a:lnRef idx="1">
+            <a:schemeClr val="accent1"/>
+          </a:lnRef>
+          <a:fillRef idx="0">
+            <a:schemeClr val="accent1"/>
+          </a:fillRef>
+          <a:effectRef idx="0">
+            <a:schemeClr val="accent1"/>
+          </a:effectRef>
+          <a:fontRef idx="minor">
+            <a:schemeClr val="tx1"/>
+          </a:fontRef>
+        </p:style>
+      </p:cxnSp>
+      <p:graphicFrame>
+        <p:nvGraphicFramePr>
+          <p:cNvPr id="14" name="Content Placeholder 2">
+            <a:extLst>
+              <a:ext uri="{FF2B5EF4-FFF2-40B4-BE49-F238E27FC236}">
+                <a16:creationId xmlns:a16="http://schemas.microsoft.com/office/drawing/2014/main" id="{1F2CCEAB-5A2F-A609-914C-C41C7D9AE226}"/>
+              </a:ext>
+            </a:extLst>
+          </p:cNvPr>
+          <p:cNvGraphicFramePr>
+            <a:graphicFrameLocks noGrp="1"/>
+          </p:cNvGraphicFramePr>
+          <p:nvPr>
+            <p:ph idx="1"/>
+            <p:extLst>
+              <p:ext uri="{D42A27DB-BD31-4B8C-83A1-F6EECF244321}">
+                <p14:modId xmlns:p14="http://schemas.microsoft.com/office/powerpoint/2010/main" val="3357433217"/>
+              </p:ext>
+            </p:extLst>
+          </p:nvPr>
+        </p:nvGraphicFramePr>
+        <p:xfrm>
+          <a:off x="3831401" y="1070800"/>
+          <a:ext cx="4683949" cy="5589347"/>
+        </p:xfrm>
+        <a:graphic>
+          <a:graphicData uri="http://schemas.openxmlformats.org/drawingml/2006/diagram">
+            <dgm:relIds xmlns:dgm="http://schemas.openxmlformats.org/drawingml/2006/diagram" xmlns:r="http://schemas.openxmlformats.org/officeDocument/2006/relationships" r:dm="rId2" r:lo="rId3" r:qs="rId4" r:cs="rId5"/>
+          </a:graphicData>
+        </a:graphic>
+      </p:graphicFrame>
+    </p:spTree>
+  </p:cSld>
+  <p:clrMapOvr>
+    <a:masterClrMapping/>
+  </p:clrMapOvr>
+</p:sld>
+</file>
+
+<file path=ppt/slides/slide20.xml><?xml version="1.0" encoding="utf-8"?>
 <p:sld xmlns:a="http://schemas.openxmlformats.org/drawingml/2006/main" xmlns:r="http://schemas.openxmlformats.org/officeDocument/2006/relationships" xmlns:p="http://schemas.openxmlformats.org/presentationml/2006/main">
   <p:cSld>
     <p:bg>
@@ -24102,450 +27809,7 @@
 </p:sld>
 </file>
 
-<file path=ppt/slides/slide2.xml><?xml version="1.0" encoding="utf-8"?>
-<p:sld xmlns:a="http://schemas.openxmlformats.org/drawingml/2006/main" xmlns:r="http://schemas.openxmlformats.org/officeDocument/2006/relationships" xmlns:p="http://schemas.openxmlformats.org/presentationml/2006/main">
-  <p:cSld>
-    <p:bg>
-      <p:bgPr>
-        <a:solidFill>
-          <a:schemeClr val="bg1"/>
-        </a:solidFill>
-        <a:effectLst/>
-      </p:bgPr>
-    </p:bg>
-    <p:spTree>
-      <p:nvGrpSpPr>
-        <p:cNvPr id="1" name=""/>
-        <p:cNvGrpSpPr/>
-        <p:nvPr/>
-      </p:nvGrpSpPr>
-      <p:grpSpPr>
-        <a:xfrm>
-          <a:off x="0" y="0"/>
-          <a:ext cx="0" cy="0"/>
-          <a:chOff x="0" y="0"/>
-          <a:chExt cx="0" cy="0"/>
-        </a:xfrm>
-      </p:grpSpPr>
-      <p:sp useBgFill="1">
-        <p:nvSpPr>
-          <p:cNvPr id="8" name="Rectangle 7">
-            <a:extLst>
-              <a:ext uri="{FF2B5EF4-FFF2-40B4-BE49-F238E27FC236}">
-                <a16:creationId xmlns:a16="http://schemas.microsoft.com/office/drawing/2014/main" id="{907EF6B7-1338-4443-8C46-6A318D952DFD}"/>
-              </a:ext>
-              <a:ext uri="{C183D7F6-B498-43B3-948B-1728B52AA6E4}">
-                <adec:decorative xmlns:adec="http://schemas.microsoft.com/office/drawing/2017/decorative" val="1"/>
-              </a:ext>
-            </a:extLst>
-          </p:cNvPr>
-          <p:cNvSpPr>
-            <a:spLocks noGrp="1" noRot="1" noChangeAspect="1" noMove="1" noResize="1" noEditPoints="1" noAdjustHandles="1" noChangeArrowheads="1" noChangeShapeType="1" noTextEdit="1"/>
-          </p:cNvSpPr>
-          <p:nvPr>
-            <p:extLst>
-              <p:ext uri="{386F3935-93C4-4BCD-93E2-E3B085C9AB24}">
-                <p16:designElem xmlns:p16="http://schemas.microsoft.com/office/powerpoint/2015/main" val="1"/>
-              </p:ext>
-            </p:extLst>
-          </p:nvPr>
-        </p:nvSpPr>
-        <p:spPr>
-          <a:xfrm>
-            <a:off x="2286" y="0"/>
-            <a:ext cx="9141714" cy="6858000"/>
-          </a:xfrm>
-          <a:prstGeom prst="rect">
-            <a:avLst/>
-          </a:prstGeom>
-          <a:ln>
-            <a:noFill/>
-          </a:ln>
-        </p:spPr>
-        <p:style>
-          <a:lnRef idx="2">
-            <a:schemeClr val="accent1">
-              <a:shade val="50000"/>
-            </a:schemeClr>
-          </a:lnRef>
-          <a:fillRef idx="1">
-            <a:schemeClr val="accent1"/>
-          </a:fillRef>
-          <a:effectRef idx="0">
-            <a:schemeClr val="accent1"/>
-          </a:effectRef>
-          <a:fontRef idx="minor">
-            <a:schemeClr val="lt1"/>
-          </a:fontRef>
-        </p:style>
-        <p:txBody>
-          <a:bodyPr rtlCol="0" anchor="ctr"/>
-          <a:lstStyle/>
-          <a:p>
-            <a:pPr algn="ctr"/>
-            <a:endParaRPr lang="en-US"/>
-          </a:p>
-        </p:txBody>
-      </p:sp>
-      <p:sp>
-        <p:nvSpPr>
-          <p:cNvPr id="10" name="Freeform: Shape 9">
-            <a:extLst>
-              <a:ext uri="{FF2B5EF4-FFF2-40B4-BE49-F238E27FC236}">
-                <a16:creationId xmlns:a16="http://schemas.microsoft.com/office/drawing/2014/main" id="{DAAE4CDD-124C-4DCF-9584-B6033B545DD5}"/>
-              </a:ext>
-              <a:ext uri="{C183D7F6-B498-43B3-948B-1728B52AA6E4}">
-                <adec:decorative xmlns:adec="http://schemas.microsoft.com/office/drawing/2017/decorative" val="1"/>
-              </a:ext>
-            </a:extLst>
-          </p:cNvPr>
-          <p:cNvSpPr>
-            <a:spLocks noGrp="1" noRot="1" noChangeAspect="1" noMove="1" noResize="1" noEditPoints="1" noAdjustHandles="1" noChangeArrowheads="1" noChangeShapeType="1" noTextEdit="1"/>
-          </p:cNvSpPr>
-          <p:nvPr>
-            <p:extLst>
-              <p:ext uri="{386F3935-93C4-4BCD-93E2-E3B085C9AB24}">
-                <p16:designElem xmlns:p16="http://schemas.microsoft.com/office/powerpoint/2015/main" val="1"/>
-              </p:ext>
-            </p:extLst>
-          </p:nvPr>
-        </p:nvSpPr>
-        <p:spPr>
-          <a:xfrm>
-            <a:off x="0" y="0"/>
-            <a:ext cx="3125454" cy="6858000"/>
-          </a:xfrm>
-          <a:custGeom>
-            <a:avLst/>
-            <a:gdLst>
-              <a:gd name="connsiteX0" fmla="*/ 0 w 4167271"/>
-              <a:gd name="connsiteY0" fmla="*/ 0 h 6858000"/>
-              <a:gd name="connsiteX1" fmla="*/ 2259550 w 4167271"/>
-              <a:gd name="connsiteY1" fmla="*/ 0 h 6858000"/>
-              <a:gd name="connsiteX2" fmla="*/ 2387803 w 4167271"/>
-              <a:gd name="connsiteY2" fmla="*/ 82222 h 6858000"/>
-              <a:gd name="connsiteX3" fmla="*/ 4167271 w 4167271"/>
-              <a:gd name="connsiteY3" fmla="*/ 3429000 h 6858000"/>
-              <a:gd name="connsiteX4" fmla="*/ 2387803 w 4167271"/>
-              <a:gd name="connsiteY4" fmla="*/ 6775779 h 6858000"/>
-              <a:gd name="connsiteX5" fmla="*/ 2259550 w 4167271"/>
-              <a:gd name="connsiteY5" fmla="*/ 6858000 h 6858000"/>
-              <a:gd name="connsiteX6" fmla="*/ 0 w 4167271"/>
-              <a:gd name="connsiteY6" fmla="*/ 6858000 h 6858000"/>
-            </a:gdLst>
-            <a:ahLst/>
-            <a:cxnLst>
-              <a:cxn ang="0">
-                <a:pos x="connsiteX0" y="connsiteY0"/>
-              </a:cxn>
-              <a:cxn ang="0">
-                <a:pos x="connsiteX1" y="connsiteY1"/>
-              </a:cxn>
-              <a:cxn ang="0">
-                <a:pos x="connsiteX2" y="connsiteY2"/>
-              </a:cxn>
-              <a:cxn ang="0">
-                <a:pos x="connsiteX3" y="connsiteY3"/>
-              </a:cxn>
-              <a:cxn ang="0">
-                <a:pos x="connsiteX4" y="connsiteY4"/>
-              </a:cxn>
-              <a:cxn ang="0">
-                <a:pos x="connsiteX5" y="connsiteY5"/>
-              </a:cxn>
-              <a:cxn ang="0">
-                <a:pos x="connsiteX6" y="connsiteY6"/>
-              </a:cxn>
-            </a:cxnLst>
-            <a:rect l="l" t="t" r="r" b="b"/>
-            <a:pathLst>
-              <a:path w="4167271" h="6858000">
-                <a:moveTo>
-                  <a:pt x="0" y="0"/>
-                </a:moveTo>
-                <a:lnTo>
-                  <a:pt x="2259550" y="0"/>
-                </a:lnTo>
-                <a:lnTo>
-                  <a:pt x="2387803" y="82222"/>
-                </a:lnTo>
-                <a:cubicBezTo>
-                  <a:pt x="3461407" y="807534"/>
-                  <a:pt x="4167271" y="2035835"/>
-                  <a:pt x="4167271" y="3429000"/>
-                </a:cubicBezTo>
-                <a:cubicBezTo>
-                  <a:pt x="4167271" y="4822165"/>
-                  <a:pt x="3461407" y="6050467"/>
-                  <a:pt x="2387803" y="6775779"/>
-                </a:cubicBezTo>
-                <a:lnTo>
-                  <a:pt x="2259550" y="6858000"/>
-                </a:lnTo>
-                <a:lnTo>
-                  <a:pt x="0" y="6858000"/>
-                </a:lnTo>
-                <a:close/>
-              </a:path>
-            </a:pathLst>
-          </a:custGeom>
-          <a:solidFill>
-            <a:schemeClr val="accent2"/>
-          </a:solidFill>
-          <a:ln>
-            <a:noFill/>
-          </a:ln>
-        </p:spPr>
-        <p:style>
-          <a:lnRef idx="2">
-            <a:schemeClr val="accent1">
-              <a:shade val="50000"/>
-            </a:schemeClr>
-          </a:lnRef>
-          <a:fillRef idx="1">
-            <a:schemeClr val="accent1"/>
-          </a:fillRef>
-          <a:effectRef idx="0">
-            <a:schemeClr val="accent1"/>
-          </a:effectRef>
-          <a:fontRef idx="minor">
-            <a:schemeClr val="lt1"/>
-          </a:fontRef>
-        </p:style>
-        <p:txBody>
-          <a:bodyPr rtlCol="0" anchor="ctr"/>
-          <a:lstStyle/>
-          <a:p>
-            <a:pPr algn="ctr"/>
-            <a:endParaRPr lang="en-US"/>
-          </a:p>
-        </p:txBody>
-      </p:sp>
-      <p:sp>
-        <p:nvSpPr>
-          <p:cNvPr id="2" name="Title 1"/>
-          <p:cNvSpPr>
-            <a:spLocks noGrp="1"/>
-          </p:cNvSpPr>
-          <p:nvPr>
-            <p:ph type="title"/>
-          </p:nvPr>
-        </p:nvSpPr>
-        <p:spPr>
-          <a:xfrm>
-            <a:off x="515125" y="1153572"/>
-            <a:ext cx="2400300" cy="4461163"/>
-          </a:xfrm>
-        </p:spPr>
-        <p:txBody>
-          <a:bodyPr>
-            <a:normAutofit/>
-          </a:bodyPr>
-          <a:lstStyle/>
-          <a:p>
-            <a:r>
-              <a:rPr lang="en-US">
-                <a:solidFill>
-                  <a:srgbClr val="FFFFFF"/>
-                </a:solidFill>
-              </a:rPr>
-              <a:t>📊  Why pandas?</a:t>
-            </a:r>
-          </a:p>
-        </p:txBody>
-      </p:sp>
-      <p:sp>
-        <p:nvSpPr>
-          <p:cNvPr id="12" name="Arc 11">
-            <a:extLst>
-              <a:ext uri="{FF2B5EF4-FFF2-40B4-BE49-F238E27FC236}">
-                <a16:creationId xmlns:a16="http://schemas.microsoft.com/office/drawing/2014/main" id="{081E4A58-353D-44AE-B2FC-2A74E2E400F7}"/>
-              </a:ext>
-              <a:ext uri="{C183D7F6-B498-43B3-948B-1728B52AA6E4}">
-                <adec:decorative xmlns:adec="http://schemas.microsoft.com/office/drawing/2017/decorative" val="1"/>
-              </a:ext>
-            </a:extLst>
-          </p:cNvPr>
-          <p:cNvSpPr>
-            <a:spLocks noGrp="1" noRot="1" noChangeAspect="1" noMove="1" noResize="1" noEditPoints="1" noAdjustHandles="1" noChangeArrowheads="1" noChangeShapeType="1" noTextEdit="1"/>
-          </p:cNvSpPr>
-          <p:nvPr>
-            <p:extLst>
-              <p:ext uri="{386F3935-93C4-4BCD-93E2-E3B085C9AB24}">
-                <p16:designElem xmlns:p16="http://schemas.microsoft.com/office/powerpoint/2015/main" val="1"/>
-              </p:ext>
-            </p:extLst>
-          </p:nvPr>
-        </p:nvSpPr>
-        <p:spPr>
-          <a:xfrm flipV="1">
-            <a:off x="5662801" y="2455479"/>
-            <a:ext cx="3062575" cy="4083433"/>
-          </a:xfrm>
-          <a:prstGeom prst="arc">
-            <a:avLst/>
-          </a:prstGeom>
-          <a:ln w="127000" cap="rnd">
-            <a:solidFill>
-              <a:schemeClr val="accent4"/>
-            </a:solidFill>
-            <a:prstDash val="dash"/>
-          </a:ln>
-        </p:spPr>
-        <p:style>
-          <a:lnRef idx="1">
-            <a:schemeClr val="accent1"/>
-          </a:lnRef>
-          <a:fillRef idx="0">
-            <a:schemeClr val="accent1"/>
-          </a:fillRef>
-          <a:effectRef idx="0">
-            <a:schemeClr val="accent1"/>
-          </a:effectRef>
-          <a:fontRef idx="minor">
-            <a:schemeClr val="tx1"/>
-          </a:fontRef>
-        </p:style>
-        <p:txBody>
-          <a:bodyPr rtlCol="0" anchor="ctr"/>
-          <a:lstStyle/>
-          <a:p>
-            <a:pPr algn="ctr"/>
-            <a:endParaRPr lang="en-US" dirty="0"/>
-          </a:p>
-        </p:txBody>
-      </p:sp>
-      <p:sp>
-        <p:nvSpPr>
-          <p:cNvPr id="3" name="Content Placeholder 2"/>
-          <p:cNvSpPr>
-            <a:spLocks noGrp="1"/>
-          </p:cNvSpPr>
-          <p:nvPr>
-            <p:ph idx="1"/>
-          </p:nvPr>
-        </p:nvSpPr>
-        <p:spPr>
-          <a:xfrm>
-            <a:off x="3335481" y="591344"/>
-            <a:ext cx="5179868" cy="5585619"/>
-          </a:xfrm>
-        </p:spPr>
-        <p:txBody>
-          <a:bodyPr anchor="ctr">
-            <a:normAutofit/>
-          </a:bodyPr>
-          <a:lstStyle/>
-          <a:p>
-            <a:pPr>
-              <a:lnSpc>
-                <a:spcPct val="90000"/>
-              </a:lnSpc>
-            </a:pPr>
-            <a:endParaRPr lang="en-US"/>
-          </a:p>
-          <a:p>
-            <a:pPr>
-              <a:lnSpc>
-                <a:spcPct val="90000"/>
-              </a:lnSpc>
-            </a:pPr>
-            <a:r>
-              <a:t>Fast, powerful data analysis toolkit</a:t>
-            </a:r>
-            <a:endParaRPr lang="en-US"/>
-          </a:p>
-          <a:p>
-            <a:pPr>
-              <a:lnSpc>
-                <a:spcPct val="90000"/>
-              </a:lnSpc>
-            </a:pPr>
-            <a:r>
-              <a:t>Works great with CSV &amp; Excel</a:t>
-            </a:r>
-            <a:endParaRPr lang="en-US"/>
-          </a:p>
-          <a:p>
-            <a:pPr>
-              <a:lnSpc>
-                <a:spcPct val="90000"/>
-              </a:lnSpc>
-            </a:pPr>
-            <a:r>
-              <a:t>Cleaner &amp; faster than pure Python loops</a:t>
-            </a:r>
-            <a:endParaRPr lang="en-US"/>
-          </a:p>
-          <a:p>
-            <a:pPr>
-              <a:lnSpc>
-                <a:spcPct val="90000"/>
-              </a:lnSpc>
-            </a:pPr>
-            <a:r>
-              <a:t>Industry-standard for data tasks</a:t>
-            </a:r>
-            <a:endParaRPr lang="en-US"/>
-          </a:p>
-          <a:p>
-            <a:pPr>
-              <a:lnSpc>
-                <a:spcPct val="90000"/>
-              </a:lnSpc>
-            </a:pPr>
-            <a:r>
-              <a:t>References:</a:t>
-            </a:r>
-            <a:endParaRPr lang="en-US"/>
-          </a:p>
-          <a:p>
-            <a:pPr lvl="1">
-              <a:lnSpc>
-                <a:spcPct val="90000"/>
-              </a:lnSpc>
-              <a:defRPr sz="1000"/>
-            </a:pPr>
-            <a:r>
-              <a:t>https://pandas.pydata.org/about/index.html</a:t>
-            </a:r>
-            <a:endParaRPr lang="en-US"/>
-          </a:p>
-          <a:p>
-            <a:pPr lvl="1">
-              <a:lnSpc>
-                <a:spcPct val="90000"/>
-              </a:lnSpc>
-              <a:defRPr sz="1000"/>
-            </a:pPr>
-            <a:r>
-              <a:t>https://pandas.pydata.org/docs/user_guide/10min.html</a:t>
-            </a:r>
-            <a:endParaRPr lang="en-US"/>
-          </a:p>
-          <a:p>
-            <a:pPr lvl="1">
-              <a:lnSpc>
-                <a:spcPct val="90000"/>
-              </a:lnSpc>
-              <a:defRPr sz="1000"/>
-            </a:pPr>
-            <a:r>
-              <a:t>https://numpy.org/doc/stable/user/whatisnumpy.html</a:t>
-            </a:r>
-            <a:endParaRPr lang="en-US"/>
-          </a:p>
-        </p:txBody>
-      </p:sp>
-    </p:spTree>
-  </p:cSld>
-  <p:clrMapOvr>
-    <a:masterClrMapping/>
-  </p:clrMapOvr>
-</p:sld>
-</file>
-
-<file path=ppt/slides/slide20.xml><?xml version="1.0" encoding="utf-8"?>
+<file path=ppt/slides/slide21.xml><?xml version="1.0" encoding="utf-8"?>
 <p:sld xmlns:a="http://schemas.openxmlformats.org/drawingml/2006/main" xmlns:r="http://schemas.openxmlformats.org/officeDocument/2006/relationships" xmlns:p="http://schemas.openxmlformats.org/presentationml/2006/main">
   <p:cSld>
     <p:bg>
@@ -27913,7 +31177,7 @@
 </p:sld>
 </file>
 
-<file path=ppt/slides/slide21.xml><?xml version="1.0" encoding="utf-8"?>
+<file path=ppt/slides/slide22.xml><?xml version="1.0" encoding="utf-8"?>
 <p:sld xmlns:a="http://schemas.openxmlformats.org/drawingml/2006/main" xmlns:r="http://schemas.openxmlformats.org/officeDocument/2006/relationships" xmlns:p="http://schemas.openxmlformats.org/presentationml/2006/main">
   <p:cSld>
     <p:spTree>
@@ -27987,7 +31251,7 @@
 </p:sld>
 </file>
 
-<file path=ppt/slides/slide22.xml><?xml version="1.0" encoding="utf-8"?>
+<file path=ppt/slides/slide23.xml><?xml version="1.0" encoding="utf-8"?>
 <p:sld xmlns:a="http://schemas.openxmlformats.org/drawingml/2006/main" xmlns:r="http://schemas.openxmlformats.org/officeDocument/2006/relationships" xmlns:p="http://schemas.openxmlformats.org/presentationml/2006/main">
   <p:cSld>
     <p:spTree>
@@ -28061,7 +31325,7 @@
 </p:sld>
 </file>
 
-<file path=ppt/slides/slide23.xml><?xml version="1.0" encoding="utf-8"?>
+<file path=ppt/slides/slide24.xml><?xml version="1.0" encoding="utf-8"?>
 <p:sld xmlns:a="http://schemas.openxmlformats.org/drawingml/2006/main" xmlns:r="http://schemas.openxmlformats.org/officeDocument/2006/relationships" xmlns:p="http://schemas.openxmlformats.org/presentationml/2006/main">
   <p:cSld>
     <p:bg>
@@ -28609,7 +31873,7 @@
 </p:sld>
 </file>
 
-<file path=ppt/slides/slide24.xml><?xml version="1.0" encoding="utf-8"?>
+<file path=ppt/slides/slide25.xml><?xml version="1.0" encoding="utf-8"?>
 <p:sld xmlns:a="http://schemas.openxmlformats.org/drawingml/2006/main" xmlns:r="http://schemas.openxmlformats.org/officeDocument/2006/relationships" xmlns:p="http://schemas.openxmlformats.org/presentationml/2006/main">
   <p:cSld>
     <p:bg>
@@ -29157,7 +32421,7 @@
 </p:sld>
 </file>
 
-<file path=ppt/slides/slide25.xml><?xml version="1.0" encoding="utf-8"?>
+<file path=ppt/slides/slide26.xml><?xml version="1.0" encoding="utf-8"?>
 <p:sld xmlns:a="http://schemas.openxmlformats.org/drawingml/2006/main" xmlns:r="http://schemas.openxmlformats.org/officeDocument/2006/relationships" xmlns:p="http://schemas.openxmlformats.org/presentationml/2006/main">
   <p:cSld>
     <p:spTree>
@@ -29273,7 +32537,7 @@
 </p:sld>
 </file>
 
-<file path=ppt/slides/slide26.xml><?xml version="1.0" encoding="utf-8"?>
+<file path=ppt/slides/slide27.xml><?xml version="1.0" encoding="utf-8"?>
 <p:sld xmlns:a="http://schemas.openxmlformats.org/drawingml/2006/main" xmlns:r="http://schemas.openxmlformats.org/officeDocument/2006/relationships" xmlns:p="http://schemas.openxmlformats.org/presentationml/2006/main">
   <p:cSld>
     <p:bg>
@@ -29694,7 +32958,13 @@
     </p:bg>
     <p:spTree>
       <p:nvGrpSpPr>
-        <p:cNvPr id="1" name=""/>
+        <p:cNvPr id="1" name="">
+          <a:extLst>
+            <a:ext uri="{FF2B5EF4-FFF2-40B4-BE49-F238E27FC236}">
+              <a16:creationId xmlns:a16="http://schemas.microsoft.com/office/drawing/2014/main" id="{70501D50-409C-4314-96BB-2251D00898B0}"/>
+            </a:ext>
+          </a:extLst>
+        </p:cNvPr>
         <p:cNvGrpSpPr/>
         <p:nvPr/>
       </p:nvGrpSpPr>
@@ -29711,7 +32981,7 @@
           <p:cNvPr id="8" name="Rectangle 7">
             <a:extLst>
               <a:ext uri="{FF2B5EF4-FFF2-40B4-BE49-F238E27FC236}">
-                <a16:creationId xmlns:a16="http://schemas.microsoft.com/office/drawing/2014/main" id="{907EF6B7-1338-4443-8C46-6A318D952DFD}"/>
+                <a16:creationId xmlns:a16="http://schemas.microsoft.com/office/drawing/2014/main" id="{5C0D552B-6832-77FA-36D1-8C93363AAE33}"/>
               </a:ext>
               <a:ext uri="{C183D7F6-B498-43B3-948B-1728B52AA6E4}">
                 <adec:decorative xmlns:adec="http://schemas.microsoft.com/office/drawing/2017/decorative" val="1"/>
@@ -29771,7 +33041,7 @@
           <p:cNvPr id="10" name="Freeform: Shape 9">
             <a:extLst>
               <a:ext uri="{FF2B5EF4-FFF2-40B4-BE49-F238E27FC236}">
-                <a16:creationId xmlns:a16="http://schemas.microsoft.com/office/drawing/2014/main" id="{DAAE4CDD-124C-4DCF-9584-B6033B545DD5}"/>
+                <a16:creationId xmlns:a16="http://schemas.microsoft.com/office/drawing/2014/main" id="{9D2A844F-4F94-A876-DE2A-73BFE9A8EE9C}"/>
               </a:ext>
               <a:ext uri="{C183D7F6-B498-43B3-948B-1728B52AA6E4}">
                 <adec:decorative xmlns:adec="http://schemas.microsoft.com/office/drawing/2017/decorative" val="1"/>
@@ -29902,7 +33172,13 @@
       </p:sp>
       <p:sp>
         <p:nvSpPr>
-          <p:cNvPr id="2" name="Title 1"/>
+          <p:cNvPr id="2" name="Title 1">
+            <a:extLst>
+              <a:ext uri="{FF2B5EF4-FFF2-40B4-BE49-F238E27FC236}">
+                <a16:creationId xmlns:a16="http://schemas.microsoft.com/office/drawing/2014/main" id="{49B432D8-5CE8-339B-75EF-BA1C64EF4025}"/>
+              </a:ext>
+            </a:extLst>
+          </p:cNvPr>
           <p:cNvSpPr>
             <a:spLocks noGrp="1"/>
           </p:cNvSpPr>
@@ -29923,12 +33199,12 @@
           <a:lstStyle/>
           <a:p>
             <a:r>
-              <a:rPr lang="en-US" sz="3100">
+              <a:rPr lang="en-US">
                 <a:solidFill>
                   <a:srgbClr val="FFFFFF"/>
                 </a:solidFill>
               </a:rPr>
-              <a:t>📦  Virtual Environment Reminder</a:t>
+              <a:t>📊  Why pandas?</a:t>
             </a:r>
           </a:p>
         </p:txBody>
@@ -29938,7 +33214,7 @@
           <p:cNvPr id="12" name="Arc 11">
             <a:extLst>
               <a:ext uri="{FF2B5EF4-FFF2-40B4-BE49-F238E27FC236}">
-                <a16:creationId xmlns:a16="http://schemas.microsoft.com/office/drawing/2014/main" id="{081E4A58-353D-44AE-B2FC-2A74E2E400F7}"/>
+                <a16:creationId xmlns:a16="http://schemas.microsoft.com/office/drawing/2014/main" id="{8B084C7A-8B2D-136F-ECE0-21E5FCB98618}"/>
               </a:ext>
               <a:ext uri="{C183D7F6-B498-43B3-948B-1728B52AA6E4}">
                 <adec:decorative xmlns:adec="http://schemas.microsoft.com/office/drawing/2017/decorative" val="1"/>
@@ -29996,7 +33272,13 @@
       </p:sp>
       <p:sp>
         <p:nvSpPr>
-          <p:cNvPr id="3" name="Content Placeholder 2"/>
+          <p:cNvPr id="3" name="Content Placeholder 2">
+            <a:extLst>
+              <a:ext uri="{FF2B5EF4-FFF2-40B4-BE49-F238E27FC236}">
+                <a16:creationId xmlns:a16="http://schemas.microsoft.com/office/drawing/2014/main" id="{CEFD88B1-2983-A286-B5A0-86302909D281}"/>
+              </a:ext>
+            </a:extLst>
+          </p:cNvPr>
           <p:cNvSpPr>
             <a:spLocks noGrp="1"/>
           </p:cNvSpPr>
@@ -30016,55 +33298,112 @@
           </a:bodyPr>
           <a:lstStyle/>
           <a:p>
-            <a:endParaRPr/>
-          </a:p>
-          <a:p>
+            <a:pPr>
+              <a:lnSpc>
+                <a:spcPct val="90000"/>
+              </a:lnSpc>
+            </a:pPr>
+            <a:endParaRPr lang="en-US"/>
+          </a:p>
+          <a:p>
+            <a:pPr>
+              <a:lnSpc>
+                <a:spcPct val="90000"/>
+              </a:lnSpc>
+            </a:pPr>
             <a:r>
-              <a:t>Keeps project dependencies isolated</a:t>
+              <a:t>Fast, powerful data analysis toolkit</a:t>
             </a:r>
-          </a:p>
-          <a:p>
+            <a:endParaRPr lang="en-US"/>
+          </a:p>
+          <a:p>
+            <a:pPr>
+              <a:lnSpc>
+                <a:spcPct val="90000"/>
+              </a:lnSpc>
+            </a:pPr>
             <a:r>
-              <a:t>Prevents conflicts with system Python</a:t>
+              <a:t>Works great with CSV &amp; Excel</a:t>
             </a:r>
-          </a:p>
-          <a:p>
+            <a:endParaRPr lang="en-US"/>
+          </a:p>
+          <a:p>
+            <a:pPr>
+              <a:lnSpc>
+                <a:spcPct val="90000"/>
+              </a:lnSpc>
+            </a:pPr>
             <a:r>
-              <a:t>Packages stored per project</a:t>
+              <a:t>Cleaner &amp; faster than pure Python loops</a:t>
             </a:r>
-          </a:p>
-          <a:p>
+            <a:endParaRPr lang="en-US"/>
+          </a:p>
+          <a:p>
+            <a:pPr>
+              <a:lnSpc>
+                <a:spcPct val="90000"/>
+              </a:lnSpc>
+            </a:pPr>
+            <a:r>
+              <a:t>Industry-standard for data tasks</a:t>
+            </a:r>
+            <a:endParaRPr lang="en-US"/>
+          </a:p>
+          <a:p>
+            <a:pPr>
+              <a:lnSpc>
+                <a:spcPct val="90000"/>
+              </a:lnSpc>
+            </a:pPr>
             <a:r>
               <a:t>References:</a:t>
             </a:r>
+            <a:endParaRPr lang="en-US"/>
           </a:p>
           <a:p>
             <a:pPr lvl="1">
+              <a:lnSpc>
+                <a:spcPct val="90000"/>
+              </a:lnSpc>
               <a:defRPr sz="1000"/>
             </a:pPr>
             <a:r>
-              <a:t>https://docs.python.org/3/library/venv.html</a:t>
+              <a:t>https://pandas.pydata.org/about/index.html</a:t>
             </a:r>
+            <a:endParaRPr lang="en-US"/>
           </a:p>
           <a:p>
             <a:pPr lvl="1">
+              <a:lnSpc>
+                <a:spcPct val="90000"/>
+              </a:lnSpc>
               <a:defRPr sz="1000"/>
             </a:pPr>
             <a:r>
-              <a:t>https://realpython.com/python-virtual-environments-a-primer/</a:t>
+              <a:t>https://pandas.pydata.org/docs/user_guide/10min.html</a:t>
             </a:r>
+            <a:endParaRPr lang="en-US"/>
           </a:p>
           <a:p>
             <a:pPr lvl="1">
+              <a:lnSpc>
+                <a:spcPct val="90000"/>
+              </a:lnSpc>
               <a:defRPr sz="1000"/>
             </a:pPr>
             <a:r>
-              <a:t>https://packaging.python.org/en/latest/guides/installing-using-pip-and-virtual-environments/</a:t>
+              <a:t>https://numpy.org/doc/stable/user/whatisnumpy.html</a:t>
             </a:r>
+            <a:endParaRPr lang="en-US"/>
           </a:p>
         </p:txBody>
       </p:sp>
     </p:spTree>
+    <p:extLst>
+      <p:ext uri="{BB962C8B-B14F-4D97-AF65-F5344CB8AC3E}">
+        <p14:creationId xmlns:p14="http://schemas.microsoft.com/office/powerpoint/2010/main" val="1662723672"/>
+      </p:ext>
+    </p:extLst>
   </p:cSld>
   <p:clrMapOvr>
     <a:masterClrMapping/>
@@ -30314,12 +33653,12 @@
           <a:lstStyle/>
           <a:p>
             <a:r>
-              <a:rPr lang="en-US" sz="4100">
+              <a:rPr lang="en-US" sz="3100">
                 <a:solidFill>
                   <a:srgbClr val="FFFFFF"/>
                 </a:solidFill>
               </a:rPr>
-              <a:t>📦  Activating Your venv</a:t>
+              <a:t>📦  Virtual Environment Reminder</a:t>
             </a:r>
           </a:p>
         </p:txBody>
@@ -30411,22 +33750,17 @@
           </a:p>
           <a:p>
             <a:r>
-              <a:t>python -m venv venv</a:t>
+              <a:t>Keeps project dependencies isolated</a:t>
             </a:r>
           </a:p>
           <a:p>
             <a:r>
-              <a:t>Activate venv</a:t>
+              <a:t>Prevents conflicts with system Python</a:t>
             </a:r>
           </a:p>
           <a:p>
             <a:r>
-              <a:t>Install pandas &amp; Jupyter</a:t>
-            </a:r>
-          </a:p>
-          <a:p>
-            <a:r>
-              <a:t>Verify with pip list</a:t>
+              <a:t>Packages stored per project</a:t>
             </a:r>
           </a:p>
           <a:p>
@@ -30439,7 +33773,7 @@
               <a:defRPr sz="1000"/>
             </a:pPr>
             <a:r>
-              <a:t>https://docs.python.org/3/library/venv.html#creating-virtual-environments</a:t>
+              <a:t>https://docs.python.org/3/library/venv.html</a:t>
             </a:r>
           </a:p>
           <a:p>
@@ -30447,7 +33781,7 @@
               <a:defRPr sz="1000"/>
             </a:pPr>
             <a:r>
-              <a:t>https://code.visualstudio.com/docs/python/environments</a:t>
+              <a:t>https://realpython.com/python-virtual-environments-a-primer/</a:t>
             </a:r>
           </a:p>
           <a:p>
@@ -30455,7 +33789,7 @@
               <a:defRPr sz="1000"/>
             </a:pPr>
             <a:r>
-              <a:t>https://pip.pypa.io/en/stable/installation/</a:t>
+              <a:t>https://packaging.python.org/en/latest/guides/installing-using-pip-and-virtual-environments/</a:t>
             </a:r>
           </a:p>
         </p:txBody>
@@ -30469,184 +33803,6 @@
 </file>
 
 <file path=ppt/slides/slide5.xml><?xml version="1.0" encoding="utf-8"?>
-<p:sld xmlns:a="http://schemas.openxmlformats.org/drawingml/2006/main" xmlns:r="http://schemas.openxmlformats.org/officeDocument/2006/relationships" xmlns:p="http://schemas.openxmlformats.org/presentationml/2006/main">
-  <p:cSld>
-    <p:bg>
-      <p:bgPr>
-        <a:solidFill>
-          <a:schemeClr val="bg1"/>
-        </a:solidFill>
-        <a:effectLst/>
-      </p:bgPr>
-    </p:bg>
-    <p:spTree>
-      <p:nvGrpSpPr>
-        <p:cNvPr id="1" name=""/>
-        <p:cNvGrpSpPr/>
-        <p:nvPr/>
-      </p:nvGrpSpPr>
-      <p:grpSpPr>
-        <a:xfrm>
-          <a:off x="0" y="0"/>
-          <a:ext cx="0" cy="0"/>
-          <a:chOff x="0" y="0"/>
-          <a:chExt cx="0" cy="0"/>
-        </a:xfrm>
-      </p:grpSpPr>
-      <p:sp>
-        <p:nvSpPr>
-          <p:cNvPr id="9" name="Rectangle 8">
-            <a:extLst>
-              <a:ext uri="{FF2B5EF4-FFF2-40B4-BE49-F238E27FC236}">
-                <a16:creationId xmlns:a16="http://schemas.microsoft.com/office/drawing/2014/main" id="{42A5316D-ED2F-4F89-B4B4-8D9240B1A348}"/>
-              </a:ext>
-              <a:ext uri="{C183D7F6-B498-43B3-948B-1728B52AA6E4}">
-                <adec:decorative xmlns:adec="http://schemas.microsoft.com/office/drawing/2017/decorative" val="1"/>
-              </a:ext>
-            </a:extLst>
-          </p:cNvPr>
-          <p:cNvSpPr>
-            <a:spLocks noGrp="1" noRot="1" noChangeAspect="1" noMove="1" noResize="1" noEditPoints="1" noAdjustHandles="1" noChangeArrowheads="1" noChangeShapeType="1" noTextEdit="1"/>
-          </p:cNvSpPr>
-          <p:nvPr>
-            <p:extLst>
-              <p:ext uri="{386F3935-93C4-4BCD-93E2-E3B085C9AB24}">
-                <p16:designElem xmlns:p16="http://schemas.microsoft.com/office/powerpoint/2015/main" val="1"/>
-              </p:ext>
-            </p:extLst>
-          </p:nvPr>
-        </p:nvSpPr>
-        <p:spPr>
-          <a:xfrm>
-            <a:off x="0" y="0"/>
-            <a:ext cx="1828800" cy="6858000"/>
-          </a:xfrm>
-          <a:prstGeom prst="rect">
-            <a:avLst/>
-          </a:prstGeom>
-          <a:solidFill>
-            <a:srgbClr val="7F7F7F"/>
-          </a:solidFill>
-          <a:ln>
-            <a:noFill/>
-          </a:ln>
-        </p:spPr>
-        <p:style>
-          <a:lnRef idx="2">
-            <a:schemeClr val="accent1">
-              <a:shade val="50000"/>
-            </a:schemeClr>
-          </a:lnRef>
-          <a:fillRef idx="1">
-            <a:schemeClr val="accent1"/>
-          </a:fillRef>
-          <a:effectRef idx="0">
-            <a:schemeClr val="accent1"/>
-          </a:effectRef>
-          <a:fontRef idx="minor">
-            <a:schemeClr val="lt1"/>
-          </a:fontRef>
-        </p:style>
-        <p:txBody>
-          <a:bodyPr rtlCol="0" anchor="ctr"/>
-          <a:lstStyle/>
-          <a:p>
-            <a:pPr algn="ctr" defTabSz="342900">
-              <a:defRPr/>
-            </a:pPr>
-            <a:endParaRPr lang="en-US" sz="1350">
-              <a:solidFill>
-                <a:prstClr val="white"/>
-              </a:solidFill>
-              <a:latin typeface="Calibri" panose="020F0502020204030204"/>
-            </a:endParaRPr>
-          </a:p>
-        </p:txBody>
-      </p:sp>
-      <p:sp>
-        <p:nvSpPr>
-          <p:cNvPr id="2" name="Title 1"/>
-          <p:cNvSpPr>
-            <a:spLocks noGrp="1"/>
-          </p:cNvSpPr>
-          <p:nvPr>
-            <p:ph type="title"/>
-          </p:nvPr>
-        </p:nvSpPr>
-        <p:spPr>
-          <a:xfrm>
-            <a:off x="800100" y="2400300"/>
-            <a:ext cx="2057400" cy="2057400"/>
-          </a:xfrm>
-          <a:prstGeom prst="ellipse">
-            <a:avLst/>
-          </a:prstGeom>
-          <a:solidFill>
-            <a:srgbClr val="262626"/>
-          </a:solidFill>
-          <a:ln w="174625" cmpd="thinThick">
-            <a:solidFill>
-              <a:srgbClr val="262626"/>
-            </a:solidFill>
-          </a:ln>
-        </p:spPr>
-        <p:txBody>
-          <a:bodyPr anchor="ctr">
-            <a:normAutofit/>
-          </a:bodyPr>
-          <a:lstStyle/>
-          <a:p>
-            <a:r>
-              <a:rPr lang="en-US" sz="1950">
-                <a:solidFill>
-                  <a:srgbClr val="FFFFFF"/>
-                </a:solidFill>
-              </a:rPr>
-              <a:t>📊  Installing pandas &amp; Jupyter</a:t>
-            </a:r>
-          </a:p>
-        </p:txBody>
-      </p:sp>
-      <p:graphicFrame>
-        <p:nvGraphicFramePr>
-          <p:cNvPr id="5" name="Content Placeholder 2">
-            <a:extLst>
-              <a:ext uri="{FF2B5EF4-FFF2-40B4-BE49-F238E27FC236}">
-                <a16:creationId xmlns:a16="http://schemas.microsoft.com/office/drawing/2014/main" id="{AFC47A3D-D409-D9FB-D2F5-FE1CA9D584AD}"/>
-              </a:ext>
-            </a:extLst>
-          </p:cNvPr>
-          <p:cNvGraphicFramePr>
-            <a:graphicFrameLocks noGrp="1"/>
-          </p:cNvGraphicFramePr>
-          <p:nvPr>
-            <p:ph idx="1"/>
-            <p:extLst>
-              <p:ext uri="{D42A27DB-BD31-4B8C-83A1-F6EECF244321}">
-                <p14:modId xmlns:p14="http://schemas.microsoft.com/office/powerpoint/2010/main" val="3715503742"/>
-              </p:ext>
-            </p:extLst>
-          </p:nvPr>
-        </p:nvGraphicFramePr>
-        <p:xfrm>
-          <a:off x="2628900" y="1251009"/>
-          <a:ext cx="7042416" cy="4355981"/>
-        </p:xfrm>
-        <a:graphic>
-          <a:graphicData uri="http://schemas.openxmlformats.org/drawingml/2006/diagram">
-            <dgm:relIds xmlns:dgm="http://schemas.openxmlformats.org/drawingml/2006/diagram" xmlns:r="http://schemas.openxmlformats.org/officeDocument/2006/relationships" r:dm="rId2" r:lo="rId3" r:qs="rId4" r:cs="rId5"/>
-          </a:graphicData>
-        </a:graphic>
-      </p:graphicFrame>
-    </p:spTree>
-  </p:cSld>
-  <p:clrMapOvr>
-    <a:masterClrMapping/>
-  </p:clrMapOvr>
-</p:sld>
-</file>
-
-<file path=ppt/slides/slide6.xml><?xml version="1.0" encoding="utf-8"?>
 <p:sld xmlns:a="http://schemas.openxmlformats.org/drawingml/2006/main" xmlns:r="http://schemas.openxmlformats.org/officeDocument/2006/relationships" xmlns:p="http://schemas.openxmlformats.org/presentationml/2006/main">
   <p:cSld>
     <p:bg>
@@ -30888,12 +34044,12 @@
           <a:lstStyle/>
           <a:p>
             <a:r>
-              <a:rPr lang="en-US" sz="3700">
+              <a:rPr lang="en-US" sz="4100">
                 <a:solidFill>
                   <a:srgbClr val="FFFFFF"/>
                 </a:solidFill>
               </a:rPr>
-              <a:t>📓  Jupyter Notebooks in VS Code</a:t>
+              <a:t>📦  Activating Your venv</a:t>
             </a:r>
           </a:p>
         </p:txBody>
@@ -30985,22 +34141,22 @@
           </a:p>
           <a:p>
             <a:r>
-              <a:t>Install Python + Jupyter extensions</a:t>
+              <a:t>python -m venv venv</a:t>
             </a:r>
           </a:p>
           <a:p>
             <a:r>
-              <a:t>Create .ipynb file</a:t>
+              <a:t>Activate venv</a:t>
             </a:r>
           </a:p>
           <a:p>
             <a:r>
-              <a:t>Select venv kernel</a:t>
+              <a:t>Install pandas &amp; Jupyter</a:t>
             </a:r>
           </a:p>
           <a:p>
             <a:r>
-              <a:t>Great for data exploration</a:t>
+              <a:t>Verify with pip list</a:t>
             </a:r>
           </a:p>
           <a:p>
@@ -31013,7 +34169,7 @@
               <a:defRPr sz="1000"/>
             </a:pPr>
             <a:r>
-              <a:t>https://code.visualstudio.com/docs/datascience/jupyter-notebooks</a:t>
+              <a:t>https://docs.python.org/3/library/venv.html#creating-virtual-environments</a:t>
             </a:r>
           </a:p>
           <a:p>
@@ -31021,7 +34177,7 @@
               <a:defRPr sz="1000"/>
             </a:pPr>
             <a:r>
-              <a:t>https://code.visualstudio.com/docs/python/python-tutorial</a:t>
+              <a:t>https://code.visualstudio.com/docs/python/environments</a:t>
             </a:r>
           </a:p>
           <a:p>
@@ -31029,7 +34185,7 @@
               <a:defRPr sz="1000"/>
             </a:pPr>
             <a:r>
-              <a:t>https://marketplace.visualstudio.com/items?itemName=ms-toolsai.jupyter</a:t>
+              <a:t>https://pip.pypa.io/en/stable/installation/</a:t>
             </a:r>
           </a:p>
         </p:txBody>
@@ -31042,7 +34198,581 @@
 </p:sld>
 </file>
 
+<file path=ppt/slides/slide6.xml><?xml version="1.0" encoding="utf-8"?>
+<p:sld xmlns:a="http://schemas.openxmlformats.org/drawingml/2006/main" xmlns:r="http://schemas.openxmlformats.org/officeDocument/2006/relationships" xmlns:p="http://schemas.openxmlformats.org/presentationml/2006/main">
+  <p:cSld>
+    <p:bg>
+      <p:bgPr>
+        <a:solidFill>
+          <a:schemeClr val="bg1"/>
+        </a:solidFill>
+        <a:effectLst/>
+      </p:bgPr>
+    </p:bg>
+    <p:spTree>
+      <p:nvGrpSpPr>
+        <p:cNvPr id="1" name=""/>
+        <p:cNvGrpSpPr/>
+        <p:nvPr/>
+      </p:nvGrpSpPr>
+      <p:grpSpPr>
+        <a:xfrm>
+          <a:off x="0" y="0"/>
+          <a:ext cx="0" cy="0"/>
+          <a:chOff x="0" y="0"/>
+          <a:chExt cx="0" cy="0"/>
+        </a:xfrm>
+      </p:grpSpPr>
+      <p:sp>
+        <p:nvSpPr>
+          <p:cNvPr id="9" name="Rectangle 8">
+            <a:extLst>
+              <a:ext uri="{FF2B5EF4-FFF2-40B4-BE49-F238E27FC236}">
+                <a16:creationId xmlns:a16="http://schemas.microsoft.com/office/drawing/2014/main" id="{42A5316D-ED2F-4F89-B4B4-8D9240B1A348}"/>
+              </a:ext>
+              <a:ext uri="{C183D7F6-B498-43B3-948B-1728B52AA6E4}">
+                <adec:decorative xmlns:adec="http://schemas.microsoft.com/office/drawing/2017/decorative" val="1"/>
+              </a:ext>
+            </a:extLst>
+          </p:cNvPr>
+          <p:cNvSpPr>
+            <a:spLocks noGrp="1" noRot="1" noChangeAspect="1" noMove="1" noResize="1" noEditPoints="1" noAdjustHandles="1" noChangeArrowheads="1" noChangeShapeType="1" noTextEdit="1"/>
+          </p:cNvSpPr>
+          <p:nvPr>
+            <p:extLst>
+              <p:ext uri="{386F3935-93C4-4BCD-93E2-E3B085C9AB24}">
+                <p16:designElem xmlns:p16="http://schemas.microsoft.com/office/powerpoint/2015/main" val="1"/>
+              </p:ext>
+            </p:extLst>
+          </p:nvPr>
+        </p:nvSpPr>
+        <p:spPr>
+          <a:xfrm>
+            <a:off x="0" y="0"/>
+            <a:ext cx="1828800" cy="6858000"/>
+          </a:xfrm>
+          <a:prstGeom prst="rect">
+            <a:avLst/>
+          </a:prstGeom>
+          <a:solidFill>
+            <a:srgbClr val="7F7F7F"/>
+          </a:solidFill>
+          <a:ln>
+            <a:noFill/>
+          </a:ln>
+        </p:spPr>
+        <p:style>
+          <a:lnRef idx="2">
+            <a:schemeClr val="accent1">
+              <a:shade val="50000"/>
+            </a:schemeClr>
+          </a:lnRef>
+          <a:fillRef idx="1">
+            <a:schemeClr val="accent1"/>
+          </a:fillRef>
+          <a:effectRef idx="0">
+            <a:schemeClr val="accent1"/>
+          </a:effectRef>
+          <a:fontRef idx="minor">
+            <a:schemeClr val="lt1"/>
+          </a:fontRef>
+        </p:style>
+        <p:txBody>
+          <a:bodyPr rtlCol="0" anchor="ctr"/>
+          <a:lstStyle/>
+          <a:p>
+            <a:pPr algn="ctr" defTabSz="342900">
+              <a:defRPr/>
+            </a:pPr>
+            <a:endParaRPr lang="en-US" sz="1350">
+              <a:solidFill>
+                <a:prstClr val="white"/>
+              </a:solidFill>
+              <a:latin typeface="Calibri" panose="020F0502020204030204"/>
+            </a:endParaRPr>
+          </a:p>
+        </p:txBody>
+      </p:sp>
+      <p:sp>
+        <p:nvSpPr>
+          <p:cNvPr id="2" name="Title 1"/>
+          <p:cNvSpPr>
+            <a:spLocks noGrp="1"/>
+          </p:cNvSpPr>
+          <p:nvPr>
+            <p:ph type="title"/>
+          </p:nvPr>
+        </p:nvSpPr>
+        <p:spPr>
+          <a:xfrm>
+            <a:off x="800100" y="2400300"/>
+            <a:ext cx="2057400" cy="2057400"/>
+          </a:xfrm>
+          <a:prstGeom prst="ellipse">
+            <a:avLst/>
+          </a:prstGeom>
+          <a:solidFill>
+            <a:srgbClr val="262626"/>
+          </a:solidFill>
+          <a:ln w="174625" cmpd="thinThick">
+            <a:solidFill>
+              <a:srgbClr val="262626"/>
+            </a:solidFill>
+          </a:ln>
+        </p:spPr>
+        <p:txBody>
+          <a:bodyPr anchor="ctr">
+            <a:normAutofit/>
+          </a:bodyPr>
+          <a:lstStyle/>
+          <a:p>
+            <a:r>
+              <a:rPr lang="en-US" sz="1950">
+                <a:solidFill>
+                  <a:srgbClr val="FFFFFF"/>
+                </a:solidFill>
+              </a:rPr>
+              <a:t>📊  Installing pandas &amp; Jupyter</a:t>
+            </a:r>
+          </a:p>
+        </p:txBody>
+      </p:sp>
+      <p:graphicFrame>
+        <p:nvGraphicFramePr>
+          <p:cNvPr id="5" name="Content Placeholder 2">
+            <a:extLst>
+              <a:ext uri="{FF2B5EF4-FFF2-40B4-BE49-F238E27FC236}">
+                <a16:creationId xmlns:a16="http://schemas.microsoft.com/office/drawing/2014/main" id="{AFC47A3D-D409-D9FB-D2F5-FE1CA9D584AD}"/>
+              </a:ext>
+            </a:extLst>
+          </p:cNvPr>
+          <p:cNvGraphicFramePr>
+            <a:graphicFrameLocks noGrp="1"/>
+          </p:cNvGraphicFramePr>
+          <p:nvPr>
+            <p:ph idx="1"/>
+            <p:extLst>
+              <p:ext uri="{D42A27DB-BD31-4B8C-83A1-F6EECF244321}">
+                <p14:modId xmlns:p14="http://schemas.microsoft.com/office/powerpoint/2010/main" val="3715503742"/>
+              </p:ext>
+            </p:extLst>
+          </p:nvPr>
+        </p:nvGraphicFramePr>
+        <p:xfrm>
+          <a:off x="2628900" y="1251009"/>
+          <a:ext cx="7042416" cy="4355981"/>
+        </p:xfrm>
+        <a:graphic>
+          <a:graphicData uri="http://schemas.openxmlformats.org/drawingml/2006/diagram">
+            <dgm:relIds xmlns:dgm="http://schemas.openxmlformats.org/drawingml/2006/diagram" xmlns:r="http://schemas.openxmlformats.org/officeDocument/2006/relationships" r:dm="rId2" r:lo="rId3" r:qs="rId4" r:cs="rId5"/>
+          </a:graphicData>
+        </a:graphic>
+      </p:graphicFrame>
+    </p:spTree>
+  </p:cSld>
+  <p:clrMapOvr>
+    <a:masterClrMapping/>
+  </p:clrMapOvr>
+</p:sld>
+</file>
+
 <file path=ppt/slides/slide7.xml><?xml version="1.0" encoding="utf-8"?>
+<p:sld xmlns:a="http://schemas.openxmlformats.org/drawingml/2006/main" xmlns:r="http://schemas.openxmlformats.org/officeDocument/2006/relationships" xmlns:p="http://schemas.openxmlformats.org/presentationml/2006/main">
+  <p:cSld>
+    <p:bg>
+      <p:bgPr>
+        <a:solidFill>
+          <a:schemeClr val="bg1"/>
+        </a:solidFill>
+        <a:effectLst/>
+      </p:bgPr>
+    </p:bg>
+    <p:spTree>
+      <p:nvGrpSpPr>
+        <p:cNvPr id="1" name=""/>
+        <p:cNvGrpSpPr/>
+        <p:nvPr/>
+      </p:nvGrpSpPr>
+      <p:grpSpPr>
+        <a:xfrm>
+          <a:off x="0" y="0"/>
+          <a:ext cx="0" cy="0"/>
+          <a:chOff x="0" y="0"/>
+          <a:chExt cx="0" cy="0"/>
+        </a:xfrm>
+      </p:grpSpPr>
+      <p:sp useBgFill="1">
+        <p:nvSpPr>
+          <p:cNvPr id="8" name="Rectangle 7">
+            <a:extLst>
+              <a:ext uri="{FF2B5EF4-FFF2-40B4-BE49-F238E27FC236}">
+                <a16:creationId xmlns:a16="http://schemas.microsoft.com/office/drawing/2014/main" id="{907EF6B7-1338-4443-8C46-6A318D952DFD}"/>
+              </a:ext>
+              <a:ext uri="{C183D7F6-B498-43B3-948B-1728B52AA6E4}">
+                <adec:decorative xmlns:adec="http://schemas.microsoft.com/office/drawing/2017/decorative" val="1"/>
+              </a:ext>
+            </a:extLst>
+          </p:cNvPr>
+          <p:cNvSpPr>
+            <a:spLocks noGrp="1" noRot="1" noChangeAspect="1" noMove="1" noResize="1" noEditPoints="1" noAdjustHandles="1" noChangeArrowheads="1" noChangeShapeType="1" noTextEdit="1"/>
+          </p:cNvSpPr>
+          <p:nvPr>
+            <p:extLst>
+              <p:ext uri="{386F3935-93C4-4BCD-93E2-E3B085C9AB24}">
+                <p16:designElem xmlns:p16="http://schemas.microsoft.com/office/powerpoint/2015/main" val="1"/>
+              </p:ext>
+            </p:extLst>
+          </p:nvPr>
+        </p:nvSpPr>
+        <p:spPr>
+          <a:xfrm>
+            <a:off x="2286" y="0"/>
+            <a:ext cx="9141714" cy="6858000"/>
+          </a:xfrm>
+          <a:prstGeom prst="rect">
+            <a:avLst/>
+          </a:prstGeom>
+          <a:ln>
+            <a:noFill/>
+          </a:ln>
+        </p:spPr>
+        <p:style>
+          <a:lnRef idx="2">
+            <a:schemeClr val="accent1">
+              <a:shade val="50000"/>
+            </a:schemeClr>
+          </a:lnRef>
+          <a:fillRef idx="1">
+            <a:schemeClr val="accent1"/>
+          </a:fillRef>
+          <a:effectRef idx="0">
+            <a:schemeClr val="accent1"/>
+          </a:effectRef>
+          <a:fontRef idx="minor">
+            <a:schemeClr val="lt1"/>
+          </a:fontRef>
+        </p:style>
+        <p:txBody>
+          <a:bodyPr rtlCol="0" anchor="ctr"/>
+          <a:lstStyle/>
+          <a:p>
+            <a:pPr algn="ctr"/>
+            <a:endParaRPr lang="en-US"/>
+          </a:p>
+        </p:txBody>
+      </p:sp>
+      <p:sp>
+        <p:nvSpPr>
+          <p:cNvPr id="10" name="Freeform: Shape 9">
+            <a:extLst>
+              <a:ext uri="{FF2B5EF4-FFF2-40B4-BE49-F238E27FC236}">
+                <a16:creationId xmlns:a16="http://schemas.microsoft.com/office/drawing/2014/main" id="{DAAE4CDD-124C-4DCF-9584-B6033B545DD5}"/>
+              </a:ext>
+              <a:ext uri="{C183D7F6-B498-43B3-948B-1728B52AA6E4}">
+                <adec:decorative xmlns:adec="http://schemas.microsoft.com/office/drawing/2017/decorative" val="1"/>
+              </a:ext>
+            </a:extLst>
+          </p:cNvPr>
+          <p:cNvSpPr>
+            <a:spLocks noGrp="1" noRot="1" noChangeAspect="1" noMove="1" noResize="1" noEditPoints="1" noAdjustHandles="1" noChangeArrowheads="1" noChangeShapeType="1" noTextEdit="1"/>
+          </p:cNvSpPr>
+          <p:nvPr>
+            <p:extLst>
+              <p:ext uri="{386F3935-93C4-4BCD-93E2-E3B085C9AB24}">
+                <p16:designElem xmlns:p16="http://schemas.microsoft.com/office/powerpoint/2015/main" val="1"/>
+              </p:ext>
+            </p:extLst>
+          </p:nvPr>
+        </p:nvSpPr>
+        <p:spPr>
+          <a:xfrm>
+            <a:off x="0" y="0"/>
+            <a:ext cx="3125454" cy="6858000"/>
+          </a:xfrm>
+          <a:custGeom>
+            <a:avLst/>
+            <a:gdLst>
+              <a:gd name="connsiteX0" fmla="*/ 0 w 4167271"/>
+              <a:gd name="connsiteY0" fmla="*/ 0 h 6858000"/>
+              <a:gd name="connsiteX1" fmla="*/ 2259550 w 4167271"/>
+              <a:gd name="connsiteY1" fmla="*/ 0 h 6858000"/>
+              <a:gd name="connsiteX2" fmla="*/ 2387803 w 4167271"/>
+              <a:gd name="connsiteY2" fmla="*/ 82222 h 6858000"/>
+              <a:gd name="connsiteX3" fmla="*/ 4167271 w 4167271"/>
+              <a:gd name="connsiteY3" fmla="*/ 3429000 h 6858000"/>
+              <a:gd name="connsiteX4" fmla="*/ 2387803 w 4167271"/>
+              <a:gd name="connsiteY4" fmla="*/ 6775779 h 6858000"/>
+              <a:gd name="connsiteX5" fmla="*/ 2259550 w 4167271"/>
+              <a:gd name="connsiteY5" fmla="*/ 6858000 h 6858000"/>
+              <a:gd name="connsiteX6" fmla="*/ 0 w 4167271"/>
+              <a:gd name="connsiteY6" fmla="*/ 6858000 h 6858000"/>
+            </a:gdLst>
+            <a:ahLst/>
+            <a:cxnLst>
+              <a:cxn ang="0">
+                <a:pos x="connsiteX0" y="connsiteY0"/>
+              </a:cxn>
+              <a:cxn ang="0">
+                <a:pos x="connsiteX1" y="connsiteY1"/>
+              </a:cxn>
+              <a:cxn ang="0">
+                <a:pos x="connsiteX2" y="connsiteY2"/>
+              </a:cxn>
+              <a:cxn ang="0">
+                <a:pos x="connsiteX3" y="connsiteY3"/>
+              </a:cxn>
+              <a:cxn ang="0">
+                <a:pos x="connsiteX4" y="connsiteY4"/>
+              </a:cxn>
+              <a:cxn ang="0">
+                <a:pos x="connsiteX5" y="connsiteY5"/>
+              </a:cxn>
+              <a:cxn ang="0">
+                <a:pos x="connsiteX6" y="connsiteY6"/>
+              </a:cxn>
+            </a:cxnLst>
+            <a:rect l="l" t="t" r="r" b="b"/>
+            <a:pathLst>
+              <a:path w="4167271" h="6858000">
+                <a:moveTo>
+                  <a:pt x="0" y="0"/>
+                </a:moveTo>
+                <a:lnTo>
+                  <a:pt x="2259550" y="0"/>
+                </a:lnTo>
+                <a:lnTo>
+                  <a:pt x="2387803" y="82222"/>
+                </a:lnTo>
+                <a:cubicBezTo>
+                  <a:pt x="3461407" y="807534"/>
+                  <a:pt x="4167271" y="2035835"/>
+                  <a:pt x="4167271" y="3429000"/>
+                </a:cubicBezTo>
+                <a:cubicBezTo>
+                  <a:pt x="4167271" y="4822165"/>
+                  <a:pt x="3461407" y="6050467"/>
+                  <a:pt x="2387803" y="6775779"/>
+                </a:cubicBezTo>
+                <a:lnTo>
+                  <a:pt x="2259550" y="6858000"/>
+                </a:lnTo>
+                <a:lnTo>
+                  <a:pt x="0" y="6858000"/>
+                </a:lnTo>
+                <a:close/>
+              </a:path>
+            </a:pathLst>
+          </a:custGeom>
+          <a:solidFill>
+            <a:schemeClr val="accent2"/>
+          </a:solidFill>
+          <a:ln>
+            <a:noFill/>
+          </a:ln>
+        </p:spPr>
+        <p:style>
+          <a:lnRef idx="2">
+            <a:schemeClr val="accent1">
+              <a:shade val="50000"/>
+            </a:schemeClr>
+          </a:lnRef>
+          <a:fillRef idx="1">
+            <a:schemeClr val="accent1"/>
+          </a:fillRef>
+          <a:effectRef idx="0">
+            <a:schemeClr val="accent1"/>
+          </a:effectRef>
+          <a:fontRef idx="minor">
+            <a:schemeClr val="lt1"/>
+          </a:fontRef>
+        </p:style>
+        <p:txBody>
+          <a:bodyPr rtlCol="0" anchor="ctr"/>
+          <a:lstStyle/>
+          <a:p>
+            <a:pPr algn="ctr"/>
+            <a:endParaRPr lang="en-US"/>
+          </a:p>
+        </p:txBody>
+      </p:sp>
+      <p:sp>
+        <p:nvSpPr>
+          <p:cNvPr id="2" name="Title 1"/>
+          <p:cNvSpPr>
+            <a:spLocks noGrp="1"/>
+          </p:cNvSpPr>
+          <p:nvPr>
+            <p:ph type="title"/>
+          </p:nvPr>
+        </p:nvSpPr>
+        <p:spPr>
+          <a:xfrm>
+            <a:off x="515125" y="1153572"/>
+            <a:ext cx="2400300" cy="4461163"/>
+          </a:xfrm>
+        </p:spPr>
+        <p:txBody>
+          <a:bodyPr>
+            <a:normAutofit/>
+          </a:bodyPr>
+          <a:lstStyle/>
+          <a:p>
+            <a:r>
+              <a:rPr lang="en-US" sz="3700">
+                <a:solidFill>
+                  <a:srgbClr val="FFFFFF"/>
+                </a:solidFill>
+              </a:rPr>
+              <a:t>📓  Jupyter Notebooks in VS Code</a:t>
+            </a:r>
+          </a:p>
+        </p:txBody>
+      </p:sp>
+      <p:sp>
+        <p:nvSpPr>
+          <p:cNvPr id="12" name="Arc 11">
+            <a:extLst>
+              <a:ext uri="{FF2B5EF4-FFF2-40B4-BE49-F238E27FC236}">
+                <a16:creationId xmlns:a16="http://schemas.microsoft.com/office/drawing/2014/main" id="{081E4A58-353D-44AE-B2FC-2A74E2E400F7}"/>
+              </a:ext>
+              <a:ext uri="{C183D7F6-B498-43B3-948B-1728B52AA6E4}">
+                <adec:decorative xmlns:adec="http://schemas.microsoft.com/office/drawing/2017/decorative" val="1"/>
+              </a:ext>
+            </a:extLst>
+          </p:cNvPr>
+          <p:cNvSpPr>
+            <a:spLocks noGrp="1" noRot="1" noChangeAspect="1" noMove="1" noResize="1" noEditPoints="1" noAdjustHandles="1" noChangeArrowheads="1" noChangeShapeType="1" noTextEdit="1"/>
+          </p:cNvSpPr>
+          <p:nvPr>
+            <p:extLst>
+              <p:ext uri="{386F3935-93C4-4BCD-93E2-E3B085C9AB24}">
+                <p16:designElem xmlns:p16="http://schemas.microsoft.com/office/powerpoint/2015/main" val="1"/>
+              </p:ext>
+            </p:extLst>
+          </p:nvPr>
+        </p:nvSpPr>
+        <p:spPr>
+          <a:xfrm flipV="1">
+            <a:off x="5662801" y="2455479"/>
+            <a:ext cx="3062575" cy="4083433"/>
+          </a:xfrm>
+          <a:prstGeom prst="arc">
+            <a:avLst/>
+          </a:prstGeom>
+          <a:ln w="127000" cap="rnd">
+            <a:solidFill>
+              <a:schemeClr val="accent4"/>
+            </a:solidFill>
+            <a:prstDash val="dash"/>
+          </a:ln>
+        </p:spPr>
+        <p:style>
+          <a:lnRef idx="1">
+            <a:schemeClr val="accent1"/>
+          </a:lnRef>
+          <a:fillRef idx="0">
+            <a:schemeClr val="accent1"/>
+          </a:fillRef>
+          <a:effectRef idx="0">
+            <a:schemeClr val="accent1"/>
+          </a:effectRef>
+          <a:fontRef idx="minor">
+            <a:schemeClr val="tx1"/>
+          </a:fontRef>
+        </p:style>
+        <p:txBody>
+          <a:bodyPr rtlCol="0" anchor="ctr"/>
+          <a:lstStyle/>
+          <a:p>
+            <a:pPr algn="ctr"/>
+            <a:endParaRPr lang="en-US" dirty="0"/>
+          </a:p>
+        </p:txBody>
+      </p:sp>
+      <p:sp>
+        <p:nvSpPr>
+          <p:cNvPr id="3" name="Content Placeholder 2"/>
+          <p:cNvSpPr>
+            <a:spLocks noGrp="1"/>
+          </p:cNvSpPr>
+          <p:nvPr>
+            <p:ph idx="1"/>
+          </p:nvPr>
+        </p:nvSpPr>
+        <p:spPr>
+          <a:xfrm>
+            <a:off x="3335481" y="591344"/>
+            <a:ext cx="5179868" cy="5585619"/>
+          </a:xfrm>
+        </p:spPr>
+        <p:txBody>
+          <a:bodyPr anchor="ctr">
+            <a:normAutofit/>
+          </a:bodyPr>
+          <a:lstStyle/>
+          <a:p>
+            <a:endParaRPr/>
+          </a:p>
+          <a:p>
+            <a:r>
+              <a:t>Install Python + Jupyter extensions</a:t>
+            </a:r>
+          </a:p>
+          <a:p>
+            <a:r>
+              <a:t>Create .ipynb file</a:t>
+            </a:r>
+          </a:p>
+          <a:p>
+            <a:r>
+              <a:t>Select venv kernel</a:t>
+            </a:r>
+          </a:p>
+          <a:p>
+            <a:r>
+              <a:t>Great for data exploration</a:t>
+            </a:r>
+          </a:p>
+          <a:p>
+            <a:r>
+              <a:t>References:</a:t>
+            </a:r>
+          </a:p>
+          <a:p>
+            <a:pPr lvl="1">
+              <a:defRPr sz="1000"/>
+            </a:pPr>
+            <a:r>
+              <a:t>https://code.visualstudio.com/docs/datascience/jupyter-notebooks</a:t>
+            </a:r>
+          </a:p>
+          <a:p>
+            <a:pPr lvl="1">
+              <a:defRPr sz="1000"/>
+            </a:pPr>
+            <a:r>
+              <a:t>https://code.visualstudio.com/docs/python/python-tutorial</a:t>
+            </a:r>
+          </a:p>
+          <a:p>
+            <a:pPr lvl="1">
+              <a:defRPr sz="1000"/>
+            </a:pPr>
+            <a:r>
+              <a:t>https://marketplace.visualstudio.com/items?itemName=ms-toolsai.jupyter</a:t>
+            </a:r>
+          </a:p>
+        </p:txBody>
+      </p:sp>
+    </p:spTree>
+  </p:cSld>
+  <p:clrMapOvr>
+    <a:masterClrMapping/>
+  </p:clrMapOvr>
+</p:sld>
+</file>
+
+<file path=ppt/slides/slide8.xml><?xml version="1.0" encoding="utf-8"?>
 <p:sld xmlns:a="http://schemas.openxmlformats.org/drawingml/2006/main" xmlns:r="http://schemas.openxmlformats.org/officeDocument/2006/relationships" xmlns:p="http://schemas.openxmlformats.org/presentationml/2006/main">
   <p:cSld>
     <p:bg>
@@ -31590,7 +35320,7 @@
 </p:sld>
 </file>
 
-<file path=ppt/slides/slide8.xml><?xml version="1.0" encoding="utf-8"?>
+<file path=ppt/slides/slide9.xml><?xml version="1.0" encoding="utf-8"?>
 <p:sld xmlns:a="http://schemas.openxmlformats.org/drawingml/2006/main" xmlns:r="http://schemas.openxmlformats.org/officeDocument/2006/relationships" xmlns:p="http://schemas.openxmlformats.org/presentationml/2006/main">
   <p:cSld>
     <p:bg>
@@ -32120,554 +35850,6 @@
             <a:r>
               <a:rPr lang="en-US" sz="1900"/>
               <a:t>https://realpython.com/pandas-python-explore-dataset/</a:t>
-            </a:r>
-          </a:p>
-        </p:txBody>
-      </p:sp>
-    </p:spTree>
-  </p:cSld>
-  <p:clrMapOvr>
-    <a:masterClrMapping/>
-  </p:clrMapOvr>
-</p:sld>
-</file>
-
-<file path=ppt/slides/slide9.xml><?xml version="1.0" encoding="utf-8"?>
-<p:sld xmlns:a="http://schemas.openxmlformats.org/drawingml/2006/main" xmlns:r="http://schemas.openxmlformats.org/officeDocument/2006/relationships" xmlns:p="http://schemas.openxmlformats.org/presentationml/2006/main">
-  <p:cSld>
-    <p:bg>
-      <p:bgPr>
-        <a:solidFill>
-          <a:schemeClr val="bg1"/>
-        </a:solidFill>
-        <a:effectLst/>
-      </p:bgPr>
-    </p:bg>
-    <p:spTree>
-      <p:nvGrpSpPr>
-        <p:cNvPr id="1" name=""/>
-        <p:cNvGrpSpPr/>
-        <p:nvPr/>
-      </p:nvGrpSpPr>
-      <p:grpSpPr>
-        <a:xfrm>
-          <a:off x="0" y="0"/>
-          <a:ext cx="0" cy="0"/>
-          <a:chOff x="0" y="0"/>
-          <a:chExt cx="0" cy="0"/>
-        </a:xfrm>
-      </p:grpSpPr>
-      <p:sp useBgFill="1">
-        <p:nvSpPr>
-          <p:cNvPr id="8" name="Rectangle 7">
-            <a:extLst>
-              <a:ext uri="{FF2B5EF4-FFF2-40B4-BE49-F238E27FC236}">
-                <a16:creationId xmlns:a16="http://schemas.microsoft.com/office/drawing/2014/main" id="{777A147A-9ED8-46B4-8660-1B3C2AA880B5}"/>
-              </a:ext>
-              <a:ext uri="{C183D7F6-B498-43B3-948B-1728B52AA6E4}">
-                <adec:decorative xmlns:adec="http://schemas.microsoft.com/office/drawing/2017/decorative" val="1"/>
-              </a:ext>
-            </a:extLst>
-          </p:cNvPr>
-          <p:cNvSpPr>
-            <a:spLocks noGrp="1" noRot="1" noChangeAspect="1" noMove="1" noResize="1" noEditPoints="1" noAdjustHandles="1" noChangeArrowheads="1" noChangeShapeType="1" noTextEdit="1"/>
-          </p:cNvSpPr>
-          <p:nvPr>
-            <p:extLst>
-              <p:ext uri="{386F3935-93C4-4BCD-93E2-E3B085C9AB24}">
-                <p16:designElem xmlns:p16="http://schemas.microsoft.com/office/powerpoint/2015/main" val="1"/>
-              </p:ext>
-            </p:extLst>
-          </p:nvPr>
-        </p:nvSpPr>
-        <p:spPr>
-          <a:xfrm>
-            <a:off x="0" y="0"/>
-            <a:ext cx="9141714" cy="6858000"/>
-          </a:xfrm>
-          <a:prstGeom prst="rect">
-            <a:avLst/>
-          </a:prstGeom>
-          <a:ln>
-            <a:noFill/>
-          </a:ln>
-        </p:spPr>
-        <p:style>
-          <a:lnRef idx="2">
-            <a:schemeClr val="accent1">
-              <a:shade val="50000"/>
-            </a:schemeClr>
-          </a:lnRef>
-          <a:fillRef idx="1">
-            <a:schemeClr val="accent1"/>
-          </a:fillRef>
-          <a:effectRef idx="0">
-            <a:schemeClr val="accent1"/>
-          </a:effectRef>
-          <a:fontRef idx="minor">
-            <a:schemeClr val="lt1"/>
-          </a:fontRef>
-        </p:style>
-        <p:txBody>
-          <a:bodyPr rtlCol="0" anchor="ctr"/>
-          <a:lstStyle/>
-          <a:p>
-            <a:pPr algn="ctr"/>
-            <a:endParaRPr lang="en-US"/>
-          </a:p>
-        </p:txBody>
-      </p:sp>
-      <p:sp>
-        <p:nvSpPr>
-          <p:cNvPr id="2" name="Title 1"/>
-          <p:cNvSpPr>
-            <a:spLocks noGrp="1"/>
-          </p:cNvSpPr>
-          <p:nvPr>
-            <p:ph type="title"/>
-          </p:nvPr>
-        </p:nvSpPr>
-        <p:spPr>
-          <a:xfrm>
-            <a:off x="630936" y="548640"/>
-            <a:ext cx="2700645" cy="5431536"/>
-          </a:xfrm>
-        </p:spPr>
-        <p:txBody>
-          <a:bodyPr>
-            <a:normAutofit/>
-          </a:bodyPr>
-          <a:lstStyle/>
-          <a:p>
-            <a:r>
-              <a:rPr lang="en-US" sz="4000"/>
-              <a:t>📊  Why DataFrames Are Powerful</a:t>
-            </a:r>
-          </a:p>
-        </p:txBody>
-      </p:sp>
-      <p:sp>
-        <p:nvSpPr>
-          <p:cNvPr id="10" name="sketch line">
-            <a:extLst>
-              <a:ext uri="{FF2B5EF4-FFF2-40B4-BE49-F238E27FC236}">
-                <a16:creationId xmlns:a16="http://schemas.microsoft.com/office/drawing/2014/main" id="{5D6C15A0-C087-4593-8414-2B4EC1CDC3DE}"/>
-              </a:ext>
-              <a:ext uri="{C183D7F6-B498-43B3-948B-1728B52AA6E4}">
-                <adec:decorative xmlns:adec="http://schemas.microsoft.com/office/drawing/2017/decorative" val="1"/>
-              </a:ext>
-            </a:extLst>
-          </p:cNvPr>
-          <p:cNvSpPr>
-            <a:spLocks noGrp="1" noRot="1" noChangeAspect="1" noMove="1" noResize="1" noEditPoints="1" noAdjustHandles="1" noChangeArrowheads="1" noChangeShapeType="1" noTextEdit="1"/>
-          </p:cNvSpPr>
-          <p:nvPr>
-            <p:extLst>
-              <p:ext uri="{386F3935-93C4-4BCD-93E2-E3B085C9AB24}">
-                <p16:designElem xmlns:p16="http://schemas.microsoft.com/office/powerpoint/2015/main" val="1"/>
-              </p:ext>
-            </p:extLst>
-          </p:nvPr>
-        </p:nvSpPr>
-        <p:spPr>
-          <a:xfrm rot="5400000">
-            <a:off x="1347917" y="3261001"/>
-            <a:ext cx="4480560" cy="13716"/>
-          </a:xfrm>
-          <a:custGeom>
-            <a:avLst/>
-            <a:gdLst>
-              <a:gd name="connsiteX0" fmla="*/ 0 w 4480560"/>
-              <a:gd name="connsiteY0" fmla="*/ 0 h 13716"/>
-              <a:gd name="connsiteX1" fmla="*/ 595274 w 4480560"/>
-              <a:gd name="connsiteY1" fmla="*/ 0 h 13716"/>
-              <a:gd name="connsiteX2" fmla="*/ 1100938 w 4480560"/>
-              <a:gd name="connsiteY2" fmla="*/ 0 h 13716"/>
-              <a:gd name="connsiteX3" fmla="*/ 1651406 w 4480560"/>
-              <a:gd name="connsiteY3" fmla="*/ 0 h 13716"/>
-              <a:gd name="connsiteX4" fmla="*/ 2336292 w 4480560"/>
-              <a:gd name="connsiteY4" fmla="*/ 0 h 13716"/>
-              <a:gd name="connsiteX5" fmla="*/ 2931566 w 4480560"/>
-              <a:gd name="connsiteY5" fmla="*/ 0 h 13716"/>
-              <a:gd name="connsiteX6" fmla="*/ 3482035 w 4480560"/>
-              <a:gd name="connsiteY6" fmla="*/ 0 h 13716"/>
-              <a:gd name="connsiteX7" fmla="*/ 4480560 w 4480560"/>
-              <a:gd name="connsiteY7" fmla="*/ 0 h 13716"/>
-              <a:gd name="connsiteX8" fmla="*/ 4480560 w 4480560"/>
-              <a:gd name="connsiteY8" fmla="*/ 13716 h 13716"/>
-              <a:gd name="connsiteX9" fmla="*/ 3840480 w 4480560"/>
-              <a:gd name="connsiteY9" fmla="*/ 13716 h 13716"/>
-              <a:gd name="connsiteX10" fmla="*/ 3290011 w 4480560"/>
-              <a:gd name="connsiteY10" fmla="*/ 13716 h 13716"/>
-              <a:gd name="connsiteX11" fmla="*/ 2560320 w 4480560"/>
-              <a:gd name="connsiteY11" fmla="*/ 13716 h 13716"/>
-              <a:gd name="connsiteX12" fmla="*/ 1965046 w 4480560"/>
-              <a:gd name="connsiteY12" fmla="*/ 13716 h 13716"/>
-              <a:gd name="connsiteX13" fmla="*/ 1459382 w 4480560"/>
-              <a:gd name="connsiteY13" fmla="*/ 13716 h 13716"/>
-              <a:gd name="connsiteX14" fmla="*/ 774497 w 4480560"/>
-              <a:gd name="connsiteY14" fmla="*/ 13716 h 13716"/>
-              <a:gd name="connsiteX15" fmla="*/ 0 w 4480560"/>
-              <a:gd name="connsiteY15" fmla="*/ 13716 h 13716"/>
-              <a:gd name="connsiteX16" fmla="*/ 0 w 4480560"/>
-              <a:gd name="connsiteY16" fmla="*/ 0 h 13716"/>
-            </a:gdLst>
-            <a:ahLst/>
-            <a:cxnLst>
-              <a:cxn ang="0">
-                <a:pos x="connsiteX0" y="connsiteY0"/>
-              </a:cxn>
-              <a:cxn ang="0">
-                <a:pos x="connsiteX1" y="connsiteY1"/>
-              </a:cxn>
-              <a:cxn ang="0">
-                <a:pos x="connsiteX2" y="connsiteY2"/>
-              </a:cxn>
-              <a:cxn ang="0">
-                <a:pos x="connsiteX3" y="connsiteY3"/>
-              </a:cxn>
-              <a:cxn ang="0">
-                <a:pos x="connsiteX4" y="connsiteY4"/>
-              </a:cxn>
-              <a:cxn ang="0">
-                <a:pos x="connsiteX5" y="connsiteY5"/>
-              </a:cxn>
-              <a:cxn ang="0">
-                <a:pos x="connsiteX6" y="connsiteY6"/>
-              </a:cxn>
-              <a:cxn ang="0">
-                <a:pos x="connsiteX7" y="connsiteY7"/>
-              </a:cxn>
-              <a:cxn ang="0">
-                <a:pos x="connsiteX8" y="connsiteY8"/>
-              </a:cxn>
-              <a:cxn ang="0">
-                <a:pos x="connsiteX9" y="connsiteY9"/>
-              </a:cxn>
-              <a:cxn ang="0">
-                <a:pos x="connsiteX10" y="connsiteY10"/>
-              </a:cxn>
-              <a:cxn ang="0">
-                <a:pos x="connsiteX11" y="connsiteY11"/>
-              </a:cxn>
-              <a:cxn ang="0">
-                <a:pos x="connsiteX12" y="connsiteY12"/>
-              </a:cxn>
-              <a:cxn ang="0">
-                <a:pos x="connsiteX13" y="connsiteY13"/>
-              </a:cxn>
-              <a:cxn ang="0">
-                <a:pos x="connsiteX14" y="connsiteY14"/>
-              </a:cxn>
-              <a:cxn ang="0">
-                <a:pos x="connsiteX15" y="connsiteY15"/>
-              </a:cxn>
-              <a:cxn ang="0">
-                <a:pos x="connsiteX16" y="connsiteY16"/>
-              </a:cxn>
-            </a:cxnLst>
-            <a:rect l="l" t="t" r="r" b="b"/>
-            <a:pathLst>
-              <a:path w="4480560" h="13716" fill="none" extrusionOk="0">
-                <a:moveTo>
-                  <a:pt x="0" y="0"/>
-                </a:moveTo>
-                <a:cubicBezTo>
-                  <a:pt x="267821" y="8731"/>
-                  <a:pt x="334105" y="2629"/>
-                  <a:pt x="595274" y="0"/>
-                </a:cubicBezTo>
-                <a:cubicBezTo>
-                  <a:pt x="856443" y="-2629"/>
-                  <a:pt x="863808" y="-13353"/>
-                  <a:pt x="1100938" y="0"/>
-                </a:cubicBezTo>
-                <a:cubicBezTo>
-                  <a:pt x="1338068" y="13353"/>
-                  <a:pt x="1431663" y="-25862"/>
-                  <a:pt x="1651406" y="0"/>
-                </a:cubicBezTo>
-                <a:cubicBezTo>
-                  <a:pt x="1871149" y="25862"/>
-                  <a:pt x="2173163" y="23827"/>
-                  <a:pt x="2336292" y="0"/>
-                </a:cubicBezTo>
-                <a:cubicBezTo>
-                  <a:pt x="2499421" y="-23827"/>
-                  <a:pt x="2720589" y="28148"/>
-                  <a:pt x="2931566" y="0"/>
-                </a:cubicBezTo>
-                <a:cubicBezTo>
-                  <a:pt x="3142543" y="-28148"/>
-                  <a:pt x="3323630" y="27022"/>
-                  <a:pt x="3482035" y="0"/>
-                </a:cubicBezTo>
-                <a:cubicBezTo>
-                  <a:pt x="3640440" y="-27022"/>
-                  <a:pt x="4012110" y="-20118"/>
-                  <a:pt x="4480560" y="0"/>
-                </a:cubicBezTo>
-                <a:cubicBezTo>
-                  <a:pt x="4480273" y="3379"/>
-                  <a:pt x="4480768" y="9289"/>
-                  <a:pt x="4480560" y="13716"/>
-                </a:cubicBezTo>
-                <a:cubicBezTo>
-                  <a:pt x="4314132" y="10352"/>
-                  <a:pt x="4028383" y="32060"/>
-                  <a:pt x="3840480" y="13716"/>
-                </a:cubicBezTo>
-                <a:cubicBezTo>
-                  <a:pt x="3652577" y="-4628"/>
-                  <a:pt x="3547615" y="-1724"/>
-                  <a:pt x="3290011" y="13716"/>
-                </a:cubicBezTo>
-                <a:cubicBezTo>
-                  <a:pt x="3032407" y="29156"/>
-                  <a:pt x="2830268" y="4147"/>
-                  <a:pt x="2560320" y="13716"/>
-                </a:cubicBezTo>
-                <a:cubicBezTo>
-                  <a:pt x="2290372" y="23285"/>
-                  <a:pt x="2147422" y="2156"/>
-                  <a:pt x="1965046" y="13716"/>
-                </a:cubicBezTo>
-                <a:cubicBezTo>
-                  <a:pt x="1782670" y="25276"/>
-                  <a:pt x="1689791" y="36108"/>
-                  <a:pt x="1459382" y="13716"/>
-                </a:cubicBezTo>
-                <a:cubicBezTo>
-                  <a:pt x="1228973" y="-8676"/>
-                  <a:pt x="915486" y="31929"/>
-                  <a:pt x="774497" y="13716"/>
-                </a:cubicBezTo>
-                <a:cubicBezTo>
-                  <a:pt x="633508" y="-4497"/>
-                  <a:pt x="361442" y="-15679"/>
-                  <a:pt x="0" y="13716"/>
-                </a:cubicBezTo>
-                <a:cubicBezTo>
-                  <a:pt x="-362" y="8190"/>
-                  <a:pt x="-434" y="6098"/>
-                  <a:pt x="0" y="0"/>
-                </a:cubicBezTo>
-                <a:close/>
-              </a:path>
-              <a:path w="4480560" h="13716" stroke="0" extrusionOk="0">
-                <a:moveTo>
-                  <a:pt x="0" y="0"/>
-                </a:moveTo>
-                <a:cubicBezTo>
-                  <a:pt x="285465" y="225"/>
-                  <a:pt x="322691" y="16223"/>
-                  <a:pt x="595274" y="0"/>
-                </a:cubicBezTo>
-                <a:cubicBezTo>
-                  <a:pt x="867857" y="-16223"/>
-                  <a:pt x="989129" y="-11242"/>
-                  <a:pt x="1100938" y="0"/>
-                </a:cubicBezTo>
-                <a:cubicBezTo>
-                  <a:pt x="1212747" y="11242"/>
-                  <a:pt x="1574350" y="-36410"/>
-                  <a:pt x="1830629" y="0"/>
-                </a:cubicBezTo>
-                <a:cubicBezTo>
-                  <a:pt x="2086908" y="36410"/>
-                  <a:pt x="2180922" y="4645"/>
-                  <a:pt x="2425903" y="0"/>
-                </a:cubicBezTo>
-                <a:cubicBezTo>
-                  <a:pt x="2670884" y="-4645"/>
-                  <a:pt x="2782024" y="22929"/>
-                  <a:pt x="3021178" y="0"/>
-                </a:cubicBezTo>
-                <a:cubicBezTo>
-                  <a:pt x="3260332" y="-22929"/>
-                  <a:pt x="3456982" y="-1586"/>
-                  <a:pt x="3750869" y="0"/>
-                </a:cubicBezTo>
-                <a:cubicBezTo>
-                  <a:pt x="4044756" y="1586"/>
-                  <a:pt x="4302726" y="17043"/>
-                  <a:pt x="4480560" y="0"/>
-                </a:cubicBezTo>
-                <a:cubicBezTo>
-                  <a:pt x="4480360" y="3832"/>
-                  <a:pt x="4481152" y="9314"/>
-                  <a:pt x="4480560" y="13716"/>
-                </a:cubicBezTo>
-                <a:cubicBezTo>
-                  <a:pt x="4279652" y="-11422"/>
-                  <a:pt x="4200762" y="36994"/>
-                  <a:pt x="3930091" y="13716"/>
-                </a:cubicBezTo>
-                <a:cubicBezTo>
-                  <a:pt x="3659420" y="-9562"/>
-                  <a:pt x="3456052" y="17722"/>
-                  <a:pt x="3290011" y="13716"/>
-                </a:cubicBezTo>
-                <a:cubicBezTo>
-                  <a:pt x="3123970" y="9710"/>
-                  <a:pt x="2882392" y="28246"/>
-                  <a:pt x="2649931" y="13716"/>
-                </a:cubicBezTo>
-                <a:cubicBezTo>
-                  <a:pt x="2417470" y="-814"/>
-                  <a:pt x="2238426" y="2765"/>
-                  <a:pt x="2054657" y="13716"/>
-                </a:cubicBezTo>
-                <a:cubicBezTo>
-                  <a:pt x="1870888" y="24667"/>
-                  <a:pt x="1566368" y="40468"/>
-                  <a:pt x="1324966" y="13716"/>
-                </a:cubicBezTo>
-                <a:cubicBezTo>
-                  <a:pt x="1083564" y="-13036"/>
-                  <a:pt x="787410" y="6374"/>
-                  <a:pt x="595274" y="13716"/>
-                </a:cubicBezTo>
-                <a:cubicBezTo>
-                  <a:pt x="403138" y="21058"/>
-                  <a:pt x="169622" y="5927"/>
-                  <a:pt x="0" y="13716"/>
-                </a:cubicBezTo>
-                <a:cubicBezTo>
-                  <a:pt x="-475" y="8699"/>
-                  <a:pt x="-565" y="4408"/>
-                  <a:pt x="0" y="0"/>
-                </a:cubicBezTo>
-                <a:close/>
-              </a:path>
-            </a:pathLst>
-          </a:custGeom>
-          <a:solidFill>
-            <a:schemeClr val="accent2"/>
-          </a:solidFill>
-          <a:ln w="41275" cap="rnd">
-            <a:solidFill>
-              <a:schemeClr val="accent2"/>
-            </a:solidFill>
-            <a:round/>
-            <a:extLst>
-              <a:ext uri="{C807C97D-BFC1-408E-A445-0C87EB9F89A2}">
-                <ask:lineSketchStyleProps xmlns:ask="http://schemas.microsoft.com/office/drawing/2018/sketchyshapes" sd="1219033472">
-                  <a:prstGeom prst="rect">
-                    <a:avLst/>
-                  </a:prstGeom>
-                  <ask:type>
-                    <ask:lineSketchFreehand/>
-                  </ask:type>
-                </ask:lineSketchStyleProps>
-              </a:ext>
-            </a:extLst>
-          </a:ln>
-        </p:spPr>
-        <p:style>
-          <a:lnRef idx="2">
-            <a:schemeClr val="accent1">
-              <a:shade val="50000"/>
-            </a:schemeClr>
-          </a:lnRef>
-          <a:fillRef idx="1">
-            <a:schemeClr val="accent1"/>
-          </a:fillRef>
-          <a:effectRef idx="0">
-            <a:schemeClr val="accent1"/>
-          </a:effectRef>
-          <a:fontRef idx="minor">
-            <a:schemeClr val="lt1"/>
-          </a:fontRef>
-        </p:style>
-        <p:txBody>
-          <a:bodyPr rtlCol="0" anchor="ctr"/>
-          <a:lstStyle/>
-          <a:p>
-            <a:pPr algn="ctr"/>
-            <a:endParaRPr lang="en-US"/>
-          </a:p>
-        </p:txBody>
-      </p:sp>
-      <p:sp>
-        <p:nvSpPr>
-          <p:cNvPr id="3" name="Content Placeholder 2"/>
-          <p:cNvSpPr>
-            <a:spLocks noGrp="1"/>
-          </p:cNvSpPr>
-          <p:nvPr>
-            <p:ph idx="1"/>
-          </p:nvPr>
-        </p:nvSpPr>
-        <p:spPr>
-          <a:xfrm>
-            <a:off x="3844813" y="552091"/>
-            <a:ext cx="4668251" cy="5431536"/>
-          </a:xfrm>
-        </p:spPr>
-        <p:txBody>
-          <a:bodyPr anchor="ctr">
-            <a:normAutofit/>
-          </a:bodyPr>
-          <a:lstStyle/>
-          <a:p>
-            <a:endParaRPr lang="en-US" sz="1900"/>
-          </a:p>
-          <a:p>
-            <a:r>
-              <a:rPr lang="en-US" sz="1900"/>
-              <a:t>Labeled rows &amp; columns</a:t>
-            </a:r>
-          </a:p>
-          <a:p>
-            <a:r>
-              <a:rPr lang="en-US" sz="1900"/>
-              <a:t>Handles multiple data types</a:t>
-            </a:r>
-          </a:p>
-          <a:p>
-            <a:r>
-              <a:rPr lang="en-US" sz="1900"/>
-              <a:t>Vectorized operations</a:t>
-            </a:r>
-          </a:p>
-          <a:p>
-            <a:r>
-              <a:rPr lang="en-US" sz="1900"/>
-              <a:t>Easy filtering/joining/grouping</a:t>
-            </a:r>
-          </a:p>
-          <a:p>
-            <a:r>
-              <a:rPr lang="en-US" sz="1900"/>
-              <a:t>References:</a:t>
-            </a:r>
-          </a:p>
-          <a:p>
-            <a:pPr lvl="1">
-              <a:defRPr sz="1000"/>
-            </a:pPr>
-            <a:r>
-              <a:rPr lang="en-US" sz="1900"/>
-              <a:t>https://pandas.pydata.org/docs/user_guide/dsintro.html#dataframe</a:t>
-            </a:r>
-          </a:p>
-          <a:p>
-            <a:pPr lvl="1">
-              <a:defRPr sz="1000"/>
-            </a:pPr>
-            <a:r>
-              <a:rPr lang="en-US" sz="1900"/>
-              <a:t>https://pandas.pydata.org/docs/user_guide/basics.html</a:t>
-            </a:r>
-          </a:p>
-          <a:p>
-            <a:pPr lvl="1">
-              <a:defRPr sz="1000"/>
-            </a:pPr>
-            <a:r>
-              <a:rPr lang="en-US" sz="1900"/>
-              <a:t>https://pandas.pydata.org/docs/user_guide/10min.html</a:t>
             </a:r>
           </a:p>
         </p:txBody>
